--- a/doc/task07/design.pptx
+++ b/doc/task07/design.pptx
@@ -5,20 +5,23 @@
     <p:sldMasterId id="2147483648" r:id="rId1"/>
   </p:sldMasterIdLst>
   <p:notesMasterIdLst>
-    <p:notesMasterId r:id="rId13"/>
+    <p:notesMasterId r:id="rId16"/>
   </p:notesMasterIdLst>
   <p:sldIdLst>
     <p:sldId id="256" r:id="rId2"/>
     <p:sldId id="270" r:id="rId3"/>
     <p:sldId id="283" r:id="rId4"/>
-    <p:sldId id="272" r:id="rId5"/>
-    <p:sldId id="281" r:id="rId6"/>
-    <p:sldId id="282" r:id="rId7"/>
-    <p:sldId id="284" r:id="rId8"/>
-    <p:sldId id="285" r:id="rId9"/>
-    <p:sldId id="286" r:id="rId10"/>
-    <p:sldId id="287" r:id="rId11"/>
-    <p:sldId id="280" r:id="rId12"/>
+    <p:sldId id="288" r:id="rId5"/>
+    <p:sldId id="272" r:id="rId6"/>
+    <p:sldId id="281" r:id="rId7"/>
+    <p:sldId id="289" r:id="rId8"/>
+    <p:sldId id="282" r:id="rId9"/>
+    <p:sldId id="284" r:id="rId10"/>
+    <p:sldId id="290" r:id="rId11"/>
+    <p:sldId id="285" r:id="rId12"/>
+    <p:sldId id="286" r:id="rId13"/>
+    <p:sldId id="287" r:id="rId14"/>
+    <p:sldId id="280" r:id="rId15"/>
   </p:sldIdLst>
   <p:sldSz cx="9144000" cy="6858000" type="screen4x3"/>
   <p:notesSz cx="6858000" cy="9144000"/>
@@ -119,7 +122,7 @@
   </p:defaultTextStyle>
   <p:extLst>
     <p:ext uri="{EFAFB233-063F-42B5-8137-9DF3F51BA10A}">
-      <p15:sldGuideLst xmlns="" xmlns:p15="http://schemas.microsoft.com/office/powerpoint/2012/main">
+      <p15:sldGuideLst xmlns:p15="http://schemas.microsoft.com/office/powerpoint/2012/main">
         <p15:guide id="1" orient="horz" pos="2160">
           <p15:clr>
             <a:srgbClr val="A4A3A4"/>
@@ -218,7 +221,7 @@
           <a:p>
             <a:fld id="{886089FC-270D-4247-A68F-0C2F3B33D2DF}" type="datetimeFigureOut">
               <a:rPr lang="de-CH" smtClean="0"/>
-              <a:t>13.04.2015</a:t>
+              <a:t>14.04.2015</a:t>
             </a:fld>
             <a:endParaRPr lang="de-CH"/>
           </a:p>
@@ -720,7 +723,7 @@
           <a:p>
             <a:fld id="{550EA7F5-C048-764E-A1BB-BCA3DE93A146}" type="datetimeFigureOut">
               <a:rPr lang="de-DE" smtClean="0"/>
-              <a:t>13.04.2015</a:t>
+              <a:t>14.04.2015</a:t>
             </a:fld>
             <a:endParaRPr lang="de-DE"/>
           </a:p>
@@ -890,7 +893,7 @@
           <a:p>
             <a:fld id="{550EA7F5-C048-764E-A1BB-BCA3DE93A146}" type="datetimeFigureOut">
               <a:rPr lang="de-DE" smtClean="0"/>
-              <a:t>13.04.2015</a:t>
+              <a:t>14.04.2015</a:t>
             </a:fld>
             <a:endParaRPr lang="de-DE"/>
           </a:p>
@@ -1070,7 +1073,7 @@
           <a:p>
             <a:fld id="{550EA7F5-C048-764E-A1BB-BCA3DE93A146}" type="datetimeFigureOut">
               <a:rPr lang="de-DE" smtClean="0"/>
-              <a:t>13.04.2015</a:t>
+              <a:t>14.04.2015</a:t>
             </a:fld>
             <a:endParaRPr lang="de-DE"/>
           </a:p>
@@ -1293,7 +1296,7 @@
           <a:p>
             <a:fld id="{550EA7F5-C048-764E-A1BB-BCA3DE93A146}" type="datetimeFigureOut">
               <a:rPr lang="de-DE" smtClean="0"/>
-              <a:t>13.04.2015</a:t>
+              <a:t>14.04.2015</a:t>
             </a:fld>
             <a:endParaRPr lang="de-DE"/>
           </a:p>
@@ -1588,7 +1591,7 @@
           <a:p>
             <a:fld id="{550EA7F5-C048-764E-A1BB-BCA3DE93A146}" type="datetimeFigureOut">
               <a:rPr lang="de-DE" smtClean="0"/>
-              <a:t>13.04.2015</a:t>
+              <a:t>14.04.2015</a:t>
             </a:fld>
             <a:endParaRPr lang="de-DE"/>
           </a:p>
@@ -1929,7 +1932,7 @@
           <a:p>
             <a:fld id="{550EA7F5-C048-764E-A1BB-BCA3DE93A146}" type="datetimeFigureOut">
               <a:rPr lang="de-DE" smtClean="0"/>
-              <a:t>13.04.2015</a:t>
+              <a:t>14.04.2015</a:t>
             </a:fld>
             <a:endParaRPr lang="de-DE"/>
           </a:p>
@@ -2400,7 +2403,7 @@
           <a:p>
             <a:fld id="{550EA7F5-C048-764E-A1BB-BCA3DE93A146}" type="datetimeFigureOut">
               <a:rPr lang="de-DE" smtClean="0"/>
-              <a:t>13.04.2015</a:t>
+              <a:t>14.04.2015</a:t>
             </a:fld>
             <a:endParaRPr lang="de-DE"/>
           </a:p>
@@ -2571,7 +2574,7 @@
           <a:p>
             <a:fld id="{550EA7F5-C048-764E-A1BB-BCA3DE93A146}" type="datetimeFigureOut">
               <a:rPr lang="de-DE" smtClean="0"/>
-              <a:t>13.04.2015</a:t>
+              <a:t>14.04.2015</a:t>
             </a:fld>
             <a:endParaRPr lang="de-DE"/>
           </a:p>
@@ -2666,7 +2669,7 @@
           <a:p>
             <a:fld id="{550EA7F5-C048-764E-A1BB-BCA3DE93A146}" type="datetimeFigureOut">
               <a:rPr lang="de-DE" smtClean="0"/>
-              <a:t>13.04.2015</a:t>
+              <a:t>14.04.2015</a:t>
             </a:fld>
             <a:endParaRPr lang="de-DE"/>
           </a:p>
@@ -2943,7 +2946,7 @@
           <a:p>
             <a:fld id="{550EA7F5-C048-764E-A1BB-BCA3DE93A146}" type="datetimeFigureOut">
               <a:rPr lang="de-DE" smtClean="0"/>
-              <a:t>13.04.2015</a:t>
+              <a:t>14.04.2015</a:t>
             </a:fld>
             <a:endParaRPr lang="de-DE"/>
           </a:p>
@@ -3196,7 +3199,7 @@
           <a:p>
             <a:fld id="{550EA7F5-C048-764E-A1BB-BCA3DE93A146}" type="datetimeFigureOut">
               <a:rPr lang="de-DE" smtClean="0"/>
-              <a:t>13.04.2015</a:t>
+              <a:t>14.04.2015</a:t>
             </a:fld>
             <a:endParaRPr lang="de-DE"/>
           </a:p>
@@ -3409,7 +3412,7 @@
           <a:p>
             <a:fld id="{550EA7F5-C048-764E-A1BB-BCA3DE93A146}" type="datetimeFigureOut">
               <a:rPr lang="de-DE" smtClean="0"/>
-              <a:t>13.04.2015</a:t>
+              <a:t>14.04.2015</a:t>
             </a:fld>
             <a:endParaRPr lang="de-DE"/>
           </a:p>
@@ -3919,6 +3922,407 @@
           <a:bodyPr/>
           <a:lstStyle/>
           <a:p>
+            <a:endParaRPr lang="de-CH"/>
+          </a:p>
+        </p:txBody>
+      </p:sp>
+      <p:sp>
+        <p:nvSpPr>
+          <p:cNvPr id="3" name="Inhaltsplatzhalter 2"/>
+          <p:cNvSpPr>
+            <a:spLocks noGrp="1"/>
+          </p:cNvSpPr>
+          <p:nvPr>
+            <p:ph idx="1"/>
+          </p:nvPr>
+        </p:nvSpPr>
+        <p:spPr/>
+        <p:txBody>
+          <a:bodyPr/>
+          <a:lstStyle/>
+          <a:p>
+            <a:r>
+              <a:rPr lang="de-CH" dirty="0" smtClean="0"/>
+              <a:t>App will </a:t>
+            </a:r>
+            <a:r>
+              <a:rPr lang="de-CH" dirty="0" err="1" smtClean="0"/>
+              <a:t>Activity</a:t>
+            </a:r>
+            <a:r>
+              <a:rPr lang="de-CH" dirty="0" smtClean="0"/>
+              <a:t> von </a:t>
+            </a:r>
+            <a:r>
+              <a:rPr lang="de-CH" dirty="0" err="1" smtClean="0"/>
+              <a:t>LifeUp</a:t>
+            </a:r>
+            <a:r>
+              <a:rPr lang="de-CH" dirty="0" smtClean="0"/>
+              <a:t> prüfen</a:t>
+            </a:r>
+          </a:p>
+          <a:p>
+            <a:r>
+              <a:rPr lang="de-CH" dirty="0" smtClean="0"/>
+              <a:t>App Übergibt </a:t>
+            </a:r>
+            <a:r>
+              <a:rPr lang="de-CH" dirty="0" err="1" smtClean="0"/>
+              <a:t>LifeUp</a:t>
+            </a:r>
+            <a:r>
+              <a:rPr lang="de-CH" dirty="0" smtClean="0"/>
+              <a:t> ein Bild zum prüfen</a:t>
+            </a:r>
+          </a:p>
+          <a:p>
+            <a:r>
+              <a:rPr lang="de-CH" dirty="0" smtClean="0"/>
+              <a:t>Gibt </a:t>
+            </a:r>
+            <a:r>
+              <a:rPr lang="de-CH" dirty="0" err="1" smtClean="0"/>
+              <a:t>LifeUp</a:t>
+            </a:r>
+            <a:r>
+              <a:rPr lang="de-CH" dirty="0" smtClean="0"/>
+              <a:t> </a:t>
+            </a:r>
+            <a:r>
+              <a:rPr lang="de-CH" dirty="0" err="1" smtClean="0"/>
+              <a:t>Success</a:t>
+            </a:r>
+            <a:r>
+              <a:rPr lang="de-CH" dirty="0" smtClean="0"/>
+              <a:t> zurück, werden Punkte addiert</a:t>
+            </a:r>
+          </a:p>
+          <a:p>
+            <a:r>
+              <a:rPr lang="de-CH" dirty="0" err="1" smtClean="0"/>
+              <a:t>Lv</a:t>
+            </a:r>
+            <a:r>
+              <a:rPr lang="de-CH" dirty="0" smtClean="0"/>
+              <a:t> </a:t>
+            </a:r>
+            <a:r>
+              <a:rPr lang="de-CH" dirty="0" err="1" smtClean="0"/>
+              <a:t>up</a:t>
+            </a:r>
+            <a:r>
+              <a:rPr lang="de-CH" dirty="0" smtClean="0"/>
+              <a:t> wird geprüft</a:t>
+            </a:r>
+          </a:p>
+          <a:p>
+            <a:r>
+              <a:rPr lang="de-CH" dirty="0" smtClean="0"/>
+              <a:t>Wenn </a:t>
+            </a:r>
+            <a:r>
+              <a:rPr lang="de-CH" dirty="0" err="1" smtClean="0"/>
+              <a:t>Lv</a:t>
+            </a:r>
+            <a:r>
+              <a:rPr lang="de-CH" dirty="0" smtClean="0"/>
+              <a:t> </a:t>
+            </a:r>
+            <a:r>
+              <a:rPr lang="de-CH" dirty="0" err="1" smtClean="0"/>
+              <a:t>up</a:t>
+            </a:r>
+            <a:r>
+              <a:rPr lang="de-CH" dirty="0" smtClean="0"/>
+              <a:t> </a:t>
+            </a:r>
+            <a:r>
+              <a:rPr lang="de-CH" dirty="0" err="1" smtClean="0"/>
+              <a:t>zustane</a:t>
+            </a:r>
+            <a:r>
+              <a:rPr lang="de-CH" dirty="0" smtClean="0"/>
+              <a:t> kommt, wird dies der </a:t>
+            </a:r>
+            <a:r>
+              <a:rPr lang="de-CH" dirty="0" err="1" smtClean="0"/>
+              <a:t>Activity</a:t>
+            </a:r>
+            <a:r>
+              <a:rPr lang="de-CH" dirty="0" smtClean="0"/>
+              <a:t> gesendet</a:t>
+            </a:r>
+          </a:p>
+          <a:p>
+            <a:r>
+              <a:rPr lang="de-CH" dirty="0" err="1" smtClean="0"/>
+              <a:t>Activity</a:t>
+            </a:r>
+            <a:r>
+              <a:rPr lang="de-CH" dirty="0" smtClean="0"/>
+              <a:t> sendet Log an Server Klinik</a:t>
+            </a:r>
+            <a:endParaRPr lang="de-CH" dirty="0"/>
+          </a:p>
+        </p:txBody>
+      </p:sp>
+    </p:spTree>
+    <p:extLst>
+      <p:ext uri="{BB962C8B-B14F-4D97-AF65-F5344CB8AC3E}">
+        <p14:creationId xmlns:p14="http://schemas.microsoft.com/office/powerpoint/2010/main" val="2278301276"/>
+      </p:ext>
+    </p:extLst>
+  </p:cSld>
+  <p:clrMapOvr>
+    <a:masterClrMapping/>
+  </p:clrMapOvr>
+</p:sld>
+</file>
+
+<file path=ppt/slides/slide11.xml><?xml version="1.0" encoding="utf-8"?>
+<p:sld xmlns:a="http://schemas.openxmlformats.org/drawingml/2006/main" xmlns:r="http://schemas.openxmlformats.org/officeDocument/2006/relationships" xmlns:p="http://schemas.openxmlformats.org/presentationml/2006/main">
+  <p:cSld>
+    <p:spTree>
+      <p:nvGrpSpPr>
+        <p:cNvPr id="1" name=""/>
+        <p:cNvGrpSpPr/>
+        <p:nvPr/>
+      </p:nvGrpSpPr>
+      <p:grpSpPr>
+        <a:xfrm>
+          <a:off x="0" y="0"/>
+          <a:ext cx="0" cy="0"/>
+          <a:chOff x="0" y="0"/>
+          <a:chExt cx="0" cy="0"/>
+        </a:xfrm>
+      </p:grpSpPr>
+      <p:sp>
+        <p:nvSpPr>
+          <p:cNvPr id="2" name="Titel 1"/>
+          <p:cNvSpPr>
+            <a:spLocks noGrp="1"/>
+          </p:cNvSpPr>
+          <p:nvPr>
+            <p:ph type="title"/>
+          </p:nvPr>
+        </p:nvSpPr>
+        <p:spPr/>
+        <p:txBody>
+          <a:bodyPr/>
+          <a:lstStyle/>
+          <a:p>
+            <a:endParaRPr lang="de-CH"/>
+          </a:p>
+        </p:txBody>
+      </p:sp>
+      <p:pic>
+        <p:nvPicPr>
+          <p:cNvPr id="7170" name="Picture 2" descr="C:\Users\James\workspaceLuna\sed_projekt\doc\task07\classDiagrammSED.png"/>
+          <p:cNvPicPr>
+            <a:picLocks noGrp="1" noChangeAspect="1" noChangeArrowheads="1"/>
+          </p:cNvPicPr>
+          <p:nvPr>
+            <p:ph idx="1"/>
+          </p:nvPr>
+        </p:nvPicPr>
+        <p:blipFill>
+          <a:blip r:embed="rId2">
+            <a:extLst>
+              <a:ext uri="{28A0092B-C50C-407E-A947-70E740481C1C}">
+                <a14:useLocalDpi xmlns:a14="http://schemas.microsoft.com/office/drawing/2010/main" val="0"/>
+              </a:ext>
+            </a:extLst>
+          </a:blip>
+          <a:srcRect/>
+          <a:stretch>
+            <a:fillRect/>
+          </a:stretch>
+        </p:blipFill>
+        <p:spPr bwMode="auto">
+          <a:xfrm>
+            <a:off x="285760" y="0"/>
+            <a:ext cx="8572500" cy="6850172"/>
+          </a:xfrm>
+          <a:prstGeom prst="rect">
+            <a:avLst/>
+          </a:prstGeom>
+          <a:noFill/>
+          <a:extLst>
+            <a:ext uri="{909E8E84-426E-40DD-AFC4-6F175D3DCCD1}">
+              <a14:hiddenFill xmlns:a14="http://schemas.microsoft.com/office/drawing/2010/main">
+                <a:solidFill>
+                  <a:srgbClr val="FFFFFF"/>
+                </a:solidFill>
+              </a14:hiddenFill>
+            </a:ext>
+          </a:extLst>
+        </p:spPr>
+      </p:pic>
+    </p:spTree>
+    <p:extLst>
+      <p:ext uri="{BB962C8B-B14F-4D97-AF65-F5344CB8AC3E}">
+        <p14:creationId xmlns:p14="http://schemas.microsoft.com/office/powerpoint/2010/main" val="3752890489"/>
+      </p:ext>
+    </p:extLst>
+  </p:cSld>
+  <p:clrMapOvr>
+    <a:masterClrMapping/>
+  </p:clrMapOvr>
+  <p:timing>
+    <p:tnLst>
+      <p:par>
+        <p:cTn id="1" dur="indefinite" restart="never" nodeType="tmRoot"/>
+      </p:par>
+    </p:tnLst>
+  </p:timing>
+</p:sld>
+</file>
+
+<file path=ppt/slides/slide12.xml><?xml version="1.0" encoding="utf-8"?>
+<p:sld xmlns:a="http://schemas.openxmlformats.org/drawingml/2006/main" xmlns:r="http://schemas.openxmlformats.org/officeDocument/2006/relationships" xmlns:p="http://schemas.openxmlformats.org/presentationml/2006/main">
+  <p:cSld>
+    <p:spTree>
+      <p:nvGrpSpPr>
+        <p:cNvPr id="1" name=""/>
+        <p:cNvGrpSpPr/>
+        <p:nvPr/>
+      </p:nvGrpSpPr>
+      <p:grpSpPr>
+        <a:xfrm>
+          <a:off x="0" y="0"/>
+          <a:ext cx="0" cy="0"/>
+          <a:chOff x="0" y="0"/>
+          <a:chExt cx="0" cy="0"/>
+        </a:xfrm>
+      </p:grpSpPr>
+      <p:sp>
+        <p:nvSpPr>
+          <p:cNvPr id="2" name="Titel 1"/>
+          <p:cNvSpPr>
+            <a:spLocks noGrp="1"/>
+          </p:cNvSpPr>
+          <p:nvPr>
+            <p:ph type="title"/>
+          </p:nvPr>
+        </p:nvSpPr>
+        <p:spPr/>
+        <p:txBody>
+          <a:bodyPr/>
+          <a:lstStyle/>
+          <a:p>
+            <a:r>
+              <a:rPr lang="en-US" dirty="0" smtClean="0"/>
+              <a:t>Teilausschnitt1</a:t>
+            </a:r>
+            <a:endParaRPr lang="de-CH" dirty="0"/>
+          </a:p>
+        </p:txBody>
+      </p:sp>
+      <p:sp>
+        <p:nvSpPr>
+          <p:cNvPr id="3" name="Inhaltsplatzhalter 2"/>
+          <p:cNvSpPr>
+            <a:spLocks noGrp="1"/>
+          </p:cNvSpPr>
+          <p:nvPr>
+            <p:ph idx="1"/>
+          </p:nvPr>
+        </p:nvSpPr>
+        <p:spPr/>
+        <p:txBody>
+          <a:bodyPr/>
+          <a:lstStyle/>
+          <a:p>
+            <a:r>
+              <a:rPr lang="de-CH" dirty="0" smtClean="0"/>
+              <a:t>Patient App hat Relationen zu Kalender, Emergency und </a:t>
+            </a:r>
+            <a:r>
+              <a:rPr lang="de-CH" dirty="0" err="1" smtClean="0"/>
+              <a:t>LifeUp</a:t>
+            </a:r>
+            <a:endParaRPr lang="de-CH" dirty="0" smtClean="0"/>
+          </a:p>
+          <a:p>
+            <a:r>
+              <a:rPr lang="de-CH" dirty="0" smtClean="0"/>
+              <a:t>Daten vom Server werden statt von den obigen Relationen vom </a:t>
+            </a:r>
+            <a:r>
+              <a:rPr lang="de-CH" dirty="0" err="1" smtClean="0"/>
+              <a:t>ClinicConnector</a:t>
+            </a:r>
+            <a:r>
+              <a:rPr lang="de-CH" dirty="0" smtClean="0"/>
+              <a:t> geholt -&gt; zentrale Sammelstelle</a:t>
+            </a:r>
+          </a:p>
+          <a:p>
+            <a:r>
+              <a:rPr lang="de-CH" dirty="0" err="1" smtClean="0"/>
+              <a:t>EmergencyStep</a:t>
+            </a:r>
+            <a:r>
+              <a:rPr lang="de-CH" dirty="0" smtClean="0"/>
+              <a:t>, als Relation zu Emergency, hat jeweils einen Kontakt für Persönliche Hilfe</a:t>
+            </a:r>
+            <a:endParaRPr lang="de-CH" dirty="0"/>
+          </a:p>
+        </p:txBody>
+      </p:sp>
+    </p:spTree>
+    <p:extLst>
+      <p:ext uri="{BB962C8B-B14F-4D97-AF65-F5344CB8AC3E}">
+        <p14:creationId xmlns:p14="http://schemas.microsoft.com/office/powerpoint/2010/main" val="934797876"/>
+      </p:ext>
+    </p:extLst>
+  </p:cSld>
+  <p:clrMapOvr>
+    <a:masterClrMapping/>
+  </p:clrMapOvr>
+  <p:timing>
+    <p:tnLst>
+      <p:par>
+        <p:cTn id="1" dur="indefinite" restart="never" nodeType="tmRoot"/>
+      </p:par>
+    </p:tnLst>
+  </p:timing>
+</p:sld>
+</file>
+
+<file path=ppt/slides/slide13.xml><?xml version="1.0" encoding="utf-8"?>
+<p:sld xmlns:a="http://schemas.openxmlformats.org/drawingml/2006/main" xmlns:r="http://schemas.openxmlformats.org/officeDocument/2006/relationships" xmlns:p="http://schemas.openxmlformats.org/presentationml/2006/main">
+  <p:cSld>
+    <p:spTree>
+      <p:nvGrpSpPr>
+        <p:cNvPr id="1" name=""/>
+        <p:cNvGrpSpPr/>
+        <p:nvPr/>
+      </p:nvGrpSpPr>
+      <p:grpSpPr>
+        <a:xfrm>
+          <a:off x="0" y="0"/>
+          <a:ext cx="0" cy="0"/>
+          <a:chOff x="0" y="0"/>
+          <a:chExt cx="0" cy="0"/>
+        </a:xfrm>
+      </p:grpSpPr>
+      <p:sp>
+        <p:nvSpPr>
+          <p:cNvPr id="2" name="Titel 1"/>
+          <p:cNvSpPr>
+            <a:spLocks noGrp="1"/>
+          </p:cNvSpPr>
+          <p:nvPr>
+            <p:ph type="title"/>
+          </p:nvPr>
+        </p:nvSpPr>
+        <p:spPr/>
+        <p:txBody>
+          <a:bodyPr/>
+          <a:lstStyle/>
+          <a:p>
             <a:r>
               <a:rPr lang="en-US" dirty="0" smtClean="0"/>
               <a:t>Teilausschnitt2</a:t>
@@ -3941,6 +4345,72 @@
         <p:txBody>
           <a:bodyPr/>
           <a:lstStyle/>
+          <a:p>
+            <a:r>
+              <a:rPr lang="de-CH" dirty="0" err="1" smtClean="0"/>
+              <a:t>Activities</a:t>
+            </a:r>
+            <a:r>
+              <a:rPr lang="de-CH" dirty="0" smtClean="0"/>
+              <a:t> haben Relationen zu GPS Daten oder Bilder -&gt; Überprüfung in jedem Fall möglich</a:t>
+            </a:r>
+          </a:p>
+          <a:p>
+            <a:r>
+              <a:rPr lang="de-CH" dirty="0" err="1" smtClean="0"/>
+              <a:t>Calendar</a:t>
+            </a:r>
+            <a:r>
+              <a:rPr lang="de-CH" dirty="0" err="1" smtClean="0"/>
+              <a:t>Entry</a:t>
+            </a:r>
+            <a:r>
+              <a:rPr lang="de-CH" dirty="0" smtClean="0"/>
+              <a:t> hat Relation zu </a:t>
+            </a:r>
+            <a:r>
+              <a:rPr lang="de-CH" dirty="0" err="1" smtClean="0"/>
+              <a:t>Appointments</a:t>
+            </a:r>
+            <a:r>
+              <a:rPr lang="de-CH" dirty="0" smtClean="0"/>
+              <a:t>, </a:t>
+            </a:r>
+            <a:r>
+              <a:rPr lang="de-CH" dirty="0" err="1" smtClean="0"/>
+              <a:t>Medication</a:t>
+            </a:r>
+            <a:r>
+              <a:rPr lang="de-CH" dirty="0" smtClean="0"/>
+              <a:t> und </a:t>
+            </a:r>
+            <a:r>
+              <a:rPr lang="de-CH" dirty="0" err="1" smtClean="0"/>
+              <a:t>Acivities</a:t>
+            </a:r>
+            <a:r>
+              <a:rPr lang="de-CH" dirty="0" smtClean="0"/>
+              <a:t> -&gt; zentrale Klasse als Sammelstelle für den Kalender</a:t>
+            </a:r>
+          </a:p>
+          <a:p>
+            <a:r>
+              <a:rPr lang="de-CH" dirty="0" err="1" smtClean="0"/>
+              <a:t>Activities</a:t>
+            </a:r>
+            <a:r>
+              <a:rPr lang="de-CH" dirty="0" smtClean="0"/>
+              <a:t> werden sowohl im Kalender als auch im Spiel </a:t>
+            </a:r>
+            <a:r>
+              <a:rPr lang="de-CH" dirty="0" err="1" smtClean="0"/>
+              <a:t>LifeUp</a:t>
+            </a:r>
+            <a:r>
+              <a:rPr lang="de-CH" dirty="0" smtClean="0"/>
+              <a:t> dargestellt </a:t>
+            </a:r>
+          </a:p>
           <a:p>
             <a:endParaRPr lang="de-CH" dirty="0"/>
           </a:p>
@@ -3966,7 +4436,7 @@
 </p:sld>
 </file>
 
-<file path=ppt/slides/slide11.xml><?xml version="1.0" encoding="utf-8"?>
+<file path=ppt/slides/slide14.xml><?xml version="1.0" encoding="utf-8"?>
 <p:sld xmlns:a="http://schemas.openxmlformats.org/drawingml/2006/main" xmlns:r="http://schemas.openxmlformats.org/officeDocument/2006/relationships" xmlns:p="http://schemas.openxmlformats.org/presentationml/2006/main">
   <p:cSld>
     <p:spTree>
@@ -4293,6 +4763,177 @@
       </p:grpSpPr>
       <p:sp>
         <p:nvSpPr>
+          <p:cNvPr id="2" name="Titel 1"/>
+          <p:cNvSpPr>
+            <a:spLocks noGrp="1"/>
+          </p:cNvSpPr>
+          <p:nvPr>
+            <p:ph type="title"/>
+          </p:nvPr>
+        </p:nvSpPr>
+        <p:spPr/>
+        <p:txBody>
+          <a:bodyPr/>
+          <a:lstStyle/>
+          <a:p>
+            <a:r>
+              <a:rPr lang="de-CH" dirty="0" smtClean="0"/>
+              <a:t>Domain Model</a:t>
+            </a:r>
+            <a:endParaRPr lang="de-CH" dirty="0"/>
+          </a:p>
+        </p:txBody>
+      </p:sp>
+      <p:sp>
+        <p:nvSpPr>
+          <p:cNvPr id="3" name="Inhaltsplatzhalter 2"/>
+          <p:cNvSpPr>
+            <a:spLocks noGrp="1"/>
+          </p:cNvSpPr>
+          <p:nvPr>
+            <p:ph idx="1"/>
+          </p:nvPr>
+        </p:nvSpPr>
+        <p:spPr/>
+        <p:txBody>
+          <a:bodyPr>
+            <a:normAutofit lnSpcReduction="10000"/>
+          </a:bodyPr>
+          <a:lstStyle/>
+          <a:p>
+            <a:r>
+              <a:rPr lang="de-CH" dirty="0" err="1" smtClean="0"/>
+              <a:t>Calendar</a:t>
+            </a:r>
+            <a:r>
+              <a:rPr lang="de-CH" dirty="0" smtClean="0"/>
+              <a:t> enthält sämtliche </a:t>
+            </a:r>
+            <a:r>
+              <a:rPr lang="de-CH" dirty="0" err="1" smtClean="0"/>
+              <a:t>Calendar</a:t>
+            </a:r>
+            <a:r>
+              <a:rPr lang="de-CH" dirty="0" smtClean="0"/>
+              <a:t> </a:t>
+            </a:r>
+            <a:r>
+              <a:rPr lang="de-CH" dirty="0" err="1" smtClean="0"/>
+              <a:t>Entries</a:t>
+            </a:r>
+            <a:endParaRPr lang="de-CH" dirty="0" smtClean="0"/>
+          </a:p>
+          <a:p>
+            <a:r>
+              <a:rPr lang="de-CH" dirty="0" smtClean="0"/>
+              <a:t>Jedem Entry ist eine </a:t>
+            </a:r>
+            <a:r>
+              <a:rPr lang="de-CH" dirty="0" err="1" smtClean="0"/>
+              <a:t>Activity</a:t>
+            </a:r>
+            <a:r>
+              <a:rPr lang="de-CH" dirty="0"/>
+              <a:t>,</a:t>
+            </a:r>
+            <a:r>
+              <a:rPr lang="de-CH" dirty="0" smtClean="0"/>
+              <a:t> ein </a:t>
+            </a:r>
+            <a:r>
+              <a:rPr lang="de-CH" dirty="0" err="1" smtClean="0"/>
+              <a:t>Appointment</a:t>
+            </a:r>
+            <a:r>
+              <a:rPr lang="de-CH" dirty="0" smtClean="0"/>
+              <a:t> oder eine </a:t>
+            </a:r>
+            <a:r>
+              <a:rPr lang="de-CH" dirty="0" err="1" smtClean="0"/>
+              <a:t>Medication</a:t>
+            </a:r>
+            <a:r>
+              <a:rPr lang="de-CH" dirty="0" smtClean="0"/>
+              <a:t> zugewiesen</a:t>
+            </a:r>
+          </a:p>
+          <a:p>
+            <a:r>
+              <a:rPr lang="de-CH" dirty="0" smtClean="0"/>
+              <a:t>Bei </a:t>
+            </a:r>
+            <a:r>
+              <a:rPr lang="de-CH" dirty="0" err="1" smtClean="0"/>
+              <a:t>Appointments</a:t>
+            </a:r>
+            <a:r>
+              <a:rPr lang="de-CH" dirty="0" smtClean="0"/>
+              <a:t> kann der Arzt kontaktiert werden</a:t>
+            </a:r>
+          </a:p>
+          <a:p>
+            <a:r>
+              <a:rPr lang="de-CH" dirty="0" err="1" smtClean="0"/>
+              <a:t>Activities</a:t>
+            </a:r>
+            <a:r>
+              <a:rPr lang="de-CH" dirty="0" smtClean="0"/>
+              <a:t> sind mit </a:t>
+            </a:r>
+            <a:r>
+              <a:rPr lang="de-CH" dirty="0" err="1" smtClean="0"/>
+              <a:t>LifeUp</a:t>
+            </a:r>
+            <a:r>
+              <a:rPr lang="de-CH" dirty="0" smtClean="0"/>
+              <a:t> verbunden und werden dort angezeigt</a:t>
+            </a:r>
+          </a:p>
+          <a:p>
+            <a:r>
+              <a:rPr lang="de-CH" dirty="0" err="1" smtClean="0"/>
+              <a:t>KlinikConnector</a:t>
+            </a:r>
+            <a:r>
+              <a:rPr lang="de-CH" dirty="0" smtClean="0"/>
+              <a:t> ist zuständig für die Notfallnummern</a:t>
+            </a:r>
+            <a:endParaRPr lang="de-CH" dirty="0"/>
+          </a:p>
+        </p:txBody>
+      </p:sp>
+    </p:spTree>
+    <p:extLst>
+      <p:ext uri="{BB962C8B-B14F-4D97-AF65-F5344CB8AC3E}">
+        <p14:creationId xmlns:p14="http://schemas.microsoft.com/office/powerpoint/2010/main" val="2806369572"/>
+      </p:ext>
+    </p:extLst>
+  </p:cSld>
+  <p:clrMapOvr>
+    <a:masterClrMapping/>
+  </p:clrMapOvr>
+</p:sld>
+</file>
+
+<file path=ppt/slides/slide5.xml><?xml version="1.0" encoding="utf-8"?>
+<p:sld xmlns:a="http://schemas.openxmlformats.org/drawingml/2006/main" xmlns:r="http://schemas.openxmlformats.org/officeDocument/2006/relationships" xmlns:p="http://schemas.openxmlformats.org/presentationml/2006/main">
+  <p:cSld>
+    <p:spTree>
+      <p:nvGrpSpPr>
+        <p:cNvPr id="1" name=""/>
+        <p:cNvGrpSpPr/>
+        <p:nvPr/>
+      </p:nvGrpSpPr>
+      <p:grpSpPr>
+        <a:xfrm>
+          <a:off x="0" y="0"/>
+          <a:ext cx="0" cy="0"/>
+          <a:chOff x="0" y="0"/>
+          <a:chExt cx="0" cy="0"/>
+        </a:xfrm>
+      </p:grpSpPr>
+      <p:sp>
+        <p:nvSpPr>
           <p:cNvPr id="2" name="Title 1"/>
           <p:cNvSpPr>
             <a:spLocks noGrp="1"/>
@@ -4337,8 +4978,8 @@
         </p:blipFill>
         <p:spPr bwMode="auto">
           <a:xfrm>
-            <a:off x="3310220" y="1417638"/>
-            <a:ext cx="2581275" cy="5391150"/>
+            <a:off x="3310220" y="1516114"/>
+            <a:ext cx="2581275" cy="5341886"/>
           </a:xfrm>
           <a:prstGeom prst="rect">
             <a:avLst/>
@@ -4494,7 +5135,7 @@
 </p:sld>
 </file>
 
-<file path=ppt/slides/slide5.xml><?xml version="1.0" encoding="utf-8"?>
+<file path=ppt/slides/slide6.xml><?xml version="1.0" encoding="utf-8"?>
 <p:sld xmlns:a="http://schemas.openxmlformats.org/drawingml/2006/main" xmlns:r="http://schemas.openxmlformats.org/officeDocument/2006/relationships" xmlns:p="http://schemas.openxmlformats.org/presentationml/2006/main">
   <p:cSld>
     <p:spTree>
@@ -4610,7 +5251,149 @@
 </p:sld>
 </file>
 
-<file path=ppt/slides/slide6.xml><?xml version="1.0" encoding="utf-8"?>
+<file path=ppt/slides/slide7.xml><?xml version="1.0" encoding="utf-8"?>
+<p:sld xmlns:a="http://schemas.openxmlformats.org/drawingml/2006/main" xmlns:r="http://schemas.openxmlformats.org/officeDocument/2006/relationships" xmlns:p="http://schemas.openxmlformats.org/presentationml/2006/main">
+  <p:cSld>
+    <p:spTree>
+      <p:nvGrpSpPr>
+        <p:cNvPr id="1" name=""/>
+        <p:cNvGrpSpPr/>
+        <p:nvPr/>
+      </p:nvGrpSpPr>
+      <p:grpSpPr>
+        <a:xfrm>
+          <a:off x="0" y="0"/>
+          <a:ext cx="0" cy="0"/>
+          <a:chOff x="0" y="0"/>
+          <a:chExt cx="0" cy="0"/>
+        </a:xfrm>
+      </p:grpSpPr>
+      <p:sp>
+        <p:nvSpPr>
+          <p:cNvPr id="2" name="Titel 1"/>
+          <p:cNvSpPr>
+            <a:spLocks noGrp="1"/>
+          </p:cNvSpPr>
+          <p:nvPr>
+            <p:ph type="title"/>
+          </p:nvPr>
+        </p:nvSpPr>
+        <p:spPr/>
+        <p:txBody>
+          <a:bodyPr/>
+          <a:lstStyle/>
+          <a:p>
+            <a:r>
+              <a:rPr lang="de-CH" dirty="0" err="1" smtClean="0"/>
+              <a:t>Activities</a:t>
+            </a:r>
+            <a:r>
+              <a:rPr lang="de-CH" dirty="0" smtClean="0"/>
+              <a:t> Updaten</a:t>
+            </a:r>
+            <a:endParaRPr lang="de-CH" dirty="0"/>
+          </a:p>
+        </p:txBody>
+      </p:sp>
+      <p:sp>
+        <p:nvSpPr>
+          <p:cNvPr id="3" name="Inhaltsplatzhalter 2"/>
+          <p:cNvSpPr>
+            <a:spLocks noGrp="1"/>
+          </p:cNvSpPr>
+          <p:nvPr>
+            <p:ph idx="1"/>
+          </p:nvPr>
+        </p:nvSpPr>
+        <p:spPr/>
+        <p:txBody>
+          <a:bodyPr/>
+          <a:lstStyle/>
+          <a:p>
+            <a:r>
+              <a:rPr lang="de-CH" dirty="0" err="1" smtClean="0"/>
+              <a:t>Clinic</a:t>
+            </a:r>
+            <a:r>
+              <a:rPr lang="de-CH" dirty="0" smtClean="0"/>
+              <a:t> System wird nach </a:t>
+            </a:r>
+            <a:r>
+              <a:rPr lang="de-CH" dirty="0" err="1" smtClean="0"/>
+              <a:t>Entries</a:t>
+            </a:r>
+            <a:r>
+              <a:rPr lang="de-CH" dirty="0" smtClean="0"/>
+              <a:t> gefragt</a:t>
+            </a:r>
+          </a:p>
+          <a:p>
+            <a:r>
+              <a:rPr lang="de-CH" dirty="0" err="1" smtClean="0"/>
+              <a:t>Clinic</a:t>
+            </a:r>
+            <a:r>
+              <a:rPr lang="de-CH" dirty="0" smtClean="0"/>
+              <a:t> System sammelt alle </a:t>
+            </a:r>
+            <a:r>
+              <a:rPr lang="de-CH" dirty="0" err="1" smtClean="0"/>
+              <a:t>Entries</a:t>
+            </a:r>
+            <a:r>
+              <a:rPr lang="de-CH" dirty="0" smtClean="0"/>
+              <a:t> für Morgen</a:t>
+            </a:r>
+            <a:br>
+              <a:rPr lang="de-CH" dirty="0" smtClean="0"/>
+            </a:br>
+            <a:r>
+              <a:rPr lang="de-CH" dirty="0" smtClean="0"/>
+              <a:t>und sendet sie an die App</a:t>
+            </a:r>
+          </a:p>
+          <a:p>
+            <a:r>
+              <a:rPr lang="de-CH" dirty="0" smtClean="0"/>
+              <a:t>App stellt die </a:t>
+            </a:r>
+            <a:r>
+              <a:rPr lang="de-CH" dirty="0" err="1" smtClean="0"/>
+              <a:t>Entries</a:t>
+            </a:r>
+            <a:r>
+              <a:rPr lang="de-CH" dirty="0" smtClean="0"/>
+              <a:t> im Kalender dar</a:t>
+            </a:r>
+          </a:p>
+          <a:p>
+            <a:endParaRPr lang="de-CH" dirty="0" smtClean="0"/>
+          </a:p>
+          <a:p>
+            <a:endParaRPr lang="de-CH" dirty="0" smtClean="0"/>
+          </a:p>
+          <a:p>
+            <a:endParaRPr lang="de-CH" dirty="0" smtClean="0"/>
+          </a:p>
+          <a:p>
+            <a:endParaRPr lang="de-CH" dirty="0"/>
+          </a:p>
+        </p:txBody>
+      </p:sp>
+    </p:spTree>
+    <p:extLst>
+      <p:ext uri="{BB962C8B-B14F-4D97-AF65-F5344CB8AC3E}">
+        <p14:creationId xmlns:p14="http://schemas.microsoft.com/office/powerpoint/2010/main" val="3891332372"/>
+      </p:ext>
+    </p:extLst>
+  </p:cSld>
+  <p:clrMapOvr>
+    <a:masterClrMapping/>
+  </p:clrMapOvr>
+</p:sld>
+</file>
+
+<file path=ppt/slides/slide8.xml><?xml version="1.0" encoding="utf-8"?>
 <p:sld xmlns:a="http://schemas.openxmlformats.org/drawingml/2006/main" xmlns:r="http://schemas.openxmlformats.org/officeDocument/2006/relationships" xmlns:p="http://schemas.openxmlformats.org/presentationml/2006/main">
   <p:cSld>
     <p:spTree>
@@ -4877,7 +5660,7 @@
 </p:sld>
 </file>
 
-<file path=ppt/slides/slide7.xml><?xml version="1.0" encoding="utf-8"?>
+<file path=ppt/slides/slide9.xml><?xml version="1.0" encoding="utf-8"?>
 <p:sld xmlns:a="http://schemas.openxmlformats.org/drawingml/2006/main" xmlns:r="http://schemas.openxmlformats.org/officeDocument/2006/relationships" xmlns:p="http://schemas.openxmlformats.org/presentationml/2006/main">
   <p:cSld>
     <p:spTree>
@@ -4977,184 +5760,6 @@
     <p:extLst>
       <p:ext uri="{BB962C8B-B14F-4D97-AF65-F5344CB8AC3E}">
         <p14:creationId xmlns:p14="http://schemas.microsoft.com/office/powerpoint/2010/main" val="2678445934"/>
-      </p:ext>
-    </p:extLst>
-  </p:cSld>
-  <p:clrMapOvr>
-    <a:masterClrMapping/>
-  </p:clrMapOvr>
-  <p:timing>
-    <p:tnLst>
-      <p:par>
-        <p:cTn id="1" dur="indefinite" restart="never" nodeType="tmRoot"/>
-      </p:par>
-    </p:tnLst>
-  </p:timing>
-</p:sld>
-</file>
-
-<file path=ppt/slides/slide8.xml><?xml version="1.0" encoding="utf-8"?>
-<p:sld xmlns:a="http://schemas.openxmlformats.org/drawingml/2006/main" xmlns:r="http://schemas.openxmlformats.org/officeDocument/2006/relationships" xmlns:p="http://schemas.openxmlformats.org/presentationml/2006/main">
-  <p:cSld>
-    <p:spTree>
-      <p:nvGrpSpPr>
-        <p:cNvPr id="1" name=""/>
-        <p:cNvGrpSpPr/>
-        <p:nvPr/>
-      </p:nvGrpSpPr>
-      <p:grpSpPr>
-        <a:xfrm>
-          <a:off x="0" y="0"/>
-          <a:ext cx="0" cy="0"/>
-          <a:chOff x="0" y="0"/>
-          <a:chExt cx="0" cy="0"/>
-        </a:xfrm>
-      </p:grpSpPr>
-      <p:sp>
-        <p:nvSpPr>
-          <p:cNvPr id="2" name="Titel 1"/>
-          <p:cNvSpPr>
-            <a:spLocks noGrp="1"/>
-          </p:cNvSpPr>
-          <p:nvPr>
-            <p:ph type="title"/>
-          </p:nvPr>
-        </p:nvSpPr>
-        <p:spPr/>
-        <p:txBody>
-          <a:bodyPr/>
-          <a:lstStyle/>
-          <a:p>
-            <a:endParaRPr lang="de-CH"/>
-          </a:p>
-        </p:txBody>
-      </p:sp>
-      <p:pic>
-        <p:nvPicPr>
-          <p:cNvPr id="7170" name="Picture 2" descr="C:\Users\James\workspaceLuna\sed_projekt\doc\task07\classDiagrammSED.png"/>
-          <p:cNvPicPr>
-            <a:picLocks noGrp="1" noChangeAspect="1" noChangeArrowheads="1"/>
-          </p:cNvPicPr>
-          <p:nvPr>
-            <p:ph idx="1"/>
-          </p:nvPr>
-        </p:nvPicPr>
-        <p:blipFill>
-          <a:blip r:embed="rId2">
-            <a:extLst>
-              <a:ext uri="{28A0092B-C50C-407E-A947-70E740481C1C}">
-                <a14:useLocalDpi xmlns:a14="http://schemas.microsoft.com/office/drawing/2010/main" val="0"/>
-              </a:ext>
-            </a:extLst>
-          </a:blip>
-          <a:srcRect/>
-          <a:stretch>
-            <a:fillRect/>
-          </a:stretch>
-        </p:blipFill>
-        <p:spPr bwMode="auto">
-          <a:xfrm>
-            <a:off x="285760" y="0"/>
-            <a:ext cx="8572500" cy="6850172"/>
-          </a:xfrm>
-          <a:prstGeom prst="rect">
-            <a:avLst/>
-          </a:prstGeom>
-          <a:noFill/>
-          <a:extLst>
-            <a:ext uri="{909E8E84-426E-40DD-AFC4-6F175D3DCCD1}">
-              <a14:hiddenFill xmlns:a14="http://schemas.microsoft.com/office/drawing/2010/main">
-                <a:solidFill>
-                  <a:srgbClr val="FFFFFF"/>
-                </a:solidFill>
-              </a14:hiddenFill>
-            </a:ext>
-          </a:extLst>
-        </p:spPr>
-      </p:pic>
-    </p:spTree>
-    <p:extLst>
-      <p:ext uri="{BB962C8B-B14F-4D97-AF65-F5344CB8AC3E}">
-        <p14:creationId xmlns:p14="http://schemas.microsoft.com/office/powerpoint/2010/main" val="3752890489"/>
-      </p:ext>
-    </p:extLst>
-  </p:cSld>
-  <p:clrMapOvr>
-    <a:masterClrMapping/>
-  </p:clrMapOvr>
-  <p:timing>
-    <p:tnLst>
-      <p:par>
-        <p:cTn id="1" dur="indefinite" restart="never" nodeType="tmRoot"/>
-      </p:par>
-    </p:tnLst>
-  </p:timing>
-</p:sld>
-</file>
-
-<file path=ppt/slides/slide9.xml><?xml version="1.0" encoding="utf-8"?>
-<p:sld xmlns:a="http://schemas.openxmlformats.org/drawingml/2006/main" xmlns:r="http://schemas.openxmlformats.org/officeDocument/2006/relationships" xmlns:p="http://schemas.openxmlformats.org/presentationml/2006/main">
-  <p:cSld>
-    <p:spTree>
-      <p:nvGrpSpPr>
-        <p:cNvPr id="1" name=""/>
-        <p:cNvGrpSpPr/>
-        <p:nvPr/>
-      </p:nvGrpSpPr>
-      <p:grpSpPr>
-        <a:xfrm>
-          <a:off x="0" y="0"/>
-          <a:ext cx="0" cy="0"/>
-          <a:chOff x="0" y="0"/>
-          <a:chExt cx="0" cy="0"/>
-        </a:xfrm>
-      </p:grpSpPr>
-      <p:sp>
-        <p:nvSpPr>
-          <p:cNvPr id="2" name="Titel 1"/>
-          <p:cNvSpPr>
-            <a:spLocks noGrp="1"/>
-          </p:cNvSpPr>
-          <p:nvPr>
-            <p:ph type="title"/>
-          </p:nvPr>
-        </p:nvSpPr>
-        <p:spPr/>
-        <p:txBody>
-          <a:bodyPr/>
-          <a:lstStyle/>
-          <a:p>
-            <a:r>
-              <a:rPr lang="en-US" dirty="0" smtClean="0"/>
-              <a:t>Teilausschnitt1</a:t>
-            </a:r>
-            <a:endParaRPr lang="de-CH" dirty="0"/>
-          </a:p>
-        </p:txBody>
-      </p:sp>
-      <p:sp>
-        <p:nvSpPr>
-          <p:cNvPr id="3" name="Inhaltsplatzhalter 2"/>
-          <p:cNvSpPr>
-            <a:spLocks noGrp="1"/>
-          </p:cNvSpPr>
-          <p:nvPr>
-            <p:ph idx="1"/>
-          </p:nvPr>
-        </p:nvSpPr>
-        <p:spPr/>
-        <p:txBody>
-          <a:bodyPr/>
-          <a:lstStyle/>
-          <a:p>
-            <a:endParaRPr lang="de-CH"/>
-          </a:p>
-        </p:txBody>
-      </p:sp>
-    </p:spTree>
-    <p:extLst>
-      <p:ext uri="{BB962C8B-B14F-4D97-AF65-F5344CB8AC3E}">
-        <p14:creationId xmlns:p14="http://schemas.microsoft.com/office/powerpoint/2010/main" val="934797876"/>
       </p:ext>
     </p:extLst>
   </p:cSld>

--- a/doc/task07/design.pptx
+++ b/doc/task07/design.pptx
@@ -5,23 +5,24 @@
     <p:sldMasterId id="2147483648" r:id="rId1"/>
   </p:sldMasterIdLst>
   <p:notesMasterIdLst>
-    <p:notesMasterId r:id="rId16"/>
+    <p:notesMasterId r:id="rId17"/>
   </p:notesMasterIdLst>
   <p:sldIdLst>
     <p:sldId id="256" r:id="rId2"/>
     <p:sldId id="270" r:id="rId3"/>
-    <p:sldId id="283" r:id="rId4"/>
+    <p:sldId id="291" r:id="rId4"/>
     <p:sldId id="288" r:id="rId5"/>
-    <p:sldId id="272" r:id="rId6"/>
-    <p:sldId id="281" r:id="rId7"/>
-    <p:sldId id="289" r:id="rId8"/>
-    <p:sldId id="282" r:id="rId9"/>
-    <p:sldId id="284" r:id="rId10"/>
-    <p:sldId id="290" r:id="rId11"/>
-    <p:sldId id="285" r:id="rId12"/>
-    <p:sldId id="286" r:id="rId13"/>
-    <p:sldId id="287" r:id="rId14"/>
-    <p:sldId id="280" r:id="rId15"/>
+    <p:sldId id="283" r:id="rId6"/>
+    <p:sldId id="272" r:id="rId7"/>
+    <p:sldId id="281" r:id="rId8"/>
+    <p:sldId id="289" r:id="rId9"/>
+    <p:sldId id="282" r:id="rId10"/>
+    <p:sldId id="284" r:id="rId11"/>
+    <p:sldId id="290" r:id="rId12"/>
+    <p:sldId id="285" r:id="rId13"/>
+    <p:sldId id="286" r:id="rId14"/>
+    <p:sldId id="287" r:id="rId15"/>
+    <p:sldId id="280" r:id="rId16"/>
   </p:sldIdLst>
   <p:sldSz cx="9144000" cy="6858000" type="screen4x3"/>
   <p:notesSz cx="6858000" cy="9144000"/>
@@ -122,7 +123,7 @@
   </p:defaultTextStyle>
   <p:extLst>
     <p:ext uri="{EFAFB233-063F-42B5-8137-9DF3F51BA10A}">
-      <p15:sldGuideLst xmlns:p15="http://schemas.microsoft.com/office/powerpoint/2012/main">
+      <p15:sldGuideLst xmlns:p15="http://schemas.microsoft.com/office/powerpoint/2012/main" xmlns="">
         <p15:guide id="1" orient="horz" pos="2160">
           <p15:clr>
             <a:srgbClr val="A4A3A4"/>
@@ -487,6 +488,632 @@
     </a:lvl9pPr>
   </p:notesStyle>
 </p:notesMaster>
+</file>
+
+<file path=ppt/notesSlides/notesSlide1.xml><?xml version="1.0" encoding="utf-8"?>
+<p:notes xmlns:a="http://schemas.openxmlformats.org/drawingml/2006/main" xmlns:r="http://schemas.openxmlformats.org/officeDocument/2006/relationships" xmlns:p="http://schemas.openxmlformats.org/presentationml/2006/main">
+  <p:cSld>
+    <p:spTree>
+      <p:nvGrpSpPr>
+        <p:cNvPr id="1" name=""/>
+        <p:cNvGrpSpPr/>
+        <p:nvPr/>
+      </p:nvGrpSpPr>
+      <p:grpSpPr>
+        <a:xfrm>
+          <a:off x="0" y="0"/>
+          <a:ext cx="0" cy="0"/>
+          <a:chOff x="0" y="0"/>
+          <a:chExt cx="0" cy="0"/>
+        </a:xfrm>
+      </p:grpSpPr>
+      <p:sp>
+        <p:nvSpPr>
+          <p:cNvPr id="2" name="Folienbildplatzhalter 1"/>
+          <p:cNvSpPr>
+            <a:spLocks noGrp="1" noRot="1" noChangeAspect="1"/>
+          </p:cNvSpPr>
+          <p:nvPr>
+            <p:ph type="sldImg"/>
+          </p:nvPr>
+        </p:nvSpPr>
+        <p:spPr/>
+      </p:sp>
+      <p:sp>
+        <p:nvSpPr>
+          <p:cNvPr id="3" name="Notizenplatzhalter 2"/>
+          <p:cNvSpPr>
+            <a:spLocks noGrp="1"/>
+          </p:cNvSpPr>
+          <p:nvPr>
+            <p:ph type="body" idx="1"/>
+          </p:nvPr>
+        </p:nvSpPr>
+        <p:spPr/>
+        <p:txBody>
+          <a:bodyPr/>
+          <a:lstStyle/>
+          <a:p>
+            <a:r>
+              <a:rPr lang="en-US" dirty="0" err="1" smtClean="0"/>
+              <a:t>Ganz</a:t>
+            </a:r>
+            <a:r>
+              <a:rPr lang="en-US" dirty="0" smtClean="0"/>
+              <a:t> </a:t>
+            </a:r>
+            <a:r>
+              <a:rPr lang="en-US" dirty="0" err="1" smtClean="0"/>
+              <a:t>abstrakt</a:t>
+            </a:r>
+            <a:r>
+              <a:rPr lang="en-US" baseline="0" dirty="0" smtClean="0"/>
+              <a:t> </a:t>
+            </a:r>
+            <a:r>
+              <a:rPr lang="en-US" baseline="0" dirty="0" err="1" smtClean="0"/>
+              <a:t>gesagt</a:t>
+            </a:r>
+            <a:endParaRPr lang="en-US" dirty="0" smtClean="0"/>
+          </a:p>
+          <a:p>
+            <a:r>
+              <a:rPr lang="en-US" dirty="0" err="1" smtClean="0"/>
+              <a:t>Zusammenfassung</a:t>
+            </a:r>
+            <a:r>
+              <a:rPr lang="en-US" dirty="0" smtClean="0"/>
+              <a:t> </a:t>
+            </a:r>
+            <a:r>
+              <a:rPr lang="en-US" dirty="0" err="1" smtClean="0"/>
+              <a:t>Funktionalität</a:t>
+            </a:r>
+            <a:r>
+              <a:rPr lang="en-US" baseline="0" dirty="0" smtClean="0"/>
+              <a:t> </a:t>
+            </a:r>
+            <a:r>
+              <a:rPr lang="en-US" baseline="0" dirty="0" err="1" smtClean="0"/>
+              <a:t>Patientenapp</a:t>
+            </a:r>
+            <a:endParaRPr lang="en-US" baseline="0" dirty="0" smtClean="0"/>
+          </a:p>
+          <a:p>
+            <a:endParaRPr lang="en-US" baseline="0" dirty="0" smtClean="0"/>
+          </a:p>
+          <a:p>
+            <a:endParaRPr lang="de-CH" dirty="0"/>
+          </a:p>
+        </p:txBody>
+      </p:sp>
+      <p:sp>
+        <p:nvSpPr>
+          <p:cNvPr id="4" name="Foliennummernplatzhalter 3"/>
+          <p:cNvSpPr>
+            <a:spLocks noGrp="1"/>
+          </p:cNvSpPr>
+          <p:nvPr>
+            <p:ph type="sldNum" sz="quarter" idx="10"/>
+          </p:nvPr>
+        </p:nvSpPr>
+        <p:spPr/>
+        <p:txBody>
+          <a:bodyPr/>
+          <a:lstStyle/>
+          <a:p>
+            <a:fld id="{9A061F0F-BF1A-47A6-BC67-894693F926E4}" type="slidenum">
+              <a:rPr lang="de-CH" smtClean="0"/>
+              <a:t>3</a:t>
+            </a:fld>
+            <a:endParaRPr lang="de-CH"/>
+          </a:p>
+        </p:txBody>
+      </p:sp>
+    </p:spTree>
+    <p:extLst>
+      <p:ext uri="{BB962C8B-B14F-4D97-AF65-F5344CB8AC3E}">
+        <p14:creationId xmlns:p14="http://schemas.microsoft.com/office/powerpoint/2010/main" val="2938104659"/>
+      </p:ext>
+    </p:extLst>
+  </p:cSld>
+  <p:clrMapOvr>
+    <a:masterClrMapping/>
+  </p:clrMapOvr>
+</p:notes>
+</file>
+
+<file path=ppt/notesSlides/notesSlide2.xml><?xml version="1.0" encoding="utf-8"?>
+<p:notes xmlns:a="http://schemas.openxmlformats.org/drawingml/2006/main" xmlns:r="http://schemas.openxmlformats.org/officeDocument/2006/relationships" xmlns:p="http://schemas.openxmlformats.org/presentationml/2006/main">
+  <p:cSld>
+    <p:spTree>
+      <p:nvGrpSpPr>
+        <p:cNvPr id="1" name=""/>
+        <p:cNvGrpSpPr/>
+        <p:nvPr/>
+      </p:nvGrpSpPr>
+      <p:grpSpPr>
+        <a:xfrm>
+          <a:off x="0" y="0"/>
+          <a:ext cx="0" cy="0"/>
+          <a:chOff x="0" y="0"/>
+          <a:chExt cx="0" cy="0"/>
+        </a:xfrm>
+      </p:grpSpPr>
+      <p:sp>
+        <p:nvSpPr>
+          <p:cNvPr id="2" name="Folienbildplatzhalter 1"/>
+          <p:cNvSpPr>
+            <a:spLocks noGrp="1" noRot="1" noChangeAspect="1"/>
+          </p:cNvSpPr>
+          <p:nvPr>
+            <p:ph type="sldImg"/>
+          </p:nvPr>
+        </p:nvSpPr>
+        <p:spPr/>
+      </p:sp>
+      <p:sp>
+        <p:nvSpPr>
+          <p:cNvPr id="3" name="Notizenplatzhalter 2"/>
+          <p:cNvSpPr>
+            <a:spLocks noGrp="1"/>
+          </p:cNvSpPr>
+          <p:nvPr>
+            <p:ph type="body" idx="1"/>
+          </p:nvPr>
+        </p:nvSpPr>
+        <p:spPr/>
+        <p:txBody>
+          <a:bodyPr/>
+          <a:lstStyle/>
+          <a:p>
+            <a:pPr marL="0" indent="0">
+              <a:buNone/>
+            </a:pPr>
+            <a:r>
+              <a:rPr lang="en-US" dirty="0" smtClean="0"/>
+              <a:t>Calendar</a:t>
+            </a:r>
+          </a:p>
+          <a:p>
+            <a:pPr marL="0" indent="0">
+              <a:buNone/>
+            </a:pPr>
+            <a:r>
+              <a:rPr lang="en-US" dirty="0" err="1" smtClean="0"/>
+              <a:t>Abstrakte</a:t>
+            </a:r>
+            <a:r>
+              <a:rPr lang="en-US" dirty="0" smtClean="0"/>
+              <a:t> </a:t>
+            </a:r>
+            <a:r>
+              <a:rPr lang="en-US" dirty="0" err="1" smtClean="0"/>
+              <a:t>klasse</a:t>
+            </a:r>
+            <a:r>
+              <a:rPr lang="en-US" baseline="0" dirty="0" smtClean="0"/>
+              <a:t> </a:t>
+            </a:r>
+            <a:r>
+              <a:rPr lang="en-US" baseline="0" dirty="0" err="1" smtClean="0"/>
+              <a:t>ermöglicht</a:t>
+            </a:r>
+            <a:r>
+              <a:rPr lang="en-US" baseline="0" dirty="0" smtClean="0"/>
+              <a:t> Polymorphism</a:t>
+            </a:r>
+          </a:p>
+          <a:p>
+            <a:pPr marL="0" indent="0">
+              <a:buNone/>
+            </a:pPr>
+            <a:r>
+              <a:rPr lang="en-US" baseline="0" dirty="0" err="1" smtClean="0"/>
+              <a:t>ClinicConnector</a:t>
+            </a:r>
+            <a:r>
+              <a:rPr lang="en-US" baseline="0" dirty="0" smtClean="0"/>
+              <a:t>: </a:t>
+            </a:r>
+            <a:r>
+              <a:rPr lang="en-US" baseline="0" dirty="0" err="1" smtClean="0"/>
+              <a:t>Schnittstelle</a:t>
+            </a:r>
+            <a:r>
+              <a:rPr lang="en-US" baseline="0" dirty="0" smtClean="0"/>
+              <a:t> </a:t>
+            </a:r>
+            <a:r>
+              <a:rPr lang="en-US" baseline="0" dirty="0" err="1" smtClean="0"/>
+              <a:t>Fremdsysteme</a:t>
+            </a:r>
+            <a:r>
+              <a:rPr lang="en-US" baseline="0" dirty="0" smtClean="0"/>
+              <a:t> -&gt; </a:t>
+            </a:r>
+            <a:r>
+              <a:rPr lang="en-US" baseline="0" dirty="0" err="1" smtClean="0"/>
+              <a:t>Klinik</a:t>
+            </a:r>
+            <a:r>
+              <a:rPr lang="en-US" baseline="0" dirty="0" smtClean="0"/>
+              <a:t> out of scope</a:t>
+            </a:r>
+          </a:p>
+          <a:p>
+            <a:pPr marL="0" indent="0">
+              <a:buNone/>
+            </a:pPr>
+            <a:r>
+              <a:rPr lang="en-US" baseline="0" dirty="0" smtClean="0"/>
+              <a:t>    -&gt; </a:t>
+            </a:r>
+            <a:r>
+              <a:rPr lang="en-US" baseline="0" dirty="0" err="1" smtClean="0"/>
+              <a:t>stellt</a:t>
+            </a:r>
+            <a:r>
+              <a:rPr lang="en-US" baseline="0" dirty="0" smtClean="0"/>
+              <a:t> </a:t>
+            </a:r>
+            <a:r>
+              <a:rPr lang="en-US" baseline="0" dirty="0" err="1" smtClean="0"/>
+              <a:t>elemente</a:t>
+            </a:r>
+            <a:r>
+              <a:rPr lang="en-US" baseline="0" dirty="0" smtClean="0"/>
+              <a:t> </a:t>
+            </a:r>
+            <a:r>
+              <a:rPr lang="en-US" baseline="0" dirty="0" err="1" smtClean="0"/>
+              <a:t>klasse</a:t>
+            </a:r>
+            <a:r>
+              <a:rPr lang="en-US" baseline="0" dirty="0" smtClean="0"/>
+              <a:t> </a:t>
+            </a:r>
+            <a:r>
+              <a:rPr lang="en-US" baseline="0" dirty="0" err="1" smtClean="0"/>
+              <a:t>calendarEntry</a:t>
+            </a:r>
+            <a:r>
+              <a:rPr lang="en-US" baseline="0" dirty="0" smtClean="0"/>
+              <a:t> </a:t>
+            </a:r>
+            <a:r>
+              <a:rPr lang="en-US" baseline="0" dirty="0" err="1" smtClean="0"/>
+              <a:t>zur</a:t>
+            </a:r>
+            <a:r>
+              <a:rPr lang="en-US" baseline="0" dirty="0" smtClean="0"/>
+              <a:t> </a:t>
+            </a:r>
+            <a:r>
+              <a:rPr lang="en-US" baseline="0" dirty="0" err="1" smtClean="0"/>
+              <a:t>verfügung</a:t>
+            </a:r>
+            <a:endParaRPr lang="en-US" baseline="0" dirty="0" smtClean="0"/>
+          </a:p>
+          <a:p>
+            <a:pPr marL="0" indent="0">
+              <a:buNone/>
+            </a:pPr>
+            <a:r>
+              <a:rPr lang="en-US" baseline="0" dirty="0" smtClean="0"/>
+              <a:t>Life up </a:t>
+            </a:r>
+            <a:r>
+              <a:rPr lang="en-US" baseline="0" dirty="0" err="1" smtClean="0"/>
+              <a:t>zusätzlich</a:t>
+            </a:r>
+            <a:r>
+              <a:rPr lang="en-US" baseline="0" dirty="0" smtClean="0"/>
+              <a:t> </a:t>
+            </a:r>
+            <a:r>
+              <a:rPr lang="en-US" baseline="0" dirty="0" err="1" smtClean="0"/>
+              <a:t>direktzugriff</a:t>
+            </a:r>
+            <a:r>
+              <a:rPr lang="en-US" baseline="0" dirty="0" smtClean="0"/>
+              <a:t> auf Activity: </a:t>
+            </a:r>
+            <a:r>
+              <a:rPr lang="en-US" baseline="0" dirty="0" err="1" smtClean="0"/>
+              <a:t>besser</a:t>
+            </a:r>
+            <a:r>
+              <a:rPr lang="en-US" baseline="0" dirty="0" smtClean="0"/>
+              <a:t> </a:t>
+            </a:r>
+            <a:r>
+              <a:rPr lang="en-US" baseline="0" dirty="0" err="1" smtClean="0"/>
+              <a:t>Punkte</a:t>
+            </a:r>
+            <a:r>
+              <a:rPr lang="en-US" baseline="0" dirty="0" smtClean="0"/>
+              <a:t> und </a:t>
+            </a:r>
+            <a:r>
+              <a:rPr lang="en-US" baseline="0" dirty="0" err="1" smtClean="0"/>
+              <a:t>Levelaufstieg</a:t>
+            </a:r>
+            <a:r>
+              <a:rPr lang="en-US" baseline="0" dirty="0" smtClean="0"/>
+              <a:t> </a:t>
+            </a:r>
+            <a:r>
+              <a:rPr lang="en-US" baseline="0" dirty="0" err="1" smtClean="0"/>
+              <a:t>verwalten</a:t>
+            </a:r>
+            <a:r>
+              <a:rPr lang="en-US" baseline="0" dirty="0" smtClean="0"/>
+              <a:t>.</a:t>
+            </a:r>
+          </a:p>
+          <a:p>
+            <a:endParaRPr lang="de-CH" dirty="0"/>
+          </a:p>
+        </p:txBody>
+      </p:sp>
+      <p:sp>
+        <p:nvSpPr>
+          <p:cNvPr id="4" name="Foliennummernplatzhalter 3"/>
+          <p:cNvSpPr>
+            <a:spLocks noGrp="1"/>
+          </p:cNvSpPr>
+          <p:nvPr>
+            <p:ph type="sldNum" sz="quarter" idx="10"/>
+          </p:nvPr>
+        </p:nvSpPr>
+        <p:spPr/>
+        <p:txBody>
+          <a:bodyPr/>
+          <a:lstStyle/>
+          <a:p>
+            <a:fld id="{9A061F0F-BF1A-47A6-BC67-894693F926E4}" type="slidenum">
+              <a:rPr lang="de-CH" smtClean="0"/>
+              <a:t>5</a:t>
+            </a:fld>
+            <a:endParaRPr lang="de-CH"/>
+          </a:p>
+        </p:txBody>
+      </p:sp>
+    </p:spTree>
+    <p:extLst>
+      <p:ext uri="{BB962C8B-B14F-4D97-AF65-F5344CB8AC3E}">
+        <p14:creationId xmlns:p14="http://schemas.microsoft.com/office/powerpoint/2010/main" val="1237329732"/>
+      </p:ext>
+    </p:extLst>
+  </p:cSld>
+  <p:clrMapOvr>
+    <a:masterClrMapping/>
+  </p:clrMapOvr>
+</p:notes>
+</file>
+
+<file path=ppt/notesSlides/notesSlide3.xml><?xml version="1.0" encoding="utf-8"?>
+<p:notes xmlns:a="http://schemas.openxmlformats.org/drawingml/2006/main" xmlns:r="http://schemas.openxmlformats.org/officeDocument/2006/relationships" xmlns:p="http://schemas.openxmlformats.org/presentationml/2006/main">
+  <p:cSld>
+    <p:spTree>
+      <p:nvGrpSpPr>
+        <p:cNvPr id="1" name=""/>
+        <p:cNvGrpSpPr/>
+        <p:nvPr/>
+      </p:nvGrpSpPr>
+      <p:grpSpPr>
+        <a:xfrm>
+          <a:off x="0" y="0"/>
+          <a:ext cx="0" cy="0"/>
+          <a:chOff x="0" y="0"/>
+          <a:chExt cx="0" cy="0"/>
+        </a:xfrm>
+      </p:grpSpPr>
+      <p:sp>
+        <p:nvSpPr>
+          <p:cNvPr id="2" name="Folienbildplatzhalter 1"/>
+          <p:cNvSpPr>
+            <a:spLocks noGrp="1" noRot="1" noChangeAspect="1"/>
+          </p:cNvSpPr>
+          <p:nvPr>
+            <p:ph type="sldImg"/>
+          </p:nvPr>
+        </p:nvSpPr>
+        <p:spPr/>
+      </p:sp>
+      <p:sp>
+        <p:nvSpPr>
+          <p:cNvPr id="3" name="Notizenplatzhalter 2"/>
+          <p:cNvSpPr>
+            <a:spLocks noGrp="1"/>
+          </p:cNvSpPr>
+          <p:nvPr>
+            <p:ph type="body" idx="1"/>
+          </p:nvPr>
+        </p:nvSpPr>
+        <p:spPr/>
+        <p:txBody>
+          <a:bodyPr/>
+          <a:lstStyle/>
+          <a:p>
+            <a:endParaRPr lang="de-CH" dirty="0"/>
+          </a:p>
+        </p:txBody>
+      </p:sp>
+      <p:sp>
+        <p:nvSpPr>
+          <p:cNvPr id="4" name="Foliennummernplatzhalter 3"/>
+          <p:cNvSpPr>
+            <a:spLocks noGrp="1"/>
+          </p:cNvSpPr>
+          <p:nvPr>
+            <p:ph type="sldNum" sz="quarter" idx="10"/>
+          </p:nvPr>
+        </p:nvSpPr>
+        <p:spPr/>
+        <p:txBody>
+          <a:bodyPr/>
+          <a:lstStyle/>
+          <a:p>
+            <a:fld id="{9A061F0F-BF1A-47A6-BC67-894693F926E4}" type="slidenum">
+              <a:rPr lang="de-CH" smtClean="0"/>
+              <a:t>6</a:t>
+            </a:fld>
+            <a:endParaRPr lang="de-CH"/>
+          </a:p>
+        </p:txBody>
+      </p:sp>
+    </p:spTree>
+    <p:extLst>
+      <p:ext uri="{BB962C8B-B14F-4D97-AF65-F5344CB8AC3E}">
+        <p14:creationId xmlns:p14="http://schemas.microsoft.com/office/powerpoint/2010/main" val="3329105362"/>
+      </p:ext>
+    </p:extLst>
+  </p:cSld>
+  <p:clrMapOvr>
+    <a:masterClrMapping/>
+  </p:clrMapOvr>
+</p:notes>
+</file>
+
+<file path=ppt/notesSlides/notesSlide4.xml><?xml version="1.0" encoding="utf-8"?>
+<p:notes xmlns:a="http://schemas.openxmlformats.org/drawingml/2006/main" xmlns:r="http://schemas.openxmlformats.org/officeDocument/2006/relationships" xmlns:p="http://schemas.openxmlformats.org/presentationml/2006/main">
+  <p:cSld>
+    <p:spTree>
+      <p:nvGrpSpPr>
+        <p:cNvPr id="1" name=""/>
+        <p:cNvGrpSpPr/>
+        <p:nvPr/>
+      </p:nvGrpSpPr>
+      <p:grpSpPr>
+        <a:xfrm>
+          <a:off x="0" y="0"/>
+          <a:ext cx="0" cy="0"/>
+          <a:chOff x="0" y="0"/>
+          <a:chExt cx="0" cy="0"/>
+        </a:xfrm>
+      </p:grpSpPr>
+      <p:sp>
+        <p:nvSpPr>
+          <p:cNvPr id="2" name="Folienbildplatzhalter 1"/>
+          <p:cNvSpPr>
+            <a:spLocks noGrp="1" noRot="1" noChangeAspect="1"/>
+          </p:cNvSpPr>
+          <p:nvPr>
+            <p:ph type="sldImg"/>
+          </p:nvPr>
+        </p:nvSpPr>
+        <p:spPr/>
+      </p:sp>
+      <p:sp>
+        <p:nvSpPr>
+          <p:cNvPr id="3" name="Notizenplatzhalter 2"/>
+          <p:cNvSpPr>
+            <a:spLocks noGrp="1"/>
+          </p:cNvSpPr>
+          <p:nvPr>
+            <p:ph type="body" idx="1"/>
+          </p:nvPr>
+        </p:nvSpPr>
+        <p:spPr/>
+        <p:txBody>
+          <a:bodyPr/>
+          <a:lstStyle/>
+          <a:p>
+            <a:r>
+              <a:rPr lang="en-US" dirty="0" smtClean="0"/>
+              <a:t>2 </a:t>
+            </a:r>
+            <a:r>
+              <a:rPr lang="en-US" dirty="0" err="1" smtClean="0"/>
+              <a:t>Klassen</a:t>
+            </a:r>
+            <a:r>
+              <a:rPr lang="en-US" dirty="0" smtClean="0"/>
+              <a:t> </a:t>
+            </a:r>
+            <a:r>
+              <a:rPr lang="en-US" dirty="0" err="1" smtClean="0"/>
+              <a:t>dazugekommen</a:t>
+            </a:r>
+            <a:r>
+              <a:rPr lang="en-US" dirty="0" smtClean="0"/>
+              <a:t>:</a:t>
+            </a:r>
+            <a:r>
+              <a:rPr lang="en-US" baseline="0" dirty="0" smtClean="0"/>
+              <a:t> Activity </a:t>
+            </a:r>
+            <a:r>
+              <a:rPr lang="en-US" baseline="0" dirty="0" err="1" smtClean="0"/>
+              <a:t>aufgeteilt</a:t>
+            </a:r>
+            <a:endParaRPr lang="en-US" dirty="0" smtClean="0"/>
+          </a:p>
+          <a:p>
+            <a:r>
+              <a:rPr lang="en-US" dirty="0" err="1" smtClean="0"/>
+              <a:t>Abstrakte</a:t>
+            </a:r>
+            <a:r>
+              <a:rPr lang="en-US" dirty="0" smtClean="0"/>
+              <a:t> </a:t>
+            </a:r>
+            <a:r>
+              <a:rPr lang="en-US" dirty="0" err="1" smtClean="0"/>
+              <a:t>Methoden</a:t>
+            </a:r>
+            <a:r>
+              <a:rPr lang="en-US" baseline="0" dirty="0" smtClean="0"/>
+              <a:t> </a:t>
+            </a:r>
+            <a:r>
+              <a:rPr lang="en-US" baseline="0" dirty="0" err="1" smtClean="0"/>
+              <a:t>ermöglichen</a:t>
+            </a:r>
+            <a:r>
+              <a:rPr lang="en-US" baseline="0" dirty="0" smtClean="0"/>
+              <a:t> Delegation</a:t>
+            </a:r>
+            <a:endParaRPr lang="de-CH" dirty="0"/>
+          </a:p>
+        </p:txBody>
+      </p:sp>
+      <p:sp>
+        <p:nvSpPr>
+          <p:cNvPr id="4" name="Foliennummernplatzhalter 3"/>
+          <p:cNvSpPr>
+            <a:spLocks noGrp="1"/>
+          </p:cNvSpPr>
+          <p:nvPr>
+            <p:ph type="sldNum" sz="quarter" idx="10"/>
+          </p:nvPr>
+        </p:nvSpPr>
+        <p:spPr/>
+        <p:txBody>
+          <a:bodyPr/>
+          <a:lstStyle/>
+          <a:p>
+            <a:fld id="{9A061F0F-BF1A-47A6-BC67-894693F926E4}" type="slidenum">
+              <a:rPr lang="de-CH" smtClean="0"/>
+              <a:t>12</a:t>
+            </a:fld>
+            <a:endParaRPr lang="de-CH"/>
+          </a:p>
+        </p:txBody>
+      </p:sp>
+    </p:spTree>
+    <p:extLst>
+      <p:ext uri="{BB962C8B-B14F-4D97-AF65-F5344CB8AC3E}">
+        <p14:creationId xmlns:p14="http://schemas.microsoft.com/office/powerpoint/2010/main" val="3587535936"/>
+      </p:ext>
+    </p:extLst>
+  </p:cSld>
+  <p:clrMapOvr>
+    <a:masterClrMapping/>
+  </p:clrMapOvr>
+</p:notes>
 </file>
 
 <file path=ppt/slideLayouts/slideLayout1.xml><?xml version="1.0" encoding="utf-8"?>
@@ -3803,8 +4430,8 @@
           <a:lstStyle/>
           <a:p>
             <a:r>
-              <a:rPr lang="de-DE" dirty="0" smtClean="0"/>
-              <a:t>Diagramms</a:t>
+              <a:rPr lang="de-DE" dirty="0" err="1" smtClean="0"/>
+              <a:t>Diagrams</a:t>
             </a:r>
             <a:endParaRPr lang="de-DE" dirty="0"/>
           </a:p>
@@ -3830,43 +4457,6 @@
               <a:t>James, Stefan, Thomas, Filip, Lukas, Markus</a:t>
             </a:r>
             <a:endParaRPr lang="de-DE" dirty="0"/>
-          </a:p>
-        </p:txBody>
-      </p:sp>
-      <p:sp>
-        <p:nvSpPr>
-          <p:cNvPr id="4" name="Rechteck 3"/>
-          <p:cNvSpPr/>
-          <p:nvPr/>
-        </p:nvSpPr>
-        <p:spPr>
-          <a:xfrm>
-            <a:off x="2862910" y="575785"/>
-            <a:ext cx="3418180" cy="923330"/>
-          </a:xfrm>
-          <a:prstGeom prst="rect">
-            <a:avLst/>
-          </a:prstGeom>
-        </p:spPr>
-        <p:txBody>
-          <a:bodyPr wrap="none">
-            <a:spAutoFit/>
-          </a:bodyPr>
-          <a:lstStyle/>
-          <a:p>
-            <a:r>
-              <a:rPr lang="de-DE" sz="5400" dirty="0" smtClean="0">
-                <a:solidFill>
-                  <a:srgbClr val="FF0000"/>
-                </a:solidFill>
-              </a:rPr>
-              <a:t>Gruppe Rot</a:t>
-            </a:r>
-            <a:endParaRPr lang="de-DE" sz="5400" dirty="0">
-              <a:solidFill>
-                <a:srgbClr val="FF0000"/>
-              </a:solidFill>
-            </a:endParaRPr>
           </a:p>
         </p:txBody>
       </p:sp>
@@ -3941,142 +4531,68 @@
           <a:bodyPr/>
           <a:lstStyle/>
           <a:p>
-            <a:r>
-              <a:rPr lang="de-CH" dirty="0" smtClean="0"/>
-              <a:t>App will </a:t>
-            </a:r>
-            <a:r>
-              <a:rPr lang="de-CH" dirty="0" err="1" smtClean="0"/>
-              <a:t>Activity</a:t>
-            </a:r>
-            <a:r>
-              <a:rPr lang="de-CH" dirty="0" smtClean="0"/>
-              <a:t> von </a:t>
-            </a:r>
-            <a:r>
-              <a:rPr lang="de-CH" dirty="0" err="1" smtClean="0"/>
-              <a:t>LifeUp</a:t>
-            </a:r>
-            <a:r>
-              <a:rPr lang="de-CH" dirty="0" smtClean="0"/>
-              <a:t> prüfen</a:t>
-            </a:r>
-          </a:p>
-          <a:p>
-            <a:r>
-              <a:rPr lang="de-CH" dirty="0" smtClean="0"/>
-              <a:t>App Übergibt </a:t>
-            </a:r>
-            <a:r>
-              <a:rPr lang="de-CH" dirty="0" err="1" smtClean="0"/>
-              <a:t>LifeUp</a:t>
-            </a:r>
-            <a:r>
-              <a:rPr lang="de-CH" dirty="0" smtClean="0"/>
-              <a:t> ein Bild zum prüfen</a:t>
-            </a:r>
-          </a:p>
-          <a:p>
-            <a:r>
-              <a:rPr lang="de-CH" dirty="0" smtClean="0"/>
-              <a:t>Gibt </a:t>
-            </a:r>
-            <a:r>
-              <a:rPr lang="de-CH" dirty="0" err="1" smtClean="0"/>
-              <a:t>LifeUp</a:t>
-            </a:r>
-            <a:r>
-              <a:rPr lang="de-CH" dirty="0" smtClean="0"/>
-              <a:t> </a:t>
-            </a:r>
-            <a:r>
-              <a:rPr lang="de-CH" dirty="0" err="1" smtClean="0"/>
-              <a:t>Success</a:t>
-            </a:r>
-            <a:r>
-              <a:rPr lang="de-CH" dirty="0" smtClean="0"/>
-              <a:t> zurück, werden Punkte addiert</a:t>
-            </a:r>
-          </a:p>
-          <a:p>
-            <a:r>
-              <a:rPr lang="de-CH" dirty="0" err="1" smtClean="0"/>
-              <a:t>Lv</a:t>
-            </a:r>
-            <a:r>
-              <a:rPr lang="de-CH" dirty="0" smtClean="0"/>
-              <a:t> </a:t>
-            </a:r>
-            <a:r>
-              <a:rPr lang="de-CH" dirty="0" err="1" smtClean="0"/>
-              <a:t>up</a:t>
-            </a:r>
-            <a:r>
-              <a:rPr lang="de-CH" dirty="0" smtClean="0"/>
-              <a:t> wird geprüft</a:t>
-            </a:r>
-          </a:p>
-          <a:p>
-            <a:r>
-              <a:rPr lang="de-CH" dirty="0" smtClean="0"/>
-              <a:t>Wenn </a:t>
-            </a:r>
-            <a:r>
-              <a:rPr lang="de-CH" dirty="0" err="1" smtClean="0"/>
-              <a:t>Lv</a:t>
-            </a:r>
-            <a:r>
-              <a:rPr lang="de-CH" dirty="0" smtClean="0"/>
-              <a:t> </a:t>
-            </a:r>
-            <a:r>
-              <a:rPr lang="de-CH" dirty="0" err="1" smtClean="0"/>
-              <a:t>up</a:t>
-            </a:r>
-            <a:r>
-              <a:rPr lang="de-CH" dirty="0" smtClean="0"/>
-              <a:t> </a:t>
-            </a:r>
-            <a:r>
-              <a:rPr lang="de-CH" dirty="0" err="1" smtClean="0"/>
-              <a:t>zustane</a:t>
-            </a:r>
-            <a:r>
-              <a:rPr lang="de-CH" dirty="0" smtClean="0"/>
-              <a:t> kommt, wird dies der </a:t>
-            </a:r>
-            <a:r>
-              <a:rPr lang="de-CH" dirty="0" err="1" smtClean="0"/>
-              <a:t>Activity</a:t>
-            </a:r>
-            <a:r>
-              <a:rPr lang="de-CH" dirty="0" smtClean="0"/>
-              <a:t> gesendet</a:t>
-            </a:r>
-          </a:p>
-          <a:p>
-            <a:r>
-              <a:rPr lang="de-CH" dirty="0" err="1" smtClean="0"/>
-              <a:t>Activity</a:t>
-            </a:r>
-            <a:r>
-              <a:rPr lang="de-CH" dirty="0" smtClean="0"/>
-              <a:t> sendet Log an Server Klinik</a:t>
-            </a:r>
-            <a:endParaRPr lang="de-CH" dirty="0"/>
-          </a:p>
-        </p:txBody>
-      </p:sp>
+            <a:endParaRPr lang="de-CH"/>
+          </a:p>
+        </p:txBody>
+      </p:sp>
+      <p:pic>
+        <p:nvPicPr>
+          <p:cNvPr id="3074" name="Picture 2" descr="C:\Users\James\Desktop\lifeUpActivtiy.png"/>
+          <p:cNvPicPr>
+            <a:picLocks noChangeAspect="1" noChangeArrowheads="1"/>
+          </p:cNvPicPr>
+          <p:nvPr/>
+        </p:nvPicPr>
+        <p:blipFill>
+          <a:blip r:embed="rId2">
+            <a:extLst>
+              <a:ext uri="{28A0092B-C50C-407E-A947-70E740481C1C}">
+                <a14:useLocalDpi xmlns:a14="http://schemas.microsoft.com/office/drawing/2010/main" val="0"/>
+              </a:ext>
+            </a:extLst>
+          </a:blip>
+          <a:srcRect/>
+          <a:stretch>
+            <a:fillRect/>
+          </a:stretch>
+        </p:blipFill>
+        <p:spPr bwMode="auto">
+          <a:xfrm>
+            <a:off x="1093694" y="0"/>
+            <a:ext cx="6643370" cy="6858002"/>
+          </a:xfrm>
+          <a:prstGeom prst="rect">
+            <a:avLst/>
+          </a:prstGeom>
+          <a:noFill/>
+          <a:extLst>
+            <a:ext uri="{909E8E84-426E-40DD-AFC4-6F175D3DCCD1}">
+              <a14:hiddenFill xmlns:a14="http://schemas.microsoft.com/office/drawing/2010/main">
+                <a:solidFill>
+                  <a:srgbClr val="FFFFFF"/>
+                </a:solidFill>
+              </a14:hiddenFill>
+            </a:ext>
+          </a:extLst>
+        </p:spPr>
+      </p:pic>
     </p:spTree>
     <p:extLst>
       <p:ext uri="{BB962C8B-B14F-4D97-AF65-F5344CB8AC3E}">
-        <p14:creationId xmlns:p14="http://schemas.microsoft.com/office/powerpoint/2010/main" val="2278301276"/>
+        <p14:creationId xmlns:p14="http://schemas.microsoft.com/office/powerpoint/2010/main" val="2678445934"/>
       </p:ext>
     </p:extLst>
   </p:cSld>
   <p:clrMapOvr>
     <a:masterClrMapping/>
   </p:clrMapOvr>
+  <p:timing>
+    <p:tnLst>
+      <p:par>
+        <p:cTn id="1" dur="indefinite" restart="never" nodeType="tmRoot"/>
+      </p:par>
+    </p:tnLst>
+  </p:timing>
 </p:sld>
 </file>
 
@@ -4116,18 +4632,232 @@
           </a:p>
         </p:txBody>
       </p:sp>
+      <p:sp>
+        <p:nvSpPr>
+          <p:cNvPr id="3" name="Inhaltsplatzhalter 2"/>
+          <p:cNvSpPr>
+            <a:spLocks noGrp="1"/>
+          </p:cNvSpPr>
+          <p:nvPr>
+            <p:ph idx="1"/>
+          </p:nvPr>
+        </p:nvSpPr>
+        <p:spPr/>
+        <p:txBody>
+          <a:bodyPr/>
+          <a:lstStyle/>
+          <a:p>
+            <a:r>
+              <a:rPr lang="de-CH" dirty="0" smtClean="0"/>
+              <a:t>App will </a:t>
+            </a:r>
+            <a:r>
+              <a:rPr lang="de-CH" dirty="0" err="1" smtClean="0"/>
+              <a:t>Activity</a:t>
+            </a:r>
+            <a:r>
+              <a:rPr lang="de-CH" dirty="0" smtClean="0"/>
+              <a:t> von </a:t>
+            </a:r>
+            <a:r>
+              <a:rPr lang="de-CH" dirty="0" err="1" smtClean="0"/>
+              <a:t>LifeUp</a:t>
+            </a:r>
+            <a:r>
+              <a:rPr lang="de-CH" dirty="0" smtClean="0"/>
+              <a:t> prüfen</a:t>
+            </a:r>
+          </a:p>
+          <a:p>
+            <a:r>
+              <a:rPr lang="de-CH" dirty="0" smtClean="0"/>
+              <a:t>App Übergibt </a:t>
+            </a:r>
+            <a:r>
+              <a:rPr lang="de-CH" dirty="0" err="1" smtClean="0"/>
+              <a:t>LifeUp</a:t>
+            </a:r>
+            <a:r>
+              <a:rPr lang="de-CH" dirty="0" smtClean="0"/>
+              <a:t> ein Bild zum prüfen</a:t>
+            </a:r>
+          </a:p>
+          <a:p>
+            <a:r>
+              <a:rPr lang="de-CH" dirty="0" smtClean="0"/>
+              <a:t>Gibt </a:t>
+            </a:r>
+            <a:r>
+              <a:rPr lang="de-CH" dirty="0" err="1" smtClean="0"/>
+              <a:t>LifeUp</a:t>
+            </a:r>
+            <a:r>
+              <a:rPr lang="de-CH" dirty="0" smtClean="0"/>
+              <a:t> </a:t>
+            </a:r>
+            <a:r>
+              <a:rPr lang="de-CH" dirty="0" err="1" smtClean="0"/>
+              <a:t>Success</a:t>
+            </a:r>
+            <a:r>
+              <a:rPr lang="de-CH" dirty="0" smtClean="0"/>
+              <a:t> zurück, werden Punkte addiert</a:t>
+            </a:r>
+          </a:p>
+          <a:p>
+            <a:r>
+              <a:rPr lang="de-CH" dirty="0" err="1" smtClean="0"/>
+              <a:t>Lv</a:t>
+            </a:r>
+            <a:r>
+              <a:rPr lang="de-CH" dirty="0" smtClean="0"/>
+              <a:t> </a:t>
+            </a:r>
+            <a:r>
+              <a:rPr lang="de-CH" dirty="0" err="1" smtClean="0"/>
+              <a:t>up</a:t>
+            </a:r>
+            <a:r>
+              <a:rPr lang="de-CH" dirty="0" smtClean="0"/>
+              <a:t> wird geprüft</a:t>
+            </a:r>
+          </a:p>
+          <a:p>
+            <a:r>
+              <a:rPr lang="de-CH" dirty="0" smtClean="0"/>
+              <a:t>Wenn </a:t>
+            </a:r>
+            <a:r>
+              <a:rPr lang="de-CH" dirty="0" err="1" smtClean="0"/>
+              <a:t>Lv</a:t>
+            </a:r>
+            <a:r>
+              <a:rPr lang="de-CH" dirty="0" smtClean="0"/>
+              <a:t> </a:t>
+            </a:r>
+            <a:r>
+              <a:rPr lang="de-CH" dirty="0" err="1" smtClean="0"/>
+              <a:t>up</a:t>
+            </a:r>
+            <a:r>
+              <a:rPr lang="de-CH" dirty="0" smtClean="0"/>
+              <a:t> </a:t>
+            </a:r>
+            <a:r>
+              <a:rPr lang="de-CH" dirty="0" err="1" smtClean="0"/>
+              <a:t>zustane</a:t>
+            </a:r>
+            <a:r>
+              <a:rPr lang="de-CH" dirty="0" smtClean="0"/>
+              <a:t> kommt, wird dies der </a:t>
+            </a:r>
+            <a:r>
+              <a:rPr lang="de-CH" dirty="0" err="1" smtClean="0"/>
+              <a:t>Activity</a:t>
+            </a:r>
+            <a:r>
+              <a:rPr lang="de-CH" dirty="0" smtClean="0"/>
+              <a:t> gesendet</a:t>
+            </a:r>
+          </a:p>
+          <a:p>
+            <a:r>
+              <a:rPr lang="de-CH" dirty="0" err="1" smtClean="0"/>
+              <a:t>Activity</a:t>
+            </a:r>
+            <a:r>
+              <a:rPr lang="de-CH" dirty="0" smtClean="0"/>
+              <a:t> sendet Log an Server Klinik</a:t>
+            </a:r>
+            <a:endParaRPr lang="de-CH" dirty="0"/>
+          </a:p>
+        </p:txBody>
+      </p:sp>
+    </p:spTree>
+    <p:extLst>
+      <p:ext uri="{BB962C8B-B14F-4D97-AF65-F5344CB8AC3E}">
+        <p14:creationId xmlns:p14="http://schemas.microsoft.com/office/powerpoint/2010/main" val="2278301276"/>
+      </p:ext>
+    </p:extLst>
+  </p:cSld>
+  <p:clrMapOvr>
+    <a:masterClrMapping/>
+  </p:clrMapOvr>
+  <p:timing>
+    <p:tnLst>
+      <p:par>
+        <p:cTn id="1" dur="indefinite" restart="never" nodeType="tmRoot"/>
+      </p:par>
+    </p:tnLst>
+  </p:timing>
+</p:sld>
+</file>
+
+<file path=ppt/slides/slide12.xml><?xml version="1.0" encoding="utf-8"?>
+<p:sld xmlns:a="http://schemas.openxmlformats.org/drawingml/2006/main" xmlns:r="http://schemas.openxmlformats.org/officeDocument/2006/relationships" xmlns:p="http://schemas.openxmlformats.org/presentationml/2006/main">
+  <p:cSld>
+    <p:spTree>
+      <p:nvGrpSpPr>
+        <p:cNvPr id="1" name=""/>
+        <p:cNvGrpSpPr/>
+        <p:nvPr/>
+      </p:nvGrpSpPr>
+      <p:grpSpPr>
+        <a:xfrm>
+          <a:off x="0" y="0"/>
+          <a:ext cx="0" cy="0"/>
+          <a:chOff x="0" y="0"/>
+          <a:chExt cx="0" cy="0"/>
+        </a:xfrm>
+      </p:grpSpPr>
+      <p:sp>
+        <p:nvSpPr>
+          <p:cNvPr id="2" name="Titel 1"/>
+          <p:cNvSpPr>
+            <a:spLocks noGrp="1"/>
+          </p:cNvSpPr>
+          <p:nvPr>
+            <p:ph type="title"/>
+          </p:nvPr>
+        </p:nvSpPr>
+        <p:spPr/>
+        <p:txBody>
+          <a:bodyPr/>
+          <a:lstStyle/>
+          <a:p>
+            <a:endParaRPr lang="de-CH"/>
+          </a:p>
+        </p:txBody>
+      </p:sp>
+      <p:sp>
+        <p:nvSpPr>
+          <p:cNvPr id="3" name="Inhaltsplatzhalter 2"/>
+          <p:cNvSpPr>
+            <a:spLocks noGrp="1"/>
+          </p:cNvSpPr>
+          <p:nvPr>
+            <p:ph idx="1"/>
+          </p:nvPr>
+        </p:nvSpPr>
+        <p:spPr/>
+        <p:txBody>
+          <a:bodyPr/>
+          <a:lstStyle/>
+          <a:p>
+            <a:endParaRPr lang="de-CH"/>
+          </a:p>
+        </p:txBody>
+      </p:sp>
       <p:pic>
         <p:nvPicPr>
-          <p:cNvPr id="7170" name="Picture 2" descr="C:\Users\James\workspaceLuna\sed_projekt\doc\task07\classDiagrammSED.png"/>
+          <p:cNvPr id="1026" name="Picture 2" descr="C:\Users\James\workspaceLuna\sed_projekt\doc\task07\classDiagrammSED.png"/>
           <p:cNvPicPr>
-            <a:picLocks noGrp="1" noChangeAspect="1" noChangeArrowheads="1"/>
+            <a:picLocks noChangeAspect="1" noChangeArrowheads="1"/>
           </p:cNvPicPr>
-          <p:nvPr>
-            <p:ph idx="1"/>
-          </p:nvPr>
+          <p:nvPr/>
         </p:nvPicPr>
         <p:blipFill>
-          <a:blip r:embed="rId2">
+          <a:blip r:embed="rId3">
             <a:extLst>
               <a:ext uri="{28A0092B-C50C-407E-A947-70E740481C1C}">
                 <a14:useLocalDpi xmlns:a14="http://schemas.microsoft.com/office/drawing/2010/main" val="0"/>
@@ -4141,8 +4871,8 @@
         </p:blipFill>
         <p:spPr bwMode="auto">
           <a:xfrm>
-            <a:off x="285760" y="0"/>
-            <a:ext cx="8572500" cy="6850172"/>
+            <a:off x="19283" y="0"/>
+            <a:ext cx="9124717" cy="6610350"/>
           </a:xfrm>
           <a:prstGeom prst="rect">
             <a:avLst/>
@@ -4179,8 +4909,8 @@
 </p:sld>
 </file>
 
-<file path=ppt/slides/slide12.xml><?xml version="1.0" encoding="utf-8"?>
-<p:sld xmlns:a="http://schemas.openxmlformats.org/drawingml/2006/main" xmlns:r="http://schemas.openxmlformats.org/officeDocument/2006/relationships" xmlns:p="http://schemas.openxmlformats.org/presentationml/2006/main">
+<file path=ppt/slides/slide13.xml><?xml version="1.0" encoding="utf-8"?>
+<p:sld xmlns:a="http://schemas.openxmlformats.org/drawingml/2006/main" xmlns:r="http://schemas.openxmlformats.org/officeDocument/2006/relationships" xmlns:p="http://schemas.openxmlformats.org/presentationml/2006/main" show="0">
   <p:cSld>
     <p:spTree>
       <p:nvGrpSpPr>
@@ -4281,6 +5011,14 @@
   <p:clrMapOvr>
     <a:masterClrMapping/>
   </p:clrMapOvr>
+  <mc:AlternateContent xmlns:mc="http://schemas.openxmlformats.org/markup-compatibility/2006">
+    <mc:Choice xmlns:p14="http://schemas.microsoft.com/office/powerpoint/2010/main" Requires="p14">
+      <p:transition spd="slow" p14:dur="2000"/>
+    </mc:Choice>
+    <mc:Fallback>
+      <p:transition spd="slow"/>
+    </mc:Fallback>
+  </mc:AlternateContent>
   <p:timing>
     <p:tnLst>
       <p:par>
@@ -4291,8 +5029,8 @@
 </p:sld>
 </file>
 
-<file path=ppt/slides/slide13.xml><?xml version="1.0" encoding="utf-8"?>
-<p:sld xmlns:a="http://schemas.openxmlformats.org/drawingml/2006/main" xmlns:r="http://schemas.openxmlformats.org/officeDocument/2006/relationships" xmlns:p="http://schemas.openxmlformats.org/presentationml/2006/main">
+<file path=ppt/slides/slide14.xml><?xml version="1.0" encoding="utf-8"?>
+<p:sld xmlns:a="http://schemas.openxmlformats.org/drawingml/2006/main" xmlns:r="http://schemas.openxmlformats.org/officeDocument/2006/relationships" xmlns:p="http://schemas.openxmlformats.org/presentationml/2006/main" show="0">
   <p:cSld>
     <p:spTree>
       <p:nvGrpSpPr>
@@ -4358,11 +5096,7 @@
           <a:p>
             <a:r>
               <a:rPr lang="de-CH" dirty="0" err="1" smtClean="0"/>
-              <a:t>Calendar</a:t>
-            </a:r>
-            <a:r>
-              <a:rPr lang="de-CH" dirty="0" err="1" smtClean="0"/>
-              <a:t>Entry</a:t>
+              <a:t>CalendarEntry</a:t>
             </a:r>
             <a:r>
               <a:rPr lang="de-CH" dirty="0" smtClean="0"/>
@@ -4426,6 +5160,14 @@
   <p:clrMapOvr>
     <a:masterClrMapping/>
   </p:clrMapOvr>
+  <mc:AlternateContent xmlns:mc="http://schemas.openxmlformats.org/markup-compatibility/2006">
+    <mc:Choice xmlns:p14="http://schemas.microsoft.com/office/powerpoint/2010/main" Requires="p14">
+      <p:transition spd="slow" p14:dur="2000"/>
+    </mc:Choice>
+    <mc:Fallback>
+      <p:transition spd="slow"/>
+    </mc:Fallback>
+  </mc:AlternateContent>
   <p:timing>
     <p:tnLst>
       <p:par>
@@ -4436,7 +5178,7 @@
 </p:sld>
 </file>
 
-<file path=ppt/slides/slide14.xml><?xml version="1.0" encoding="utf-8"?>
+<file path=ppt/slides/slide15.xml><?xml version="1.0" encoding="utf-8"?>
 <p:sld xmlns:a="http://schemas.openxmlformats.org/drawingml/2006/main" xmlns:r="http://schemas.openxmlformats.org/officeDocument/2006/relationships" xmlns:p="http://schemas.openxmlformats.org/presentationml/2006/main">
   <p:cSld>
     <p:spTree>
@@ -4601,9 +5343,23 @@
           <a:bodyPr/>
           <a:lstStyle/>
           <a:p>
+            <a:endParaRPr lang="de-CH" dirty="0" smtClean="0"/>
+          </a:p>
+          <a:p>
+            <a:r>
+              <a:rPr lang="en-US" dirty="0" err="1" smtClean="0"/>
+              <a:t>Patientenapp</a:t>
+            </a:r>
+            <a:endParaRPr lang="de-CH" dirty="0" smtClean="0"/>
+          </a:p>
+          <a:p>
             <a:r>
               <a:rPr lang="de-CH" dirty="0" smtClean="0"/>
-              <a:t>Domain Model</a:t>
+              <a:t>Domain </a:t>
+            </a:r>
+            <a:r>
+              <a:rPr lang="de-CH" dirty="0" smtClean="0"/>
+              <a:t>Model</a:t>
             </a:r>
           </a:p>
           <a:p>
@@ -4614,10 +5370,9 @@
           </a:p>
           <a:p>
             <a:r>
-              <a:rPr lang="de-CH" smtClean="0"/>
+              <a:rPr lang="de-CH" dirty="0" smtClean="0"/>
               <a:t>Class Diagramm</a:t>
             </a:r>
-            <a:endParaRPr lang="de-CH" dirty="0" smtClean="0"/>
           </a:p>
         </p:txBody>
       </p:sp>
@@ -4674,6 +5429,501 @@
           <a:lstStyle/>
           <a:p>
             <a:r>
+              <a:rPr lang="en-US" dirty="0" err="1" smtClean="0"/>
+              <a:t>Patientenapp</a:t>
+            </a:r>
+            <a:endParaRPr lang="de-CH" dirty="0"/>
+          </a:p>
+        </p:txBody>
+      </p:sp>
+      <p:pic>
+        <p:nvPicPr>
+          <p:cNvPr id="4" name="Picture 3" descr="C:\Users\James\Desktop\Capture.PNG"/>
+          <p:cNvPicPr>
+            <a:picLocks noGrp="1" noChangeAspect="1" noChangeArrowheads="1"/>
+          </p:cNvPicPr>
+          <p:nvPr>
+            <p:ph idx="1"/>
+          </p:nvPr>
+        </p:nvPicPr>
+        <p:blipFill>
+          <a:blip r:embed="rId3">
+            <a:extLst>
+              <a:ext uri="{28A0092B-C50C-407E-A947-70E740481C1C}">
+                <a14:useLocalDpi xmlns:a14="http://schemas.microsoft.com/office/drawing/2010/main" val="0"/>
+              </a:ext>
+            </a:extLst>
+          </a:blip>
+          <a:srcRect/>
+          <a:stretch>
+            <a:fillRect/>
+          </a:stretch>
+        </p:blipFill>
+        <p:spPr bwMode="auto">
+          <a:xfrm>
+            <a:off x="840538" y="1600200"/>
+            <a:ext cx="2167024" cy="4525963"/>
+          </a:xfrm>
+          <a:prstGeom prst="rect">
+            <a:avLst/>
+          </a:prstGeom>
+          <a:noFill/>
+          <a:extLst>
+            <a:ext uri="{909E8E84-426E-40DD-AFC4-6F175D3DCCD1}">
+              <a14:hiddenFill xmlns:a14="http://schemas.microsoft.com/office/drawing/2010/main">
+                <a:solidFill>
+                  <a:srgbClr val="FFFFFF"/>
+                </a:solidFill>
+              </a14:hiddenFill>
+            </a:ext>
+          </a:extLst>
+        </p:spPr>
+      </p:pic>
+      <p:sp>
+        <p:nvSpPr>
+          <p:cNvPr id="7" name="Inhaltsplatzhalter 2"/>
+          <p:cNvSpPr txBox="1">
+            <a:spLocks/>
+          </p:cNvSpPr>
+          <p:nvPr/>
+        </p:nvSpPr>
+        <p:spPr>
+          <a:xfrm>
+            <a:off x="3295650" y="1752599"/>
+            <a:ext cx="5848350" cy="4659313"/>
+          </a:xfrm>
+          <a:prstGeom prst="rect">
+            <a:avLst/>
+          </a:prstGeom>
+        </p:spPr>
+        <p:txBody>
+          <a:bodyPr vert="horz" lIns="91440" tIns="45720" rIns="91440" bIns="45720" rtlCol="0">
+            <a:normAutofit/>
+          </a:bodyPr>
+          <a:lstStyle>
+            <a:lvl1pPr marL="342900" indent="-342900" algn="l" defTabSz="457200" rtl="0" eaLnBrk="1" latinLnBrk="0" hangingPunct="1">
+              <a:spcBef>
+                <a:spcPct val="20000"/>
+              </a:spcBef>
+              <a:buFont typeface="Arial"/>
+              <a:buChar char="•"/>
+              <a:defRPr sz="3200" kern="1200">
+                <a:solidFill>
+                  <a:schemeClr val="tx1"/>
+                </a:solidFill>
+                <a:latin typeface="+mn-lt"/>
+                <a:ea typeface="+mn-ea"/>
+                <a:cs typeface="+mn-cs"/>
+              </a:defRPr>
+            </a:lvl1pPr>
+            <a:lvl2pPr marL="742950" indent="-285750" algn="l" defTabSz="457200" rtl="0" eaLnBrk="1" latinLnBrk="0" hangingPunct="1">
+              <a:spcBef>
+                <a:spcPct val="20000"/>
+              </a:spcBef>
+              <a:buFont typeface="Arial"/>
+              <a:buChar char="–"/>
+              <a:defRPr sz="2800" kern="1200">
+                <a:solidFill>
+                  <a:schemeClr val="tx1"/>
+                </a:solidFill>
+                <a:latin typeface="+mn-lt"/>
+                <a:ea typeface="+mn-ea"/>
+                <a:cs typeface="+mn-cs"/>
+              </a:defRPr>
+            </a:lvl2pPr>
+            <a:lvl3pPr marL="1143000" indent="-228600" algn="l" defTabSz="457200" rtl="0" eaLnBrk="1" latinLnBrk="0" hangingPunct="1">
+              <a:spcBef>
+                <a:spcPct val="20000"/>
+              </a:spcBef>
+              <a:buFont typeface="Arial"/>
+              <a:buChar char="•"/>
+              <a:defRPr sz="2400" kern="1200">
+                <a:solidFill>
+                  <a:schemeClr val="tx1"/>
+                </a:solidFill>
+                <a:latin typeface="+mn-lt"/>
+                <a:ea typeface="+mn-ea"/>
+                <a:cs typeface="+mn-cs"/>
+              </a:defRPr>
+            </a:lvl3pPr>
+            <a:lvl4pPr marL="1600200" indent="-228600" algn="l" defTabSz="457200" rtl="0" eaLnBrk="1" latinLnBrk="0" hangingPunct="1">
+              <a:spcBef>
+                <a:spcPct val="20000"/>
+              </a:spcBef>
+              <a:buFont typeface="Arial"/>
+              <a:buChar char="–"/>
+              <a:defRPr sz="2000" kern="1200">
+                <a:solidFill>
+                  <a:schemeClr val="tx1"/>
+                </a:solidFill>
+                <a:latin typeface="+mn-lt"/>
+                <a:ea typeface="+mn-ea"/>
+                <a:cs typeface="+mn-cs"/>
+              </a:defRPr>
+            </a:lvl4pPr>
+            <a:lvl5pPr marL="2057400" indent="-228600" algn="l" defTabSz="457200" rtl="0" eaLnBrk="1" latinLnBrk="0" hangingPunct="1">
+              <a:spcBef>
+                <a:spcPct val="20000"/>
+              </a:spcBef>
+              <a:buFont typeface="Arial"/>
+              <a:buChar char="»"/>
+              <a:defRPr sz="2000" kern="1200">
+                <a:solidFill>
+                  <a:schemeClr val="tx1"/>
+                </a:solidFill>
+                <a:latin typeface="+mn-lt"/>
+                <a:ea typeface="+mn-ea"/>
+                <a:cs typeface="+mn-cs"/>
+              </a:defRPr>
+            </a:lvl5pPr>
+            <a:lvl6pPr marL="2514600" indent="-228600" algn="l" defTabSz="457200" rtl="0" eaLnBrk="1" latinLnBrk="0" hangingPunct="1">
+              <a:spcBef>
+                <a:spcPct val="20000"/>
+              </a:spcBef>
+              <a:buFont typeface="Arial"/>
+              <a:buChar char="•"/>
+              <a:defRPr sz="2000" kern="1200">
+                <a:solidFill>
+                  <a:schemeClr val="tx1"/>
+                </a:solidFill>
+                <a:latin typeface="+mn-lt"/>
+                <a:ea typeface="+mn-ea"/>
+                <a:cs typeface="+mn-cs"/>
+              </a:defRPr>
+            </a:lvl6pPr>
+            <a:lvl7pPr marL="2971800" indent="-228600" algn="l" defTabSz="457200" rtl="0" eaLnBrk="1" latinLnBrk="0" hangingPunct="1">
+              <a:spcBef>
+                <a:spcPct val="20000"/>
+              </a:spcBef>
+              <a:buFont typeface="Arial"/>
+              <a:buChar char="•"/>
+              <a:defRPr sz="2000" kern="1200">
+                <a:solidFill>
+                  <a:schemeClr val="tx1"/>
+                </a:solidFill>
+                <a:latin typeface="+mn-lt"/>
+                <a:ea typeface="+mn-ea"/>
+                <a:cs typeface="+mn-cs"/>
+              </a:defRPr>
+            </a:lvl7pPr>
+            <a:lvl8pPr marL="3429000" indent="-228600" algn="l" defTabSz="457200" rtl="0" eaLnBrk="1" latinLnBrk="0" hangingPunct="1">
+              <a:spcBef>
+                <a:spcPct val="20000"/>
+              </a:spcBef>
+              <a:buFont typeface="Arial"/>
+              <a:buChar char="•"/>
+              <a:defRPr sz="2000" kern="1200">
+                <a:solidFill>
+                  <a:schemeClr val="tx1"/>
+                </a:solidFill>
+                <a:latin typeface="+mn-lt"/>
+                <a:ea typeface="+mn-ea"/>
+                <a:cs typeface="+mn-cs"/>
+              </a:defRPr>
+            </a:lvl8pPr>
+            <a:lvl9pPr marL="3886200" indent="-228600" algn="l" defTabSz="457200" rtl="0" eaLnBrk="1" latinLnBrk="0" hangingPunct="1">
+              <a:spcBef>
+                <a:spcPct val="20000"/>
+              </a:spcBef>
+              <a:buFont typeface="Arial"/>
+              <a:buChar char="•"/>
+              <a:defRPr sz="2000" kern="1200">
+                <a:solidFill>
+                  <a:schemeClr val="tx1"/>
+                </a:solidFill>
+                <a:latin typeface="+mn-lt"/>
+                <a:ea typeface="+mn-ea"/>
+                <a:cs typeface="+mn-cs"/>
+              </a:defRPr>
+            </a:lvl9pPr>
+          </a:lstStyle>
+          <a:p>
+            <a:pPr marL="0" indent="0">
+              <a:buNone/>
+            </a:pPr>
+            <a:r>
+              <a:rPr lang="en-US" dirty="0" smtClean="0"/>
+              <a:t>Reminder </a:t>
+            </a:r>
+            <a:r>
+              <a:rPr lang="en-US" dirty="0" err="1" smtClean="0"/>
+              <a:t>mit</a:t>
+            </a:r>
+            <a:r>
+              <a:rPr lang="en-US" dirty="0" smtClean="0"/>
+              <a:t> </a:t>
+            </a:r>
+            <a:r>
+              <a:rPr lang="en-US" dirty="0" err="1" smtClean="0"/>
+              <a:t>Zusatzfunktionen</a:t>
+            </a:r>
+            <a:endParaRPr lang="en-US" dirty="0" smtClean="0"/>
+          </a:p>
+          <a:p>
+            <a:pPr lvl="1"/>
+            <a:r>
+              <a:rPr lang="en-US" dirty="0" err="1" smtClean="0"/>
+              <a:t>Termine</a:t>
+            </a:r>
+            <a:endParaRPr lang="en-US" dirty="0" smtClean="0"/>
+          </a:p>
+          <a:p>
+            <a:pPr lvl="1"/>
+            <a:r>
+              <a:rPr lang="en-US" dirty="0" err="1" smtClean="0"/>
+              <a:t>LifeUp</a:t>
+            </a:r>
+            <a:endParaRPr lang="en-US" dirty="0" smtClean="0"/>
+          </a:p>
+          <a:p>
+            <a:pPr lvl="1"/>
+            <a:r>
+              <a:rPr lang="en-US" dirty="0" err="1" smtClean="0"/>
+              <a:t>Medikation</a:t>
+            </a:r>
+            <a:endParaRPr lang="en-US" dirty="0" smtClean="0"/>
+          </a:p>
+        </p:txBody>
+      </p:sp>
+    </p:spTree>
+    <p:extLst>
+      <p:ext uri="{BB962C8B-B14F-4D97-AF65-F5344CB8AC3E}">
+        <p14:creationId xmlns:p14="http://schemas.microsoft.com/office/powerpoint/2010/main" val="3738417674"/>
+      </p:ext>
+    </p:extLst>
+  </p:cSld>
+  <p:clrMapOvr>
+    <a:masterClrMapping/>
+  </p:clrMapOvr>
+  <p:timing>
+    <p:tnLst>
+      <p:par>
+        <p:cTn id="1" dur="indefinite" restart="never" nodeType="tmRoot"/>
+      </p:par>
+    </p:tnLst>
+  </p:timing>
+</p:sld>
+</file>
+
+<file path=ppt/slides/slide4.xml><?xml version="1.0" encoding="utf-8"?>
+<p:sld xmlns:a="http://schemas.openxmlformats.org/drawingml/2006/main" xmlns:r="http://schemas.openxmlformats.org/officeDocument/2006/relationships" xmlns:p="http://schemas.openxmlformats.org/presentationml/2006/main" show="0">
+  <p:cSld>
+    <p:spTree>
+      <p:nvGrpSpPr>
+        <p:cNvPr id="1" name=""/>
+        <p:cNvGrpSpPr/>
+        <p:nvPr/>
+      </p:nvGrpSpPr>
+      <p:grpSpPr>
+        <a:xfrm>
+          <a:off x="0" y="0"/>
+          <a:ext cx="0" cy="0"/>
+          <a:chOff x="0" y="0"/>
+          <a:chExt cx="0" cy="0"/>
+        </a:xfrm>
+      </p:grpSpPr>
+      <p:sp>
+        <p:nvSpPr>
+          <p:cNvPr id="2" name="Titel 1"/>
+          <p:cNvSpPr>
+            <a:spLocks noGrp="1"/>
+          </p:cNvSpPr>
+          <p:nvPr>
+            <p:ph type="title"/>
+          </p:nvPr>
+        </p:nvSpPr>
+        <p:spPr/>
+        <p:txBody>
+          <a:bodyPr/>
+          <a:lstStyle/>
+          <a:p>
+            <a:r>
+              <a:rPr lang="de-CH" dirty="0" smtClean="0"/>
+              <a:t>Domain Model</a:t>
+            </a:r>
+            <a:endParaRPr lang="de-CH" dirty="0"/>
+          </a:p>
+        </p:txBody>
+      </p:sp>
+      <p:sp>
+        <p:nvSpPr>
+          <p:cNvPr id="3" name="Inhaltsplatzhalter 2"/>
+          <p:cNvSpPr>
+            <a:spLocks noGrp="1"/>
+          </p:cNvSpPr>
+          <p:nvPr>
+            <p:ph idx="1"/>
+          </p:nvPr>
+        </p:nvSpPr>
+        <p:spPr/>
+        <p:txBody>
+          <a:bodyPr>
+            <a:normAutofit lnSpcReduction="10000"/>
+          </a:bodyPr>
+          <a:lstStyle/>
+          <a:p>
+            <a:r>
+              <a:rPr lang="de-CH" dirty="0" err="1" smtClean="0"/>
+              <a:t>Calendar</a:t>
+            </a:r>
+            <a:r>
+              <a:rPr lang="de-CH" dirty="0" smtClean="0"/>
+              <a:t> enthält sämtliche </a:t>
+            </a:r>
+            <a:r>
+              <a:rPr lang="de-CH" dirty="0" err="1" smtClean="0"/>
+              <a:t>Calendar</a:t>
+            </a:r>
+            <a:r>
+              <a:rPr lang="de-CH" dirty="0" smtClean="0"/>
+              <a:t> </a:t>
+            </a:r>
+            <a:r>
+              <a:rPr lang="de-CH" dirty="0" err="1" smtClean="0"/>
+              <a:t>Entries</a:t>
+            </a:r>
+            <a:endParaRPr lang="de-CH" dirty="0" smtClean="0"/>
+          </a:p>
+          <a:p>
+            <a:r>
+              <a:rPr lang="de-CH" dirty="0" smtClean="0"/>
+              <a:t>Jedem Entry ist eine </a:t>
+            </a:r>
+            <a:r>
+              <a:rPr lang="de-CH" dirty="0" err="1" smtClean="0"/>
+              <a:t>Activity</a:t>
+            </a:r>
+            <a:r>
+              <a:rPr lang="de-CH" dirty="0"/>
+              <a:t>,</a:t>
+            </a:r>
+            <a:r>
+              <a:rPr lang="de-CH" dirty="0" smtClean="0"/>
+              <a:t> ein </a:t>
+            </a:r>
+            <a:r>
+              <a:rPr lang="de-CH" dirty="0" err="1" smtClean="0"/>
+              <a:t>Appointment</a:t>
+            </a:r>
+            <a:r>
+              <a:rPr lang="de-CH" dirty="0" smtClean="0"/>
+              <a:t> oder eine </a:t>
+            </a:r>
+            <a:r>
+              <a:rPr lang="de-CH" dirty="0" err="1" smtClean="0"/>
+              <a:t>Medication</a:t>
+            </a:r>
+            <a:r>
+              <a:rPr lang="de-CH" dirty="0" smtClean="0"/>
+              <a:t> zugewiesen</a:t>
+            </a:r>
+          </a:p>
+          <a:p>
+            <a:r>
+              <a:rPr lang="de-CH" dirty="0" smtClean="0"/>
+              <a:t>Bei </a:t>
+            </a:r>
+            <a:r>
+              <a:rPr lang="de-CH" dirty="0" err="1" smtClean="0"/>
+              <a:t>Appointments</a:t>
+            </a:r>
+            <a:r>
+              <a:rPr lang="de-CH" dirty="0" smtClean="0"/>
+              <a:t> kann der Arzt kontaktiert werden</a:t>
+            </a:r>
+          </a:p>
+          <a:p>
+            <a:r>
+              <a:rPr lang="de-CH" dirty="0" err="1" smtClean="0"/>
+              <a:t>Activities</a:t>
+            </a:r>
+            <a:r>
+              <a:rPr lang="de-CH" dirty="0" smtClean="0"/>
+              <a:t> sind mit </a:t>
+            </a:r>
+            <a:r>
+              <a:rPr lang="de-CH" dirty="0" err="1" smtClean="0"/>
+              <a:t>LifeUp</a:t>
+            </a:r>
+            <a:r>
+              <a:rPr lang="de-CH" dirty="0" smtClean="0"/>
+              <a:t> verbunden und werden dort angezeigt</a:t>
+            </a:r>
+          </a:p>
+          <a:p>
+            <a:r>
+              <a:rPr lang="de-CH" dirty="0" err="1" smtClean="0"/>
+              <a:t>KlinikConnector</a:t>
+            </a:r>
+            <a:r>
+              <a:rPr lang="de-CH" dirty="0" smtClean="0"/>
+              <a:t> ist zuständig für die Notfallnummern</a:t>
+            </a:r>
+            <a:endParaRPr lang="de-CH" dirty="0"/>
+          </a:p>
+        </p:txBody>
+      </p:sp>
+    </p:spTree>
+    <p:extLst>
+      <p:ext uri="{BB962C8B-B14F-4D97-AF65-F5344CB8AC3E}">
+        <p14:creationId xmlns:p14="http://schemas.microsoft.com/office/powerpoint/2010/main" val="2806369572"/>
+      </p:ext>
+    </p:extLst>
+  </p:cSld>
+  <p:clrMapOvr>
+    <a:masterClrMapping/>
+  </p:clrMapOvr>
+  <mc:AlternateContent xmlns:mc="http://schemas.openxmlformats.org/markup-compatibility/2006">
+    <mc:Choice xmlns:p14="http://schemas.microsoft.com/office/powerpoint/2010/main" Requires="p14">
+      <p:transition spd="slow" p14:dur="2000"/>
+    </mc:Choice>
+    <mc:Fallback>
+      <p:transition spd="slow"/>
+    </mc:Fallback>
+  </mc:AlternateContent>
+  <p:timing>
+    <p:tnLst>
+      <p:par>
+        <p:cTn id="1" dur="indefinite" restart="never" nodeType="tmRoot"/>
+      </p:par>
+    </p:tnLst>
+  </p:timing>
+</p:sld>
+</file>
+
+<file path=ppt/slides/slide5.xml><?xml version="1.0" encoding="utf-8"?>
+<p:sld xmlns:a="http://schemas.openxmlformats.org/drawingml/2006/main" xmlns:r="http://schemas.openxmlformats.org/officeDocument/2006/relationships" xmlns:p="http://schemas.openxmlformats.org/presentationml/2006/main">
+  <p:cSld>
+    <p:spTree>
+      <p:nvGrpSpPr>
+        <p:cNvPr id="1" name=""/>
+        <p:cNvGrpSpPr/>
+        <p:nvPr/>
+      </p:nvGrpSpPr>
+      <p:grpSpPr>
+        <a:xfrm>
+          <a:off x="0" y="0"/>
+          <a:ext cx="0" cy="0"/>
+          <a:chOff x="0" y="0"/>
+          <a:chExt cx="0" cy="0"/>
+        </a:xfrm>
+      </p:grpSpPr>
+      <p:sp>
+        <p:nvSpPr>
+          <p:cNvPr id="2" name="Titel 1"/>
+          <p:cNvSpPr>
+            <a:spLocks noGrp="1"/>
+          </p:cNvSpPr>
+          <p:nvPr>
+            <p:ph type="title"/>
+          </p:nvPr>
+        </p:nvSpPr>
+        <p:spPr/>
+        <p:txBody>
+          <a:bodyPr/>
+          <a:lstStyle/>
+          <a:p>
+            <a:r>
               <a:rPr lang="en-US" dirty="0" smtClean="0"/>
               <a:t>Domain Model</a:t>
             </a:r>
@@ -4692,7 +5942,7 @@
           </p:nvPr>
         </p:nvPicPr>
         <p:blipFill>
-          <a:blip r:embed="rId2">
+          <a:blip r:embed="rId3">
             <a:extLst>
               <a:ext uri="{28A0092B-C50C-407E-A947-70E740481C1C}">
                 <a14:useLocalDpi xmlns:a14="http://schemas.microsoft.com/office/drawing/2010/main" val="0"/>
@@ -4724,6 +5974,150 @@
           </a:extLst>
         </p:spPr>
       </p:pic>
+      <p:sp>
+        <p:nvSpPr>
+          <p:cNvPr id="4" name="Ellipse 3"/>
+          <p:cNvSpPr/>
+          <p:nvPr/>
+        </p:nvSpPr>
+        <p:spPr>
+          <a:xfrm>
+            <a:off x="4933950" y="-200026"/>
+            <a:ext cx="2052637" cy="1399709"/>
+          </a:xfrm>
+          <a:prstGeom prst="ellipse">
+            <a:avLst/>
+          </a:prstGeom>
+          <a:noFill/>
+          <a:ln w="76200">
+            <a:solidFill>
+              <a:srgbClr val="AD0011"/>
+            </a:solidFill>
+          </a:ln>
+        </p:spPr>
+        <p:style>
+          <a:lnRef idx="1">
+            <a:schemeClr val="accent1"/>
+          </a:lnRef>
+          <a:fillRef idx="3">
+            <a:schemeClr val="accent1"/>
+          </a:fillRef>
+          <a:effectRef idx="2">
+            <a:schemeClr val="accent1"/>
+          </a:effectRef>
+          <a:fontRef idx="minor">
+            <a:schemeClr val="lt1"/>
+          </a:fontRef>
+        </p:style>
+        <p:txBody>
+          <a:bodyPr rtlCol="0" anchor="ctr"/>
+          <a:lstStyle/>
+          <a:p>
+            <a:pPr algn="ctr"/>
+            <a:endParaRPr lang="de-CH">
+              <a:solidFill>
+                <a:srgbClr val="800000"/>
+              </a:solidFill>
+            </a:endParaRPr>
+          </a:p>
+        </p:txBody>
+      </p:sp>
+      <p:sp>
+        <p:nvSpPr>
+          <p:cNvPr id="5" name="Ellipse 4"/>
+          <p:cNvSpPr/>
+          <p:nvPr/>
+        </p:nvSpPr>
+        <p:spPr>
+          <a:xfrm>
+            <a:off x="4371975" y="2038349"/>
+            <a:ext cx="2052637" cy="1399709"/>
+          </a:xfrm>
+          <a:prstGeom prst="ellipse">
+            <a:avLst/>
+          </a:prstGeom>
+          <a:noFill/>
+          <a:ln w="76200">
+            <a:solidFill>
+              <a:srgbClr val="AD0011"/>
+            </a:solidFill>
+          </a:ln>
+        </p:spPr>
+        <p:style>
+          <a:lnRef idx="1">
+            <a:schemeClr val="accent1"/>
+          </a:lnRef>
+          <a:fillRef idx="3">
+            <a:schemeClr val="accent1"/>
+          </a:fillRef>
+          <a:effectRef idx="2">
+            <a:schemeClr val="accent1"/>
+          </a:effectRef>
+          <a:fontRef idx="minor">
+            <a:schemeClr val="lt1"/>
+          </a:fontRef>
+        </p:style>
+        <p:txBody>
+          <a:bodyPr rtlCol="0" anchor="ctr"/>
+          <a:lstStyle/>
+          <a:p>
+            <a:pPr algn="ctr"/>
+            <a:endParaRPr lang="de-CH">
+              <a:solidFill>
+                <a:srgbClr val="800000"/>
+              </a:solidFill>
+            </a:endParaRPr>
+          </a:p>
+        </p:txBody>
+      </p:sp>
+      <p:sp>
+        <p:nvSpPr>
+          <p:cNvPr id="6" name="Ellipse 5"/>
+          <p:cNvSpPr/>
+          <p:nvPr/>
+        </p:nvSpPr>
+        <p:spPr>
+          <a:xfrm>
+            <a:off x="5398293" y="3595221"/>
+            <a:ext cx="2052637" cy="1399709"/>
+          </a:xfrm>
+          <a:prstGeom prst="ellipse">
+            <a:avLst/>
+          </a:prstGeom>
+          <a:noFill/>
+          <a:ln w="76200">
+            <a:solidFill>
+              <a:srgbClr val="AD0011"/>
+            </a:solidFill>
+          </a:ln>
+        </p:spPr>
+        <p:style>
+          <a:lnRef idx="1">
+            <a:schemeClr val="accent1"/>
+          </a:lnRef>
+          <a:fillRef idx="3">
+            <a:schemeClr val="accent1"/>
+          </a:fillRef>
+          <a:effectRef idx="2">
+            <a:schemeClr val="accent1"/>
+          </a:effectRef>
+          <a:fontRef idx="minor">
+            <a:schemeClr val="lt1"/>
+          </a:fontRef>
+        </p:style>
+        <p:txBody>
+          <a:bodyPr rtlCol="0" anchor="ctr"/>
+          <a:lstStyle/>
+          <a:p>
+            <a:pPr algn="ctr"/>
+            <a:endParaRPr lang="de-CH">
+              <a:solidFill>
+                <a:srgbClr val="800000"/>
+              </a:solidFill>
+            </a:endParaRPr>
+          </a:p>
+        </p:txBody>
+      </p:sp>
     </p:spTree>
     <p:extLst>
       <p:ext uri="{BB962C8B-B14F-4D97-AF65-F5344CB8AC3E}">
@@ -4737,14 +6131,315 @@
   <p:timing>
     <p:tnLst>
       <p:par>
-        <p:cTn id="1" dur="indefinite" restart="never" nodeType="tmRoot"/>
+        <p:cTn id="1" dur="indefinite" restart="never" nodeType="tmRoot">
+          <p:childTnLst>
+            <p:seq concurrent="1" nextAc="seek">
+              <p:cTn id="2" dur="indefinite" nodeType="mainSeq">
+                <p:childTnLst>
+                  <p:par>
+                    <p:cTn id="3" fill="hold">
+                      <p:stCondLst>
+                        <p:cond delay="indefinite"/>
+                      </p:stCondLst>
+                      <p:childTnLst>
+                        <p:par>
+                          <p:cTn id="4" fill="hold">
+                            <p:stCondLst>
+                              <p:cond delay="0"/>
+                            </p:stCondLst>
+                            <p:childTnLst>
+                              <p:par>
+                                <p:cTn id="5" presetID="1" presetClass="entr" presetSubtype="0" fill="hold" grpId="0" nodeType="clickEffect">
+                                  <p:stCondLst>
+                                    <p:cond delay="0"/>
+                                  </p:stCondLst>
+                                  <p:childTnLst>
+                                    <p:set>
+                                      <p:cBhvr>
+                                        <p:cTn id="6" dur="1" fill="hold">
+                                          <p:stCondLst>
+                                            <p:cond delay="0"/>
+                                          </p:stCondLst>
+                                        </p:cTn>
+                                        <p:tgtEl>
+                                          <p:spTgt spid="4"/>
+                                        </p:tgtEl>
+                                        <p:attrNameLst>
+                                          <p:attrName>style.visibility</p:attrName>
+                                        </p:attrNameLst>
+                                      </p:cBhvr>
+                                      <p:to>
+                                        <p:strVal val="visible"/>
+                                      </p:to>
+                                    </p:set>
+                                  </p:childTnLst>
+                                </p:cTn>
+                              </p:par>
+                            </p:childTnLst>
+                          </p:cTn>
+                        </p:par>
+                      </p:childTnLst>
+                    </p:cTn>
+                  </p:par>
+                  <p:par>
+                    <p:cTn id="7" fill="hold">
+                      <p:stCondLst>
+                        <p:cond delay="indefinite"/>
+                      </p:stCondLst>
+                      <p:childTnLst>
+                        <p:par>
+                          <p:cTn id="8" fill="hold">
+                            <p:stCondLst>
+                              <p:cond delay="0"/>
+                            </p:stCondLst>
+                            <p:childTnLst>
+                              <p:par>
+                                <p:cTn id="9" presetID="1" presetClass="exit" presetSubtype="0" fill="hold" grpId="1" nodeType="clickEffect">
+                                  <p:stCondLst>
+                                    <p:cond delay="0"/>
+                                  </p:stCondLst>
+                                  <p:childTnLst>
+                                    <p:set>
+                                      <p:cBhvr>
+                                        <p:cTn id="10" dur="1" fill="hold">
+                                          <p:stCondLst>
+                                            <p:cond delay="0"/>
+                                          </p:stCondLst>
+                                        </p:cTn>
+                                        <p:tgtEl>
+                                          <p:spTgt spid="4"/>
+                                        </p:tgtEl>
+                                        <p:attrNameLst>
+                                          <p:attrName>style.visibility</p:attrName>
+                                        </p:attrNameLst>
+                                      </p:cBhvr>
+                                      <p:to>
+                                        <p:strVal val="hidden"/>
+                                      </p:to>
+                                    </p:set>
+                                  </p:childTnLst>
+                                </p:cTn>
+                              </p:par>
+                            </p:childTnLst>
+                          </p:cTn>
+                        </p:par>
+                      </p:childTnLst>
+                    </p:cTn>
+                  </p:par>
+                  <p:par>
+                    <p:cTn id="11" fill="hold">
+                      <p:stCondLst>
+                        <p:cond delay="indefinite"/>
+                      </p:stCondLst>
+                      <p:childTnLst>
+                        <p:par>
+                          <p:cTn id="12" fill="hold">
+                            <p:stCondLst>
+                              <p:cond delay="0"/>
+                            </p:stCondLst>
+                            <p:childTnLst>
+                              <p:par>
+                                <p:cTn id="13" presetID="1" presetClass="entr" presetSubtype="0" fill="hold" grpId="0" nodeType="clickEffect">
+                                  <p:stCondLst>
+                                    <p:cond delay="0"/>
+                                  </p:stCondLst>
+                                  <p:childTnLst>
+                                    <p:set>
+                                      <p:cBhvr>
+                                        <p:cTn id="14" dur="1" fill="hold">
+                                          <p:stCondLst>
+                                            <p:cond delay="0"/>
+                                          </p:stCondLst>
+                                        </p:cTn>
+                                        <p:tgtEl>
+                                          <p:spTgt spid="5"/>
+                                        </p:tgtEl>
+                                        <p:attrNameLst>
+                                          <p:attrName>style.visibility</p:attrName>
+                                        </p:attrNameLst>
+                                      </p:cBhvr>
+                                      <p:to>
+                                        <p:strVal val="visible"/>
+                                      </p:to>
+                                    </p:set>
+                                  </p:childTnLst>
+                                </p:cTn>
+                              </p:par>
+                            </p:childTnLst>
+                          </p:cTn>
+                        </p:par>
+                      </p:childTnLst>
+                    </p:cTn>
+                  </p:par>
+                  <p:par>
+                    <p:cTn id="15" fill="hold">
+                      <p:stCondLst>
+                        <p:cond delay="indefinite"/>
+                      </p:stCondLst>
+                      <p:childTnLst>
+                        <p:par>
+                          <p:cTn id="16" fill="hold">
+                            <p:stCondLst>
+                              <p:cond delay="0"/>
+                            </p:stCondLst>
+                            <p:childTnLst>
+                              <p:par>
+                                <p:cTn id="17" presetID="1" presetClass="exit" presetSubtype="0" fill="hold" grpId="1" nodeType="clickEffect">
+                                  <p:stCondLst>
+                                    <p:cond delay="0"/>
+                                  </p:stCondLst>
+                                  <p:childTnLst>
+                                    <p:set>
+                                      <p:cBhvr>
+                                        <p:cTn id="18" dur="1" fill="hold">
+                                          <p:stCondLst>
+                                            <p:cond delay="0"/>
+                                          </p:stCondLst>
+                                        </p:cTn>
+                                        <p:tgtEl>
+                                          <p:spTgt spid="5"/>
+                                        </p:tgtEl>
+                                        <p:attrNameLst>
+                                          <p:attrName>style.visibility</p:attrName>
+                                        </p:attrNameLst>
+                                      </p:cBhvr>
+                                      <p:to>
+                                        <p:strVal val="hidden"/>
+                                      </p:to>
+                                    </p:set>
+                                  </p:childTnLst>
+                                </p:cTn>
+                              </p:par>
+                            </p:childTnLst>
+                          </p:cTn>
+                        </p:par>
+                      </p:childTnLst>
+                    </p:cTn>
+                  </p:par>
+                  <p:par>
+                    <p:cTn id="19" fill="hold">
+                      <p:stCondLst>
+                        <p:cond delay="indefinite"/>
+                      </p:stCondLst>
+                      <p:childTnLst>
+                        <p:par>
+                          <p:cTn id="20" fill="hold">
+                            <p:stCondLst>
+                              <p:cond delay="0"/>
+                            </p:stCondLst>
+                            <p:childTnLst>
+                              <p:par>
+                                <p:cTn id="21" presetID="1" presetClass="entr" presetSubtype="0" fill="hold" grpId="0" nodeType="clickEffect">
+                                  <p:stCondLst>
+                                    <p:cond delay="0"/>
+                                  </p:stCondLst>
+                                  <p:childTnLst>
+                                    <p:set>
+                                      <p:cBhvr>
+                                        <p:cTn id="22" dur="1" fill="hold">
+                                          <p:stCondLst>
+                                            <p:cond delay="0"/>
+                                          </p:stCondLst>
+                                        </p:cTn>
+                                        <p:tgtEl>
+                                          <p:spTgt spid="6"/>
+                                        </p:tgtEl>
+                                        <p:attrNameLst>
+                                          <p:attrName>style.visibility</p:attrName>
+                                        </p:attrNameLst>
+                                      </p:cBhvr>
+                                      <p:to>
+                                        <p:strVal val="visible"/>
+                                      </p:to>
+                                    </p:set>
+                                  </p:childTnLst>
+                                </p:cTn>
+                              </p:par>
+                            </p:childTnLst>
+                          </p:cTn>
+                        </p:par>
+                      </p:childTnLst>
+                    </p:cTn>
+                  </p:par>
+                  <p:par>
+                    <p:cTn id="23" fill="hold">
+                      <p:stCondLst>
+                        <p:cond delay="indefinite"/>
+                      </p:stCondLst>
+                      <p:childTnLst>
+                        <p:par>
+                          <p:cTn id="24" fill="hold">
+                            <p:stCondLst>
+                              <p:cond delay="0"/>
+                            </p:stCondLst>
+                            <p:childTnLst>
+                              <p:par>
+                                <p:cTn id="25" presetID="1" presetClass="exit" presetSubtype="0" fill="hold" grpId="1" nodeType="clickEffect">
+                                  <p:stCondLst>
+                                    <p:cond delay="0"/>
+                                  </p:stCondLst>
+                                  <p:childTnLst>
+                                    <p:set>
+                                      <p:cBhvr>
+                                        <p:cTn id="26" dur="1" fill="hold">
+                                          <p:stCondLst>
+                                            <p:cond delay="0"/>
+                                          </p:stCondLst>
+                                        </p:cTn>
+                                        <p:tgtEl>
+                                          <p:spTgt spid="6"/>
+                                        </p:tgtEl>
+                                        <p:attrNameLst>
+                                          <p:attrName>style.visibility</p:attrName>
+                                        </p:attrNameLst>
+                                      </p:cBhvr>
+                                      <p:to>
+                                        <p:strVal val="hidden"/>
+                                      </p:to>
+                                    </p:set>
+                                  </p:childTnLst>
+                                </p:cTn>
+                              </p:par>
+                            </p:childTnLst>
+                          </p:cTn>
+                        </p:par>
+                      </p:childTnLst>
+                    </p:cTn>
+                  </p:par>
+                </p:childTnLst>
+              </p:cTn>
+              <p:prevCondLst>
+                <p:cond evt="onPrev" delay="0">
+                  <p:tgtEl>
+                    <p:sldTgt/>
+                  </p:tgtEl>
+                </p:cond>
+              </p:prevCondLst>
+              <p:nextCondLst>
+                <p:cond evt="onNext" delay="0">
+                  <p:tgtEl>
+                    <p:sldTgt/>
+                  </p:tgtEl>
+                </p:cond>
+              </p:nextCondLst>
+            </p:seq>
+          </p:childTnLst>
+        </p:cTn>
       </p:par>
     </p:tnLst>
+    <p:bldLst>
+      <p:bldP spid="4" grpId="0" animBg="1"/>
+      <p:bldP spid="4" grpId="1" animBg="1"/>
+      <p:bldP spid="5" grpId="0" animBg="1"/>
+      <p:bldP spid="5" grpId="1" animBg="1"/>
+      <p:bldP spid="6" grpId="0" animBg="1"/>
+      <p:bldP spid="6" grpId="1" animBg="1"/>
+    </p:bldLst>
   </p:timing>
 </p:sld>
 </file>
 
-<file path=ppt/slides/slide4.xml><?xml version="1.0" encoding="utf-8"?>
+<file path=ppt/slides/slide6.xml><?xml version="1.0" encoding="utf-8"?>
 <p:sld xmlns:a="http://schemas.openxmlformats.org/drawingml/2006/main" xmlns:r="http://schemas.openxmlformats.org/officeDocument/2006/relationships" xmlns:p="http://schemas.openxmlformats.org/presentationml/2006/main">
   <p:cSld>
     <p:spTree>
@@ -4763,177 +6458,6 @@
       </p:grpSpPr>
       <p:sp>
         <p:nvSpPr>
-          <p:cNvPr id="2" name="Titel 1"/>
-          <p:cNvSpPr>
-            <a:spLocks noGrp="1"/>
-          </p:cNvSpPr>
-          <p:nvPr>
-            <p:ph type="title"/>
-          </p:nvPr>
-        </p:nvSpPr>
-        <p:spPr/>
-        <p:txBody>
-          <a:bodyPr/>
-          <a:lstStyle/>
-          <a:p>
-            <a:r>
-              <a:rPr lang="de-CH" dirty="0" smtClean="0"/>
-              <a:t>Domain Model</a:t>
-            </a:r>
-            <a:endParaRPr lang="de-CH" dirty="0"/>
-          </a:p>
-        </p:txBody>
-      </p:sp>
-      <p:sp>
-        <p:nvSpPr>
-          <p:cNvPr id="3" name="Inhaltsplatzhalter 2"/>
-          <p:cNvSpPr>
-            <a:spLocks noGrp="1"/>
-          </p:cNvSpPr>
-          <p:nvPr>
-            <p:ph idx="1"/>
-          </p:nvPr>
-        </p:nvSpPr>
-        <p:spPr/>
-        <p:txBody>
-          <a:bodyPr>
-            <a:normAutofit lnSpcReduction="10000"/>
-          </a:bodyPr>
-          <a:lstStyle/>
-          <a:p>
-            <a:r>
-              <a:rPr lang="de-CH" dirty="0" err="1" smtClean="0"/>
-              <a:t>Calendar</a:t>
-            </a:r>
-            <a:r>
-              <a:rPr lang="de-CH" dirty="0" smtClean="0"/>
-              <a:t> enthält sämtliche </a:t>
-            </a:r>
-            <a:r>
-              <a:rPr lang="de-CH" dirty="0" err="1" smtClean="0"/>
-              <a:t>Calendar</a:t>
-            </a:r>
-            <a:r>
-              <a:rPr lang="de-CH" dirty="0" smtClean="0"/>
-              <a:t> </a:t>
-            </a:r>
-            <a:r>
-              <a:rPr lang="de-CH" dirty="0" err="1" smtClean="0"/>
-              <a:t>Entries</a:t>
-            </a:r>
-            <a:endParaRPr lang="de-CH" dirty="0" smtClean="0"/>
-          </a:p>
-          <a:p>
-            <a:r>
-              <a:rPr lang="de-CH" dirty="0" smtClean="0"/>
-              <a:t>Jedem Entry ist eine </a:t>
-            </a:r>
-            <a:r>
-              <a:rPr lang="de-CH" dirty="0" err="1" smtClean="0"/>
-              <a:t>Activity</a:t>
-            </a:r>
-            <a:r>
-              <a:rPr lang="de-CH" dirty="0"/>
-              <a:t>,</a:t>
-            </a:r>
-            <a:r>
-              <a:rPr lang="de-CH" dirty="0" smtClean="0"/>
-              <a:t> ein </a:t>
-            </a:r>
-            <a:r>
-              <a:rPr lang="de-CH" dirty="0" err="1" smtClean="0"/>
-              <a:t>Appointment</a:t>
-            </a:r>
-            <a:r>
-              <a:rPr lang="de-CH" dirty="0" smtClean="0"/>
-              <a:t> oder eine </a:t>
-            </a:r>
-            <a:r>
-              <a:rPr lang="de-CH" dirty="0" err="1" smtClean="0"/>
-              <a:t>Medication</a:t>
-            </a:r>
-            <a:r>
-              <a:rPr lang="de-CH" dirty="0" smtClean="0"/>
-              <a:t> zugewiesen</a:t>
-            </a:r>
-          </a:p>
-          <a:p>
-            <a:r>
-              <a:rPr lang="de-CH" dirty="0" smtClean="0"/>
-              <a:t>Bei </a:t>
-            </a:r>
-            <a:r>
-              <a:rPr lang="de-CH" dirty="0" err="1" smtClean="0"/>
-              <a:t>Appointments</a:t>
-            </a:r>
-            <a:r>
-              <a:rPr lang="de-CH" dirty="0" smtClean="0"/>
-              <a:t> kann der Arzt kontaktiert werden</a:t>
-            </a:r>
-          </a:p>
-          <a:p>
-            <a:r>
-              <a:rPr lang="de-CH" dirty="0" err="1" smtClean="0"/>
-              <a:t>Activities</a:t>
-            </a:r>
-            <a:r>
-              <a:rPr lang="de-CH" dirty="0" smtClean="0"/>
-              <a:t> sind mit </a:t>
-            </a:r>
-            <a:r>
-              <a:rPr lang="de-CH" dirty="0" err="1" smtClean="0"/>
-              <a:t>LifeUp</a:t>
-            </a:r>
-            <a:r>
-              <a:rPr lang="de-CH" dirty="0" smtClean="0"/>
-              <a:t> verbunden und werden dort angezeigt</a:t>
-            </a:r>
-          </a:p>
-          <a:p>
-            <a:r>
-              <a:rPr lang="de-CH" dirty="0" err="1" smtClean="0"/>
-              <a:t>KlinikConnector</a:t>
-            </a:r>
-            <a:r>
-              <a:rPr lang="de-CH" dirty="0" smtClean="0"/>
-              <a:t> ist zuständig für die Notfallnummern</a:t>
-            </a:r>
-            <a:endParaRPr lang="de-CH" dirty="0"/>
-          </a:p>
-        </p:txBody>
-      </p:sp>
-    </p:spTree>
-    <p:extLst>
-      <p:ext uri="{BB962C8B-B14F-4D97-AF65-F5344CB8AC3E}">
-        <p14:creationId xmlns:p14="http://schemas.microsoft.com/office/powerpoint/2010/main" val="2806369572"/>
-      </p:ext>
-    </p:extLst>
-  </p:cSld>
-  <p:clrMapOvr>
-    <a:masterClrMapping/>
-  </p:clrMapOvr>
-</p:sld>
-</file>
-
-<file path=ppt/slides/slide5.xml><?xml version="1.0" encoding="utf-8"?>
-<p:sld xmlns:a="http://schemas.openxmlformats.org/drawingml/2006/main" xmlns:r="http://schemas.openxmlformats.org/officeDocument/2006/relationships" xmlns:p="http://schemas.openxmlformats.org/presentationml/2006/main">
-  <p:cSld>
-    <p:spTree>
-      <p:nvGrpSpPr>
-        <p:cNvPr id="1" name=""/>
-        <p:cNvGrpSpPr/>
-        <p:nvPr/>
-      </p:nvGrpSpPr>
-      <p:grpSpPr>
-        <a:xfrm>
-          <a:off x="0" y="0"/>
-          <a:ext cx="0" cy="0"/>
-          <a:chOff x="0" y="0"/>
-          <a:chExt cx="0" cy="0"/>
-        </a:xfrm>
-      </p:grpSpPr>
-      <p:sp>
-        <p:nvSpPr>
           <p:cNvPr id="2" name="Title 1"/>
           <p:cNvSpPr>
             <a:spLocks noGrp="1"/>
@@ -4964,7 +6488,7 @@
           <p:nvPr/>
         </p:nvPicPr>
         <p:blipFill>
-          <a:blip r:embed="rId2">
+          <a:blip r:embed="rId3">
             <a:extLst>
               <a:ext uri="{28A0092B-C50C-407E-A947-70E740481C1C}">
                 <a14:useLocalDpi xmlns:a14="http://schemas.microsoft.com/office/drawing/2010/main" val="0"/>
@@ -5135,7 +6659,7 @@
 </p:sld>
 </file>
 
-<file path=ppt/slides/slide6.xml><?xml version="1.0" encoding="utf-8"?>
+<file path=ppt/slides/slide7.xml><?xml version="1.0" encoding="utf-8"?>
 <p:sld xmlns:a="http://schemas.openxmlformats.org/drawingml/2006/main" xmlns:r="http://schemas.openxmlformats.org/officeDocument/2006/relationships" xmlns:p="http://schemas.openxmlformats.org/presentationml/2006/main">
   <p:cSld>
     <p:spTree>
@@ -5251,8 +6775,8 @@
 </p:sld>
 </file>
 
-<file path=ppt/slides/slide7.xml><?xml version="1.0" encoding="utf-8"?>
-<p:sld xmlns:a="http://schemas.openxmlformats.org/drawingml/2006/main" xmlns:r="http://schemas.openxmlformats.org/officeDocument/2006/relationships" xmlns:p="http://schemas.openxmlformats.org/presentationml/2006/main">
+<file path=ppt/slides/slide8.xml><?xml version="1.0" encoding="utf-8"?>
+<p:sld xmlns:a="http://schemas.openxmlformats.org/drawingml/2006/main" xmlns:r="http://schemas.openxmlformats.org/officeDocument/2006/relationships" xmlns:p="http://schemas.openxmlformats.org/presentationml/2006/main" show="0">
   <p:cSld>
     <p:spTree>
       <p:nvGrpSpPr>
@@ -5390,10 +6914,25 @@
   <p:clrMapOvr>
     <a:masterClrMapping/>
   </p:clrMapOvr>
+  <mc:AlternateContent xmlns:mc="http://schemas.openxmlformats.org/markup-compatibility/2006">
+    <mc:Choice xmlns:p14="http://schemas.microsoft.com/office/powerpoint/2010/main" Requires="p14">
+      <p:transition spd="slow" p14:dur="2000"/>
+    </mc:Choice>
+    <mc:Fallback>
+      <p:transition spd="slow"/>
+    </mc:Fallback>
+  </mc:AlternateContent>
+  <p:timing>
+    <p:tnLst>
+      <p:par>
+        <p:cTn id="1" dur="indefinite" restart="never" nodeType="tmRoot"/>
+      </p:par>
+    </p:tnLst>
+  </p:timing>
 </p:sld>
 </file>
 
-<file path=ppt/slides/slide8.xml><?xml version="1.0" encoding="utf-8"?>
+<file path=ppt/slides/slide9.xml><?xml version="1.0" encoding="utf-8"?>
 <p:sld xmlns:a="http://schemas.openxmlformats.org/drawingml/2006/main" xmlns:r="http://schemas.openxmlformats.org/officeDocument/2006/relationships" xmlns:p="http://schemas.openxmlformats.org/presentationml/2006/main">
   <p:cSld>
     <p:spTree>
@@ -5656,122 +7195,6 @@
     <p:bldLst>
       <p:bldP spid="7" grpId="0" animBg="1"/>
     </p:bldLst>
-  </p:timing>
-</p:sld>
-</file>
-
-<file path=ppt/slides/slide9.xml><?xml version="1.0" encoding="utf-8"?>
-<p:sld xmlns:a="http://schemas.openxmlformats.org/drawingml/2006/main" xmlns:r="http://schemas.openxmlformats.org/officeDocument/2006/relationships" xmlns:p="http://schemas.openxmlformats.org/presentationml/2006/main">
-  <p:cSld>
-    <p:spTree>
-      <p:nvGrpSpPr>
-        <p:cNvPr id="1" name=""/>
-        <p:cNvGrpSpPr/>
-        <p:nvPr/>
-      </p:nvGrpSpPr>
-      <p:grpSpPr>
-        <a:xfrm>
-          <a:off x="0" y="0"/>
-          <a:ext cx="0" cy="0"/>
-          <a:chOff x="0" y="0"/>
-          <a:chExt cx="0" cy="0"/>
-        </a:xfrm>
-      </p:grpSpPr>
-      <p:sp>
-        <p:nvSpPr>
-          <p:cNvPr id="2" name="Titel 1"/>
-          <p:cNvSpPr>
-            <a:spLocks noGrp="1"/>
-          </p:cNvSpPr>
-          <p:nvPr>
-            <p:ph type="title"/>
-          </p:nvPr>
-        </p:nvSpPr>
-        <p:spPr/>
-        <p:txBody>
-          <a:bodyPr/>
-          <a:lstStyle/>
-          <a:p>
-            <a:endParaRPr lang="de-CH"/>
-          </a:p>
-        </p:txBody>
-      </p:sp>
-      <p:sp>
-        <p:nvSpPr>
-          <p:cNvPr id="3" name="Inhaltsplatzhalter 2"/>
-          <p:cNvSpPr>
-            <a:spLocks noGrp="1"/>
-          </p:cNvSpPr>
-          <p:nvPr>
-            <p:ph idx="1"/>
-          </p:nvPr>
-        </p:nvSpPr>
-        <p:spPr/>
-        <p:txBody>
-          <a:bodyPr/>
-          <a:lstStyle/>
-          <a:p>
-            <a:endParaRPr lang="de-CH"/>
-          </a:p>
-        </p:txBody>
-      </p:sp>
-      <p:pic>
-        <p:nvPicPr>
-          <p:cNvPr id="3074" name="Picture 2" descr="C:\Users\James\Desktop\lifeUpActivtiy.png"/>
-          <p:cNvPicPr>
-            <a:picLocks noChangeAspect="1" noChangeArrowheads="1"/>
-          </p:cNvPicPr>
-          <p:nvPr/>
-        </p:nvPicPr>
-        <p:blipFill>
-          <a:blip r:embed="rId2">
-            <a:extLst>
-              <a:ext uri="{28A0092B-C50C-407E-A947-70E740481C1C}">
-                <a14:useLocalDpi xmlns:a14="http://schemas.microsoft.com/office/drawing/2010/main" val="0"/>
-              </a:ext>
-            </a:extLst>
-          </a:blip>
-          <a:srcRect/>
-          <a:stretch>
-            <a:fillRect/>
-          </a:stretch>
-        </p:blipFill>
-        <p:spPr bwMode="auto">
-          <a:xfrm>
-            <a:off x="1093694" y="0"/>
-            <a:ext cx="6643370" cy="6858002"/>
-          </a:xfrm>
-          <a:prstGeom prst="rect">
-            <a:avLst/>
-          </a:prstGeom>
-          <a:noFill/>
-          <a:extLst>
-            <a:ext uri="{909E8E84-426E-40DD-AFC4-6F175D3DCCD1}">
-              <a14:hiddenFill xmlns:a14="http://schemas.microsoft.com/office/drawing/2010/main">
-                <a:solidFill>
-                  <a:srgbClr val="FFFFFF"/>
-                </a:solidFill>
-              </a14:hiddenFill>
-            </a:ext>
-          </a:extLst>
-        </p:spPr>
-      </p:pic>
-    </p:spTree>
-    <p:extLst>
-      <p:ext uri="{BB962C8B-B14F-4D97-AF65-F5344CB8AC3E}">
-        <p14:creationId xmlns:p14="http://schemas.microsoft.com/office/powerpoint/2010/main" val="2678445934"/>
-      </p:ext>
-    </p:extLst>
-  </p:cSld>
-  <p:clrMapOvr>
-    <a:masterClrMapping/>
-  </p:clrMapOvr>
-  <p:timing>
-    <p:tnLst>
-      <p:par>
-        <p:cTn id="1" dur="indefinite" restart="never" nodeType="tmRoot"/>
-      </p:par>
-    </p:tnLst>
   </p:timing>
 </p:sld>
 </file>

--- a/doc/task07/design.pptx
+++ b/doc/task07/design.pptx
@@ -5,24 +5,22 @@
     <p:sldMasterId id="2147483648" r:id="rId1"/>
   </p:sldMasterIdLst>
   <p:notesMasterIdLst>
-    <p:notesMasterId r:id="rId17"/>
+    <p:notesMasterId r:id="rId15"/>
   </p:notesMasterIdLst>
   <p:sldIdLst>
     <p:sldId id="256" r:id="rId2"/>
     <p:sldId id="270" r:id="rId3"/>
     <p:sldId id="291" r:id="rId4"/>
-    <p:sldId id="288" r:id="rId5"/>
-    <p:sldId id="283" r:id="rId6"/>
-    <p:sldId id="272" r:id="rId7"/>
-    <p:sldId id="281" r:id="rId8"/>
-    <p:sldId id="289" r:id="rId9"/>
-    <p:sldId id="282" r:id="rId10"/>
-    <p:sldId id="284" r:id="rId11"/>
-    <p:sldId id="290" r:id="rId12"/>
-    <p:sldId id="285" r:id="rId13"/>
-    <p:sldId id="286" r:id="rId14"/>
-    <p:sldId id="287" r:id="rId15"/>
-    <p:sldId id="280" r:id="rId16"/>
+    <p:sldId id="283" r:id="rId5"/>
+    <p:sldId id="272" r:id="rId6"/>
+    <p:sldId id="281" r:id="rId7"/>
+    <p:sldId id="289" r:id="rId8"/>
+    <p:sldId id="282" r:id="rId9"/>
+    <p:sldId id="284" r:id="rId10"/>
+    <p:sldId id="285" r:id="rId11"/>
+    <p:sldId id="286" r:id="rId12"/>
+    <p:sldId id="287" r:id="rId13"/>
+    <p:sldId id="280" r:id="rId14"/>
   </p:sldIdLst>
   <p:sldSz cx="9144000" cy="6858000" type="screen4x3"/>
   <p:notesSz cx="6858000" cy="9144000"/>
@@ -874,7 +872,7 @@
           <a:p>
             <a:fld id="{9A061F0F-BF1A-47A6-BC67-894693F926E4}" type="slidenum">
               <a:rPr lang="de-CH" smtClean="0"/>
-              <a:t>5</a:t>
+              <a:t>4</a:t>
             </a:fld>
             <a:endParaRPr lang="de-CH"/>
           </a:p>
@@ -937,6 +935,85 @@
           <a:bodyPr/>
           <a:lstStyle/>
           <a:p>
+            <a:r>
+              <a:rPr lang="en-US" dirty="0" smtClean="0"/>
+              <a:t>Slider</a:t>
+            </a:r>
+            <a:r>
+              <a:rPr lang="en-US" baseline="0" dirty="0" smtClean="0"/>
+              <a:t> </a:t>
+            </a:r>
+            <a:r>
+              <a:rPr lang="en-US" baseline="0" dirty="0" err="1" smtClean="0"/>
+              <a:t>mit</a:t>
+            </a:r>
+            <a:r>
+              <a:rPr lang="en-US" baseline="0" dirty="0" smtClean="0"/>
+              <a:t> </a:t>
+            </a:r>
+            <a:r>
+              <a:rPr lang="en-US" baseline="0" dirty="0" err="1" smtClean="0"/>
+              <a:t>allen</a:t>
+            </a:r>
+            <a:r>
+              <a:rPr lang="en-US" baseline="0" dirty="0" smtClean="0"/>
+              <a:t> </a:t>
+            </a:r>
+            <a:r>
+              <a:rPr lang="en-US" baseline="0" dirty="0" err="1" smtClean="0"/>
+              <a:t>anstehenden</a:t>
+            </a:r>
+            <a:r>
+              <a:rPr lang="en-US" baseline="0" dirty="0" smtClean="0"/>
+              <a:t> </a:t>
+            </a:r>
+            <a:r>
+              <a:rPr lang="en-US" baseline="0" dirty="0" err="1" smtClean="0"/>
+              <a:t>Aktivitäten</a:t>
+            </a:r>
+            <a:endParaRPr lang="en-US" baseline="0" dirty="0" smtClean="0"/>
+          </a:p>
+          <a:p>
+            <a:r>
+              <a:rPr lang="en-US" baseline="0" dirty="0" err="1" smtClean="0"/>
+              <a:t>DailyEvents</a:t>
+            </a:r>
+            <a:r>
+              <a:rPr lang="en-US" baseline="0" dirty="0" smtClean="0"/>
+              <a:t> (</a:t>
+            </a:r>
+            <a:r>
+              <a:rPr lang="en-US" baseline="0" dirty="0" err="1" smtClean="0"/>
+              <a:t>sowohl</a:t>
+            </a:r>
+            <a:r>
+              <a:rPr lang="en-US" baseline="0" dirty="0" smtClean="0"/>
+              <a:t> </a:t>
+            </a:r>
+            <a:r>
+              <a:rPr lang="en-US" baseline="0" dirty="0" err="1" smtClean="0"/>
+              <a:t>Medikation</a:t>
+            </a:r>
+            <a:r>
+              <a:rPr lang="en-US" baseline="0" dirty="0" smtClean="0"/>
+              <a:t>, </a:t>
+            </a:r>
+            <a:r>
+              <a:rPr lang="en-US" baseline="0" dirty="0" err="1" smtClean="0"/>
+              <a:t>LifeUp</a:t>
+            </a:r>
+            <a:r>
+              <a:rPr lang="en-US" baseline="0" dirty="0" smtClean="0"/>
+              <a:t>, </a:t>
+            </a:r>
+            <a:r>
+              <a:rPr lang="en-US" baseline="0" dirty="0" err="1" smtClean="0"/>
+              <a:t>Termine</a:t>
+            </a:r>
+            <a:r>
+              <a:rPr lang="en-US" baseline="0" dirty="0" smtClean="0"/>
+              <a:t>)</a:t>
+            </a:r>
             <a:endParaRPr lang="de-CH" dirty="0"/>
           </a:p>
         </p:txBody>
@@ -958,7 +1035,7 @@
           <a:p>
             <a:fld id="{9A061F0F-BF1A-47A6-BC67-894693F926E4}" type="slidenum">
               <a:rPr lang="de-CH" smtClean="0"/>
-              <a:t>6</a:t>
+              <a:t>5</a:t>
             </a:fld>
             <a:endParaRPr lang="de-CH"/>
           </a:p>
@@ -1022,6 +1099,388 @@
           <a:lstStyle/>
           <a:p>
             <a:r>
+              <a:rPr lang="en-US" dirty="0" err="1" smtClean="0"/>
+              <a:t>Oberer</a:t>
+            </a:r>
+            <a:r>
+              <a:rPr lang="en-US" baseline="0" dirty="0" smtClean="0"/>
+              <a:t> </a:t>
+            </a:r>
+            <a:r>
+              <a:rPr lang="en-US" baseline="0" dirty="0" err="1" smtClean="0"/>
+              <a:t>bereich</a:t>
+            </a:r>
+            <a:r>
+              <a:rPr lang="en-US" baseline="0" dirty="0" smtClean="0"/>
+              <a:t> </a:t>
+            </a:r>
+            <a:r>
+              <a:rPr lang="en-US" baseline="0" dirty="0" err="1" smtClean="0"/>
+              <a:t>sieht</a:t>
+            </a:r>
+            <a:r>
+              <a:rPr lang="en-US" baseline="0" dirty="0" smtClean="0"/>
+              <a:t> </a:t>
+            </a:r>
+            <a:r>
+              <a:rPr lang="en-US" baseline="0" dirty="0" err="1" smtClean="0"/>
+              <a:t>kompliziert</a:t>
+            </a:r>
+            <a:r>
+              <a:rPr lang="en-US" baseline="0" dirty="0" smtClean="0"/>
+              <a:t> </a:t>
+            </a:r>
+            <a:r>
+              <a:rPr lang="en-US" baseline="0" dirty="0" err="1" smtClean="0"/>
+              <a:t>aus</a:t>
+            </a:r>
+            <a:r>
+              <a:rPr lang="en-US" baseline="0" dirty="0" smtClean="0"/>
+              <a:t>… </a:t>
+            </a:r>
+          </a:p>
+          <a:p>
+            <a:r>
+              <a:rPr lang="en-US" baseline="0" dirty="0" err="1" smtClean="0"/>
+              <a:t>Lässt</a:t>
+            </a:r>
+            <a:r>
+              <a:rPr lang="en-US" baseline="0" dirty="0" smtClean="0"/>
+              <a:t> </a:t>
+            </a:r>
+            <a:r>
+              <a:rPr lang="en-US" baseline="0" dirty="0" err="1" smtClean="0"/>
+              <a:t>mittels</a:t>
+            </a:r>
+            <a:r>
+              <a:rPr lang="en-US" baseline="0" dirty="0" smtClean="0"/>
+              <a:t> </a:t>
+            </a:r>
+            <a:r>
+              <a:rPr lang="en-US" baseline="0" dirty="0" err="1" smtClean="0"/>
+              <a:t>Polymorphismus</a:t>
+            </a:r>
+            <a:r>
+              <a:rPr lang="en-US" baseline="0" dirty="0" smtClean="0"/>
+              <a:t> </a:t>
+            </a:r>
+            <a:r>
+              <a:rPr lang="en-US" baseline="0" dirty="0" err="1" smtClean="0"/>
+              <a:t>einfach</a:t>
+            </a:r>
+            <a:r>
+              <a:rPr lang="en-US" baseline="0" dirty="0" smtClean="0"/>
+              <a:t> </a:t>
+            </a:r>
+            <a:r>
+              <a:rPr lang="en-US" baseline="0" dirty="0" err="1" smtClean="0"/>
+              <a:t>realisen</a:t>
+            </a:r>
+            <a:r>
+              <a:rPr lang="en-US" baseline="0" dirty="0" smtClean="0"/>
+              <a:t> UND </a:t>
+            </a:r>
+            <a:r>
+              <a:rPr lang="en-US" baseline="0" dirty="0" err="1" smtClean="0"/>
+              <a:t>erweitern</a:t>
+            </a:r>
+            <a:endParaRPr lang="de-CH" dirty="0"/>
+          </a:p>
+        </p:txBody>
+      </p:sp>
+      <p:sp>
+        <p:nvSpPr>
+          <p:cNvPr id="4" name="Foliennummernplatzhalter 3"/>
+          <p:cNvSpPr>
+            <a:spLocks noGrp="1"/>
+          </p:cNvSpPr>
+          <p:nvPr>
+            <p:ph type="sldNum" sz="quarter" idx="10"/>
+          </p:nvPr>
+        </p:nvSpPr>
+        <p:spPr/>
+        <p:txBody>
+          <a:bodyPr/>
+          <a:lstStyle/>
+          <a:p>
+            <a:fld id="{9A061F0F-BF1A-47A6-BC67-894693F926E4}" type="slidenum">
+              <a:rPr lang="de-CH" smtClean="0"/>
+              <a:t>6</a:t>
+            </a:fld>
+            <a:endParaRPr lang="de-CH"/>
+          </a:p>
+        </p:txBody>
+      </p:sp>
+    </p:spTree>
+    <p:extLst>
+      <p:ext uri="{BB962C8B-B14F-4D97-AF65-F5344CB8AC3E}">
+        <p14:creationId xmlns:p14="http://schemas.microsoft.com/office/powerpoint/2010/main" val="1423180147"/>
+      </p:ext>
+    </p:extLst>
+  </p:cSld>
+  <p:clrMapOvr>
+    <a:masterClrMapping/>
+  </p:clrMapOvr>
+</p:notes>
+</file>
+
+<file path=ppt/notesSlides/notesSlide5.xml><?xml version="1.0" encoding="utf-8"?>
+<p:notes xmlns:a="http://schemas.openxmlformats.org/drawingml/2006/main" xmlns:r="http://schemas.openxmlformats.org/officeDocument/2006/relationships" xmlns:p="http://schemas.openxmlformats.org/presentationml/2006/main">
+  <p:cSld>
+    <p:spTree>
+      <p:nvGrpSpPr>
+        <p:cNvPr id="1" name=""/>
+        <p:cNvGrpSpPr/>
+        <p:nvPr/>
+      </p:nvGrpSpPr>
+      <p:grpSpPr>
+        <a:xfrm>
+          <a:off x="0" y="0"/>
+          <a:ext cx="0" cy="0"/>
+          <a:chOff x="0" y="0"/>
+          <a:chExt cx="0" cy="0"/>
+        </a:xfrm>
+      </p:grpSpPr>
+      <p:sp>
+        <p:nvSpPr>
+          <p:cNvPr id="2" name="Folienbildplatzhalter 1"/>
+          <p:cNvSpPr>
+            <a:spLocks noGrp="1" noRot="1" noChangeAspect="1"/>
+          </p:cNvSpPr>
+          <p:nvPr>
+            <p:ph type="sldImg"/>
+          </p:nvPr>
+        </p:nvSpPr>
+        <p:spPr/>
+      </p:sp>
+      <p:sp>
+        <p:nvSpPr>
+          <p:cNvPr id="3" name="Notizenplatzhalter 2"/>
+          <p:cNvSpPr>
+            <a:spLocks noGrp="1"/>
+          </p:cNvSpPr>
+          <p:nvPr>
+            <p:ph type="body" idx="1"/>
+          </p:nvPr>
+        </p:nvSpPr>
+        <p:spPr/>
+        <p:txBody>
+          <a:bodyPr/>
+          <a:lstStyle/>
+          <a:p>
+            <a:r>
+              <a:rPr lang="en-US" dirty="0" smtClean="0"/>
+              <a:t>Patient</a:t>
+            </a:r>
+            <a:r>
+              <a:rPr lang="en-US" baseline="0" dirty="0" smtClean="0"/>
+              <a:t> </a:t>
+            </a:r>
+            <a:r>
+              <a:rPr lang="en-US" baseline="0" dirty="0" err="1" smtClean="0"/>
+              <a:t>läuft</a:t>
+            </a:r>
+            <a:r>
+              <a:rPr lang="en-US" baseline="0" dirty="0" smtClean="0"/>
+              <a:t> </a:t>
+            </a:r>
+            <a:r>
+              <a:rPr lang="en-US" baseline="0" dirty="0" err="1" smtClean="0"/>
+              <a:t>zum</a:t>
+            </a:r>
+            <a:r>
+              <a:rPr lang="en-US" baseline="0" dirty="0" smtClean="0"/>
+              <a:t> </a:t>
+            </a:r>
+            <a:r>
+              <a:rPr lang="en-US" baseline="0" dirty="0" err="1" smtClean="0"/>
+              <a:t>Briefkasten</a:t>
+            </a:r>
+            <a:r>
+              <a:rPr lang="en-US" baseline="0" dirty="0" smtClean="0"/>
+              <a:t> und </a:t>
+            </a:r>
+            <a:r>
+              <a:rPr lang="en-US" baseline="0" dirty="0" err="1" smtClean="0"/>
+              <a:t>Fotografiert</a:t>
+            </a:r>
+            <a:r>
+              <a:rPr lang="en-US" baseline="0" dirty="0" smtClean="0"/>
+              <a:t> das </a:t>
+            </a:r>
+            <a:r>
+              <a:rPr lang="en-US" baseline="0" dirty="0" err="1" smtClean="0"/>
+              <a:t>Objekt</a:t>
+            </a:r>
+            <a:endParaRPr lang="de-CH" dirty="0"/>
+          </a:p>
+        </p:txBody>
+      </p:sp>
+      <p:sp>
+        <p:nvSpPr>
+          <p:cNvPr id="4" name="Foliennummernplatzhalter 3"/>
+          <p:cNvSpPr>
+            <a:spLocks noGrp="1"/>
+          </p:cNvSpPr>
+          <p:nvPr>
+            <p:ph type="sldNum" sz="quarter" idx="10"/>
+          </p:nvPr>
+        </p:nvSpPr>
+        <p:spPr/>
+        <p:txBody>
+          <a:bodyPr/>
+          <a:lstStyle/>
+          <a:p>
+            <a:fld id="{9A061F0F-BF1A-47A6-BC67-894693F926E4}" type="slidenum">
+              <a:rPr lang="de-CH" smtClean="0"/>
+              <a:t>8</a:t>
+            </a:fld>
+            <a:endParaRPr lang="de-CH"/>
+          </a:p>
+        </p:txBody>
+      </p:sp>
+    </p:spTree>
+    <p:extLst>
+      <p:ext uri="{BB962C8B-B14F-4D97-AF65-F5344CB8AC3E}">
+        <p14:creationId xmlns:p14="http://schemas.microsoft.com/office/powerpoint/2010/main" val="1981889222"/>
+      </p:ext>
+    </p:extLst>
+  </p:cSld>
+  <p:clrMapOvr>
+    <a:masterClrMapping/>
+  </p:clrMapOvr>
+</p:notes>
+</file>
+
+<file path=ppt/notesSlides/notesSlide6.xml><?xml version="1.0" encoding="utf-8"?>
+<p:notes xmlns:a="http://schemas.openxmlformats.org/drawingml/2006/main" xmlns:r="http://schemas.openxmlformats.org/officeDocument/2006/relationships" xmlns:p="http://schemas.openxmlformats.org/presentationml/2006/main">
+  <p:cSld>
+    <p:spTree>
+      <p:nvGrpSpPr>
+        <p:cNvPr id="1" name=""/>
+        <p:cNvGrpSpPr/>
+        <p:nvPr/>
+      </p:nvGrpSpPr>
+      <p:grpSpPr>
+        <a:xfrm>
+          <a:off x="0" y="0"/>
+          <a:ext cx="0" cy="0"/>
+          <a:chOff x="0" y="0"/>
+          <a:chExt cx="0" cy="0"/>
+        </a:xfrm>
+      </p:grpSpPr>
+      <p:sp>
+        <p:nvSpPr>
+          <p:cNvPr id="2" name="Folienbildplatzhalter 1"/>
+          <p:cNvSpPr>
+            <a:spLocks noGrp="1" noRot="1" noChangeAspect="1"/>
+          </p:cNvSpPr>
+          <p:nvPr>
+            <p:ph type="sldImg"/>
+          </p:nvPr>
+        </p:nvSpPr>
+        <p:spPr/>
+      </p:sp>
+      <p:sp>
+        <p:nvSpPr>
+          <p:cNvPr id="3" name="Notizenplatzhalter 2"/>
+          <p:cNvSpPr>
+            <a:spLocks noGrp="1"/>
+          </p:cNvSpPr>
+          <p:nvPr>
+            <p:ph type="body" idx="1"/>
+          </p:nvPr>
+        </p:nvSpPr>
+        <p:spPr/>
+        <p:txBody>
+          <a:bodyPr/>
+          <a:lstStyle/>
+          <a:p>
+            <a:endParaRPr lang="de-CH" dirty="0"/>
+          </a:p>
+        </p:txBody>
+      </p:sp>
+      <p:sp>
+        <p:nvSpPr>
+          <p:cNvPr id="4" name="Foliennummernplatzhalter 3"/>
+          <p:cNvSpPr>
+            <a:spLocks noGrp="1"/>
+          </p:cNvSpPr>
+          <p:nvPr>
+            <p:ph type="sldNum" sz="quarter" idx="10"/>
+          </p:nvPr>
+        </p:nvSpPr>
+        <p:spPr/>
+        <p:txBody>
+          <a:bodyPr/>
+          <a:lstStyle/>
+          <a:p>
+            <a:fld id="{9A061F0F-BF1A-47A6-BC67-894693F926E4}" type="slidenum">
+              <a:rPr lang="de-CH" smtClean="0"/>
+              <a:t>9</a:t>
+            </a:fld>
+            <a:endParaRPr lang="de-CH"/>
+          </a:p>
+        </p:txBody>
+      </p:sp>
+    </p:spTree>
+    <p:extLst>
+      <p:ext uri="{BB962C8B-B14F-4D97-AF65-F5344CB8AC3E}">
+        <p14:creationId xmlns:p14="http://schemas.microsoft.com/office/powerpoint/2010/main" val="578997271"/>
+      </p:ext>
+    </p:extLst>
+  </p:cSld>
+  <p:clrMapOvr>
+    <a:masterClrMapping/>
+  </p:clrMapOvr>
+</p:notes>
+</file>
+
+<file path=ppt/notesSlides/notesSlide7.xml><?xml version="1.0" encoding="utf-8"?>
+<p:notes xmlns:a="http://schemas.openxmlformats.org/drawingml/2006/main" xmlns:r="http://schemas.openxmlformats.org/officeDocument/2006/relationships" xmlns:p="http://schemas.openxmlformats.org/presentationml/2006/main">
+  <p:cSld>
+    <p:spTree>
+      <p:nvGrpSpPr>
+        <p:cNvPr id="1" name=""/>
+        <p:cNvGrpSpPr/>
+        <p:nvPr/>
+      </p:nvGrpSpPr>
+      <p:grpSpPr>
+        <a:xfrm>
+          <a:off x="0" y="0"/>
+          <a:ext cx="0" cy="0"/>
+          <a:chOff x="0" y="0"/>
+          <a:chExt cx="0" cy="0"/>
+        </a:xfrm>
+      </p:grpSpPr>
+      <p:sp>
+        <p:nvSpPr>
+          <p:cNvPr id="2" name="Folienbildplatzhalter 1"/>
+          <p:cNvSpPr>
+            <a:spLocks noGrp="1" noRot="1" noChangeAspect="1"/>
+          </p:cNvSpPr>
+          <p:nvPr>
+            <p:ph type="sldImg"/>
+          </p:nvPr>
+        </p:nvSpPr>
+        <p:spPr/>
+      </p:sp>
+      <p:sp>
+        <p:nvSpPr>
+          <p:cNvPr id="3" name="Notizenplatzhalter 2"/>
+          <p:cNvSpPr>
+            <a:spLocks noGrp="1"/>
+          </p:cNvSpPr>
+          <p:nvPr>
+            <p:ph type="body" idx="1"/>
+          </p:nvPr>
+        </p:nvSpPr>
+        <p:spPr/>
+        <p:txBody>
+          <a:bodyPr/>
+          <a:lstStyle/>
+          <a:p>
+            <a:r>
               <a:rPr lang="en-US" dirty="0" smtClean="0"/>
               <a:t>2 </a:t>
             </a:r>
@@ -1097,7 +1556,7 @@
           <a:p>
             <a:fld id="{9A061F0F-BF1A-47A6-BC67-894693F926E4}" type="slidenum">
               <a:rPr lang="de-CH" smtClean="0"/>
-              <a:t>12</a:t>
+              <a:t>10</a:t>
             </a:fld>
             <a:endParaRPr lang="de-CH"/>
           </a:p>
@@ -4537,319 +4996,6 @@
       </p:sp>
       <p:pic>
         <p:nvPicPr>
-          <p:cNvPr id="3074" name="Picture 2" descr="C:\Users\James\Desktop\lifeUpActivtiy.png"/>
-          <p:cNvPicPr>
-            <a:picLocks noChangeAspect="1" noChangeArrowheads="1"/>
-          </p:cNvPicPr>
-          <p:nvPr/>
-        </p:nvPicPr>
-        <p:blipFill>
-          <a:blip r:embed="rId2">
-            <a:extLst>
-              <a:ext uri="{28A0092B-C50C-407E-A947-70E740481C1C}">
-                <a14:useLocalDpi xmlns:a14="http://schemas.microsoft.com/office/drawing/2010/main" val="0"/>
-              </a:ext>
-            </a:extLst>
-          </a:blip>
-          <a:srcRect/>
-          <a:stretch>
-            <a:fillRect/>
-          </a:stretch>
-        </p:blipFill>
-        <p:spPr bwMode="auto">
-          <a:xfrm>
-            <a:off x="1093694" y="0"/>
-            <a:ext cx="6643370" cy="6858002"/>
-          </a:xfrm>
-          <a:prstGeom prst="rect">
-            <a:avLst/>
-          </a:prstGeom>
-          <a:noFill/>
-          <a:extLst>
-            <a:ext uri="{909E8E84-426E-40DD-AFC4-6F175D3DCCD1}">
-              <a14:hiddenFill xmlns:a14="http://schemas.microsoft.com/office/drawing/2010/main">
-                <a:solidFill>
-                  <a:srgbClr val="FFFFFF"/>
-                </a:solidFill>
-              </a14:hiddenFill>
-            </a:ext>
-          </a:extLst>
-        </p:spPr>
-      </p:pic>
-    </p:spTree>
-    <p:extLst>
-      <p:ext uri="{BB962C8B-B14F-4D97-AF65-F5344CB8AC3E}">
-        <p14:creationId xmlns:p14="http://schemas.microsoft.com/office/powerpoint/2010/main" val="2678445934"/>
-      </p:ext>
-    </p:extLst>
-  </p:cSld>
-  <p:clrMapOvr>
-    <a:masterClrMapping/>
-  </p:clrMapOvr>
-  <p:timing>
-    <p:tnLst>
-      <p:par>
-        <p:cTn id="1" dur="indefinite" restart="never" nodeType="tmRoot"/>
-      </p:par>
-    </p:tnLst>
-  </p:timing>
-</p:sld>
-</file>
-
-<file path=ppt/slides/slide11.xml><?xml version="1.0" encoding="utf-8"?>
-<p:sld xmlns:a="http://schemas.openxmlformats.org/drawingml/2006/main" xmlns:r="http://schemas.openxmlformats.org/officeDocument/2006/relationships" xmlns:p="http://schemas.openxmlformats.org/presentationml/2006/main">
-  <p:cSld>
-    <p:spTree>
-      <p:nvGrpSpPr>
-        <p:cNvPr id="1" name=""/>
-        <p:cNvGrpSpPr/>
-        <p:nvPr/>
-      </p:nvGrpSpPr>
-      <p:grpSpPr>
-        <a:xfrm>
-          <a:off x="0" y="0"/>
-          <a:ext cx="0" cy="0"/>
-          <a:chOff x="0" y="0"/>
-          <a:chExt cx="0" cy="0"/>
-        </a:xfrm>
-      </p:grpSpPr>
-      <p:sp>
-        <p:nvSpPr>
-          <p:cNvPr id="2" name="Titel 1"/>
-          <p:cNvSpPr>
-            <a:spLocks noGrp="1"/>
-          </p:cNvSpPr>
-          <p:nvPr>
-            <p:ph type="title"/>
-          </p:nvPr>
-        </p:nvSpPr>
-        <p:spPr/>
-        <p:txBody>
-          <a:bodyPr/>
-          <a:lstStyle/>
-          <a:p>
-            <a:endParaRPr lang="de-CH"/>
-          </a:p>
-        </p:txBody>
-      </p:sp>
-      <p:sp>
-        <p:nvSpPr>
-          <p:cNvPr id="3" name="Inhaltsplatzhalter 2"/>
-          <p:cNvSpPr>
-            <a:spLocks noGrp="1"/>
-          </p:cNvSpPr>
-          <p:nvPr>
-            <p:ph idx="1"/>
-          </p:nvPr>
-        </p:nvSpPr>
-        <p:spPr/>
-        <p:txBody>
-          <a:bodyPr/>
-          <a:lstStyle/>
-          <a:p>
-            <a:r>
-              <a:rPr lang="de-CH" dirty="0" smtClean="0"/>
-              <a:t>App will </a:t>
-            </a:r>
-            <a:r>
-              <a:rPr lang="de-CH" dirty="0" err="1" smtClean="0"/>
-              <a:t>Activity</a:t>
-            </a:r>
-            <a:r>
-              <a:rPr lang="de-CH" dirty="0" smtClean="0"/>
-              <a:t> von </a:t>
-            </a:r>
-            <a:r>
-              <a:rPr lang="de-CH" dirty="0" err="1" smtClean="0"/>
-              <a:t>LifeUp</a:t>
-            </a:r>
-            <a:r>
-              <a:rPr lang="de-CH" dirty="0" smtClean="0"/>
-              <a:t> prüfen</a:t>
-            </a:r>
-          </a:p>
-          <a:p>
-            <a:r>
-              <a:rPr lang="de-CH" dirty="0" smtClean="0"/>
-              <a:t>App Übergibt </a:t>
-            </a:r>
-            <a:r>
-              <a:rPr lang="de-CH" dirty="0" err="1" smtClean="0"/>
-              <a:t>LifeUp</a:t>
-            </a:r>
-            <a:r>
-              <a:rPr lang="de-CH" dirty="0" smtClean="0"/>
-              <a:t> ein Bild zum prüfen</a:t>
-            </a:r>
-          </a:p>
-          <a:p>
-            <a:r>
-              <a:rPr lang="de-CH" dirty="0" smtClean="0"/>
-              <a:t>Gibt </a:t>
-            </a:r>
-            <a:r>
-              <a:rPr lang="de-CH" dirty="0" err="1" smtClean="0"/>
-              <a:t>LifeUp</a:t>
-            </a:r>
-            <a:r>
-              <a:rPr lang="de-CH" dirty="0" smtClean="0"/>
-              <a:t> </a:t>
-            </a:r>
-            <a:r>
-              <a:rPr lang="de-CH" dirty="0" err="1" smtClean="0"/>
-              <a:t>Success</a:t>
-            </a:r>
-            <a:r>
-              <a:rPr lang="de-CH" dirty="0" smtClean="0"/>
-              <a:t> zurück, werden Punkte addiert</a:t>
-            </a:r>
-          </a:p>
-          <a:p>
-            <a:r>
-              <a:rPr lang="de-CH" dirty="0" err="1" smtClean="0"/>
-              <a:t>Lv</a:t>
-            </a:r>
-            <a:r>
-              <a:rPr lang="de-CH" dirty="0" smtClean="0"/>
-              <a:t> </a:t>
-            </a:r>
-            <a:r>
-              <a:rPr lang="de-CH" dirty="0" err="1" smtClean="0"/>
-              <a:t>up</a:t>
-            </a:r>
-            <a:r>
-              <a:rPr lang="de-CH" dirty="0" smtClean="0"/>
-              <a:t> wird geprüft</a:t>
-            </a:r>
-          </a:p>
-          <a:p>
-            <a:r>
-              <a:rPr lang="de-CH" dirty="0" smtClean="0"/>
-              <a:t>Wenn </a:t>
-            </a:r>
-            <a:r>
-              <a:rPr lang="de-CH" dirty="0" err="1" smtClean="0"/>
-              <a:t>Lv</a:t>
-            </a:r>
-            <a:r>
-              <a:rPr lang="de-CH" dirty="0" smtClean="0"/>
-              <a:t> </a:t>
-            </a:r>
-            <a:r>
-              <a:rPr lang="de-CH" dirty="0" err="1" smtClean="0"/>
-              <a:t>up</a:t>
-            </a:r>
-            <a:r>
-              <a:rPr lang="de-CH" dirty="0" smtClean="0"/>
-              <a:t> </a:t>
-            </a:r>
-            <a:r>
-              <a:rPr lang="de-CH" dirty="0" err="1" smtClean="0"/>
-              <a:t>zustane</a:t>
-            </a:r>
-            <a:r>
-              <a:rPr lang="de-CH" dirty="0" smtClean="0"/>
-              <a:t> kommt, wird dies der </a:t>
-            </a:r>
-            <a:r>
-              <a:rPr lang="de-CH" dirty="0" err="1" smtClean="0"/>
-              <a:t>Activity</a:t>
-            </a:r>
-            <a:r>
-              <a:rPr lang="de-CH" dirty="0" smtClean="0"/>
-              <a:t> gesendet</a:t>
-            </a:r>
-          </a:p>
-          <a:p>
-            <a:r>
-              <a:rPr lang="de-CH" dirty="0" err="1" smtClean="0"/>
-              <a:t>Activity</a:t>
-            </a:r>
-            <a:r>
-              <a:rPr lang="de-CH" dirty="0" smtClean="0"/>
-              <a:t> sendet Log an Server Klinik</a:t>
-            </a:r>
-            <a:endParaRPr lang="de-CH" dirty="0"/>
-          </a:p>
-        </p:txBody>
-      </p:sp>
-    </p:spTree>
-    <p:extLst>
-      <p:ext uri="{BB962C8B-B14F-4D97-AF65-F5344CB8AC3E}">
-        <p14:creationId xmlns:p14="http://schemas.microsoft.com/office/powerpoint/2010/main" val="2278301276"/>
-      </p:ext>
-    </p:extLst>
-  </p:cSld>
-  <p:clrMapOvr>
-    <a:masterClrMapping/>
-  </p:clrMapOvr>
-  <p:timing>
-    <p:tnLst>
-      <p:par>
-        <p:cTn id="1" dur="indefinite" restart="never" nodeType="tmRoot"/>
-      </p:par>
-    </p:tnLst>
-  </p:timing>
-</p:sld>
-</file>
-
-<file path=ppt/slides/slide12.xml><?xml version="1.0" encoding="utf-8"?>
-<p:sld xmlns:a="http://schemas.openxmlformats.org/drawingml/2006/main" xmlns:r="http://schemas.openxmlformats.org/officeDocument/2006/relationships" xmlns:p="http://schemas.openxmlformats.org/presentationml/2006/main">
-  <p:cSld>
-    <p:spTree>
-      <p:nvGrpSpPr>
-        <p:cNvPr id="1" name=""/>
-        <p:cNvGrpSpPr/>
-        <p:nvPr/>
-      </p:nvGrpSpPr>
-      <p:grpSpPr>
-        <a:xfrm>
-          <a:off x="0" y="0"/>
-          <a:ext cx="0" cy="0"/>
-          <a:chOff x="0" y="0"/>
-          <a:chExt cx="0" cy="0"/>
-        </a:xfrm>
-      </p:grpSpPr>
-      <p:sp>
-        <p:nvSpPr>
-          <p:cNvPr id="2" name="Titel 1"/>
-          <p:cNvSpPr>
-            <a:spLocks noGrp="1"/>
-          </p:cNvSpPr>
-          <p:nvPr>
-            <p:ph type="title"/>
-          </p:nvPr>
-        </p:nvSpPr>
-        <p:spPr/>
-        <p:txBody>
-          <a:bodyPr/>
-          <a:lstStyle/>
-          <a:p>
-            <a:endParaRPr lang="de-CH"/>
-          </a:p>
-        </p:txBody>
-      </p:sp>
-      <p:sp>
-        <p:nvSpPr>
-          <p:cNvPr id="3" name="Inhaltsplatzhalter 2"/>
-          <p:cNvSpPr>
-            <a:spLocks noGrp="1"/>
-          </p:cNvSpPr>
-          <p:nvPr>
-            <p:ph idx="1"/>
-          </p:nvPr>
-        </p:nvSpPr>
-        <p:spPr/>
-        <p:txBody>
-          <a:bodyPr/>
-          <a:lstStyle/>
-          <a:p>
-            <a:endParaRPr lang="de-CH"/>
-          </a:p>
-        </p:txBody>
-      </p:sp>
-      <p:pic>
-        <p:nvPicPr>
           <p:cNvPr id="1026" name="Picture 2" descr="C:\Users\James\workspaceLuna\sed_projekt\doc\task07\classDiagrammSED.png"/>
           <p:cNvPicPr>
             <a:picLocks noChangeAspect="1" noChangeArrowheads="1"/>
@@ -4909,7 +5055,7 @@
 </p:sld>
 </file>
 
-<file path=ppt/slides/slide13.xml><?xml version="1.0" encoding="utf-8"?>
+<file path=ppt/slides/slide11.xml><?xml version="1.0" encoding="utf-8"?>
 <p:sld xmlns:a="http://schemas.openxmlformats.org/drawingml/2006/main" xmlns:r="http://schemas.openxmlformats.org/officeDocument/2006/relationships" xmlns:p="http://schemas.openxmlformats.org/presentationml/2006/main" show="0">
   <p:cSld>
     <p:spTree>
@@ -5029,7 +5175,7 @@
 </p:sld>
 </file>
 
-<file path=ppt/slides/slide14.xml><?xml version="1.0" encoding="utf-8"?>
+<file path=ppt/slides/slide12.xml><?xml version="1.0" encoding="utf-8"?>
 <p:sld xmlns:a="http://schemas.openxmlformats.org/drawingml/2006/main" xmlns:r="http://schemas.openxmlformats.org/officeDocument/2006/relationships" xmlns:p="http://schemas.openxmlformats.org/presentationml/2006/main" show="0">
   <p:cSld>
     <p:spTree>
@@ -5178,7 +5324,7 @@
 </p:sld>
 </file>
 
-<file path=ppt/slides/slide15.xml><?xml version="1.0" encoding="utf-8"?>
+<file path=ppt/slides/slide13.xml><?xml version="1.0" encoding="utf-8"?>
 <p:sld xmlns:a="http://schemas.openxmlformats.org/drawingml/2006/main" xmlns:r="http://schemas.openxmlformats.org/officeDocument/2006/relationships" xmlns:p="http://schemas.openxmlformats.org/presentationml/2006/main">
   <p:cSld>
     <p:spTree>
@@ -5706,192 +5852,6 @@
 </file>
 
 <file path=ppt/slides/slide4.xml><?xml version="1.0" encoding="utf-8"?>
-<p:sld xmlns:a="http://schemas.openxmlformats.org/drawingml/2006/main" xmlns:r="http://schemas.openxmlformats.org/officeDocument/2006/relationships" xmlns:p="http://schemas.openxmlformats.org/presentationml/2006/main" show="0">
-  <p:cSld>
-    <p:spTree>
-      <p:nvGrpSpPr>
-        <p:cNvPr id="1" name=""/>
-        <p:cNvGrpSpPr/>
-        <p:nvPr/>
-      </p:nvGrpSpPr>
-      <p:grpSpPr>
-        <a:xfrm>
-          <a:off x="0" y="0"/>
-          <a:ext cx="0" cy="0"/>
-          <a:chOff x="0" y="0"/>
-          <a:chExt cx="0" cy="0"/>
-        </a:xfrm>
-      </p:grpSpPr>
-      <p:sp>
-        <p:nvSpPr>
-          <p:cNvPr id="2" name="Titel 1"/>
-          <p:cNvSpPr>
-            <a:spLocks noGrp="1"/>
-          </p:cNvSpPr>
-          <p:nvPr>
-            <p:ph type="title"/>
-          </p:nvPr>
-        </p:nvSpPr>
-        <p:spPr/>
-        <p:txBody>
-          <a:bodyPr/>
-          <a:lstStyle/>
-          <a:p>
-            <a:r>
-              <a:rPr lang="de-CH" dirty="0" smtClean="0"/>
-              <a:t>Domain Model</a:t>
-            </a:r>
-            <a:endParaRPr lang="de-CH" dirty="0"/>
-          </a:p>
-        </p:txBody>
-      </p:sp>
-      <p:sp>
-        <p:nvSpPr>
-          <p:cNvPr id="3" name="Inhaltsplatzhalter 2"/>
-          <p:cNvSpPr>
-            <a:spLocks noGrp="1"/>
-          </p:cNvSpPr>
-          <p:nvPr>
-            <p:ph idx="1"/>
-          </p:nvPr>
-        </p:nvSpPr>
-        <p:spPr/>
-        <p:txBody>
-          <a:bodyPr>
-            <a:normAutofit lnSpcReduction="10000"/>
-          </a:bodyPr>
-          <a:lstStyle/>
-          <a:p>
-            <a:r>
-              <a:rPr lang="de-CH" dirty="0" err="1" smtClean="0"/>
-              <a:t>Calendar</a:t>
-            </a:r>
-            <a:r>
-              <a:rPr lang="de-CH" dirty="0" smtClean="0"/>
-              <a:t> enthält sämtliche </a:t>
-            </a:r>
-            <a:r>
-              <a:rPr lang="de-CH" dirty="0" err="1" smtClean="0"/>
-              <a:t>Calendar</a:t>
-            </a:r>
-            <a:r>
-              <a:rPr lang="de-CH" dirty="0" smtClean="0"/>
-              <a:t> </a:t>
-            </a:r>
-            <a:r>
-              <a:rPr lang="de-CH" dirty="0" err="1" smtClean="0"/>
-              <a:t>Entries</a:t>
-            </a:r>
-            <a:endParaRPr lang="de-CH" dirty="0" smtClean="0"/>
-          </a:p>
-          <a:p>
-            <a:r>
-              <a:rPr lang="de-CH" dirty="0" smtClean="0"/>
-              <a:t>Jedem Entry ist eine </a:t>
-            </a:r>
-            <a:r>
-              <a:rPr lang="de-CH" dirty="0" err="1" smtClean="0"/>
-              <a:t>Activity</a:t>
-            </a:r>
-            <a:r>
-              <a:rPr lang="de-CH" dirty="0"/>
-              <a:t>,</a:t>
-            </a:r>
-            <a:r>
-              <a:rPr lang="de-CH" dirty="0" smtClean="0"/>
-              <a:t> ein </a:t>
-            </a:r>
-            <a:r>
-              <a:rPr lang="de-CH" dirty="0" err="1" smtClean="0"/>
-              <a:t>Appointment</a:t>
-            </a:r>
-            <a:r>
-              <a:rPr lang="de-CH" dirty="0" smtClean="0"/>
-              <a:t> oder eine </a:t>
-            </a:r>
-            <a:r>
-              <a:rPr lang="de-CH" dirty="0" err="1" smtClean="0"/>
-              <a:t>Medication</a:t>
-            </a:r>
-            <a:r>
-              <a:rPr lang="de-CH" dirty="0" smtClean="0"/>
-              <a:t> zugewiesen</a:t>
-            </a:r>
-          </a:p>
-          <a:p>
-            <a:r>
-              <a:rPr lang="de-CH" dirty="0" smtClean="0"/>
-              <a:t>Bei </a:t>
-            </a:r>
-            <a:r>
-              <a:rPr lang="de-CH" dirty="0" err="1" smtClean="0"/>
-              <a:t>Appointments</a:t>
-            </a:r>
-            <a:r>
-              <a:rPr lang="de-CH" dirty="0" smtClean="0"/>
-              <a:t> kann der Arzt kontaktiert werden</a:t>
-            </a:r>
-          </a:p>
-          <a:p>
-            <a:r>
-              <a:rPr lang="de-CH" dirty="0" err="1" smtClean="0"/>
-              <a:t>Activities</a:t>
-            </a:r>
-            <a:r>
-              <a:rPr lang="de-CH" dirty="0" smtClean="0"/>
-              <a:t> sind mit </a:t>
-            </a:r>
-            <a:r>
-              <a:rPr lang="de-CH" dirty="0" err="1" smtClean="0"/>
-              <a:t>LifeUp</a:t>
-            </a:r>
-            <a:r>
-              <a:rPr lang="de-CH" dirty="0" smtClean="0"/>
-              <a:t> verbunden und werden dort angezeigt</a:t>
-            </a:r>
-          </a:p>
-          <a:p>
-            <a:r>
-              <a:rPr lang="de-CH" dirty="0" err="1" smtClean="0"/>
-              <a:t>KlinikConnector</a:t>
-            </a:r>
-            <a:r>
-              <a:rPr lang="de-CH" dirty="0" smtClean="0"/>
-              <a:t> ist zuständig für die Notfallnummern</a:t>
-            </a:r>
-            <a:endParaRPr lang="de-CH" dirty="0"/>
-          </a:p>
-        </p:txBody>
-      </p:sp>
-    </p:spTree>
-    <p:extLst>
-      <p:ext uri="{BB962C8B-B14F-4D97-AF65-F5344CB8AC3E}">
-        <p14:creationId xmlns:p14="http://schemas.microsoft.com/office/powerpoint/2010/main" val="2806369572"/>
-      </p:ext>
-    </p:extLst>
-  </p:cSld>
-  <p:clrMapOvr>
-    <a:masterClrMapping/>
-  </p:clrMapOvr>
-  <mc:AlternateContent xmlns:mc="http://schemas.openxmlformats.org/markup-compatibility/2006">
-    <mc:Choice xmlns:p14="http://schemas.microsoft.com/office/powerpoint/2010/main" Requires="p14">
-      <p:transition spd="slow" p14:dur="2000"/>
-    </mc:Choice>
-    <mc:Fallback>
-      <p:transition spd="slow"/>
-    </mc:Fallback>
-  </mc:AlternateContent>
-  <p:timing>
-    <p:tnLst>
-      <p:par>
-        <p:cTn id="1" dur="indefinite" restart="never" nodeType="tmRoot"/>
-      </p:par>
-    </p:tnLst>
-  </p:timing>
-</p:sld>
-</file>
-
-<file path=ppt/slides/slide5.xml><?xml version="1.0" encoding="utf-8"?>
 <p:sld xmlns:a="http://schemas.openxmlformats.org/drawingml/2006/main" xmlns:r="http://schemas.openxmlformats.org/officeDocument/2006/relationships" xmlns:p="http://schemas.openxmlformats.org/presentationml/2006/main">
   <p:cSld>
     <p:spTree>
@@ -6439,7 +6399,7 @@
 </p:sld>
 </file>
 
-<file path=ppt/slides/slide6.xml><?xml version="1.0" encoding="utf-8"?>
+<file path=ppt/slides/slide5.xml><?xml version="1.0" encoding="utf-8"?>
 <p:sld xmlns:a="http://schemas.openxmlformats.org/drawingml/2006/main" xmlns:r="http://schemas.openxmlformats.org/officeDocument/2006/relationships" xmlns:p="http://schemas.openxmlformats.org/presentationml/2006/main">
   <p:cSld>
     <p:spTree>
@@ -6659,7 +6619,7 @@
 </p:sld>
 </file>
 
-<file path=ppt/slides/slide7.xml><?xml version="1.0" encoding="utf-8"?>
+<file path=ppt/slides/slide6.xml><?xml version="1.0" encoding="utf-8"?>
 <p:sld xmlns:a="http://schemas.openxmlformats.org/drawingml/2006/main" xmlns:r="http://schemas.openxmlformats.org/officeDocument/2006/relationships" xmlns:p="http://schemas.openxmlformats.org/presentationml/2006/main">
   <p:cSld>
     <p:spTree>
@@ -6716,14 +6676,14 @@
       </p:sp>
       <p:pic>
         <p:nvPicPr>
-          <p:cNvPr id="2051" name="Picture 3" descr="C:\Users\James\Desktop\updateDataSequenceDiagramm.png"/>
+          <p:cNvPr id="3074" name="Picture 2" descr="C:\Users\James\workspaceLuna\sed_projekt\doc\task07\remideDailyEvents.png"/>
           <p:cNvPicPr>
             <a:picLocks noChangeAspect="1" noChangeArrowheads="1"/>
           </p:cNvPicPr>
           <p:nvPr/>
         </p:nvPicPr>
         <p:blipFill>
-          <a:blip r:embed="rId2">
+          <a:blip r:embed="rId3">
             <a:extLst>
               <a:ext uri="{28A0092B-C50C-407E-A947-70E740481C1C}">
                 <a14:useLocalDpi xmlns:a14="http://schemas.microsoft.com/office/drawing/2010/main" val="0"/>
@@ -6737,8 +6697,8 @@
         </p:blipFill>
         <p:spPr bwMode="auto">
           <a:xfrm>
-            <a:off x="-1" y="-1"/>
-            <a:ext cx="9205367" cy="6600825"/>
+            <a:off x="757238" y="77770"/>
+            <a:ext cx="8215312" cy="6256355"/>
           </a:xfrm>
           <a:prstGeom prst="rect">
             <a:avLst/>
@@ -6755,6 +6715,54 @@
           </a:extLst>
         </p:spPr>
       </p:pic>
+      <p:sp>
+        <p:nvSpPr>
+          <p:cNvPr id="5" name="Ellipse 4"/>
+          <p:cNvSpPr/>
+          <p:nvPr/>
+        </p:nvSpPr>
+        <p:spPr>
+          <a:xfrm>
+            <a:off x="-628650" y="952500"/>
+            <a:ext cx="9658350" cy="3352800"/>
+          </a:xfrm>
+          <a:prstGeom prst="ellipse">
+            <a:avLst/>
+          </a:prstGeom>
+          <a:noFill/>
+          <a:ln w="76200">
+            <a:solidFill>
+              <a:srgbClr val="AD0011"/>
+            </a:solidFill>
+          </a:ln>
+        </p:spPr>
+        <p:style>
+          <a:lnRef idx="1">
+            <a:schemeClr val="accent1"/>
+          </a:lnRef>
+          <a:fillRef idx="3">
+            <a:schemeClr val="accent1"/>
+          </a:fillRef>
+          <a:effectRef idx="2">
+            <a:schemeClr val="accent1"/>
+          </a:effectRef>
+          <a:fontRef idx="minor">
+            <a:schemeClr val="lt1"/>
+          </a:fontRef>
+        </p:style>
+        <p:txBody>
+          <a:bodyPr rtlCol="0" anchor="ctr"/>
+          <a:lstStyle/>
+          <a:p>
+            <a:pPr algn="ctr"/>
+            <a:endParaRPr lang="de-CH">
+              <a:solidFill>
+                <a:srgbClr val="800000"/>
+              </a:solidFill>
+            </a:endParaRPr>
+          </a:p>
+        </p:txBody>
+      </p:sp>
     </p:spTree>
     <p:extLst>
       <p:ext uri="{BB962C8B-B14F-4D97-AF65-F5344CB8AC3E}">
@@ -6768,14 +6776,85 @@
   <p:timing>
     <p:tnLst>
       <p:par>
-        <p:cTn id="1" dur="indefinite" restart="never" nodeType="tmRoot"/>
+        <p:cTn id="1" dur="indefinite" restart="never" nodeType="tmRoot">
+          <p:childTnLst>
+            <p:seq concurrent="1" nextAc="seek">
+              <p:cTn id="2" dur="indefinite" nodeType="mainSeq">
+                <p:childTnLst>
+                  <p:par>
+                    <p:cTn id="3" fill="hold">
+                      <p:stCondLst>
+                        <p:cond delay="indefinite"/>
+                      </p:stCondLst>
+                      <p:childTnLst>
+                        <p:par>
+                          <p:cTn id="4" fill="hold">
+                            <p:stCondLst>
+                              <p:cond delay="0"/>
+                            </p:stCondLst>
+                            <p:childTnLst>
+                              <p:par>
+                                <p:cTn id="5" presetID="1" presetClass="entr" presetSubtype="0" fill="hold" grpId="0" nodeType="clickEffect">
+                                  <p:stCondLst>
+                                    <p:cond delay="0"/>
+                                  </p:stCondLst>
+                                  <p:childTnLst>
+                                    <p:set>
+                                      <p:cBhvr>
+                                        <p:cTn id="6" dur="1" fill="hold">
+                                          <p:stCondLst>
+                                            <p:cond delay="0"/>
+                                          </p:stCondLst>
+                                        </p:cTn>
+                                        <p:tgtEl>
+                                          <p:spTgt spid="5"/>
+                                        </p:tgtEl>
+                                        <p:attrNameLst>
+                                          <p:attrName>style.visibility</p:attrName>
+                                        </p:attrNameLst>
+                                      </p:cBhvr>
+                                      <p:to>
+                                        <p:strVal val="visible"/>
+                                      </p:to>
+                                    </p:set>
+                                  </p:childTnLst>
+                                </p:cTn>
+                              </p:par>
+                            </p:childTnLst>
+                          </p:cTn>
+                        </p:par>
+                      </p:childTnLst>
+                    </p:cTn>
+                  </p:par>
+                </p:childTnLst>
+              </p:cTn>
+              <p:prevCondLst>
+                <p:cond evt="onPrev" delay="0">
+                  <p:tgtEl>
+                    <p:sldTgt/>
+                  </p:tgtEl>
+                </p:cond>
+              </p:prevCondLst>
+              <p:nextCondLst>
+                <p:cond evt="onNext" delay="0">
+                  <p:tgtEl>
+                    <p:sldTgt/>
+                  </p:tgtEl>
+                </p:cond>
+              </p:nextCondLst>
+            </p:seq>
+          </p:childTnLst>
+        </p:cTn>
       </p:par>
     </p:tnLst>
+    <p:bldLst>
+      <p:bldP spid="5" grpId="0" animBg="1"/>
+    </p:bldLst>
   </p:timing>
 </p:sld>
 </file>
 
-<file path=ppt/slides/slide8.xml><?xml version="1.0" encoding="utf-8"?>
+<file path=ppt/slides/slide7.xml><?xml version="1.0" encoding="utf-8"?>
 <p:sld xmlns:a="http://schemas.openxmlformats.org/drawingml/2006/main" xmlns:r="http://schemas.openxmlformats.org/officeDocument/2006/relationships" xmlns:p="http://schemas.openxmlformats.org/presentationml/2006/main" show="0">
   <p:cSld>
     <p:spTree>
@@ -6932,7 +7011,7 @@
 </p:sld>
 </file>
 
-<file path=ppt/slides/slide9.xml><?xml version="1.0" encoding="utf-8"?>
+<file path=ppt/slides/slide8.xml><?xml version="1.0" encoding="utf-8"?>
 <p:sld xmlns:a="http://schemas.openxmlformats.org/drawingml/2006/main" xmlns:r="http://schemas.openxmlformats.org/officeDocument/2006/relationships" xmlns:p="http://schemas.openxmlformats.org/presentationml/2006/main">
   <p:cSld>
     <p:spTree>
@@ -6987,7 +7066,7 @@
           </p:nvPr>
         </p:nvPicPr>
         <p:blipFill>
-          <a:blip r:embed="rId2">
+          <a:blip r:embed="rId3">
             <a:extLst>
               <a:ext uri="{28A0092B-C50C-407E-A947-70E740481C1C}">
                 <a14:useLocalDpi xmlns:a14="http://schemas.microsoft.com/office/drawing/2010/main" val="0"/>
@@ -7028,7 +7107,7 @@
           <p:nvPr/>
         </p:nvPicPr>
         <p:blipFill>
-          <a:blip r:embed="rId3">
+          <a:blip r:embed="rId4">
             <a:extLst>
               <a:ext uri="{28A0092B-C50C-407E-A947-70E740481C1C}">
                 <a14:useLocalDpi xmlns:a14="http://schemas.microsoft.com/office/drawing/2010/main" val="0"/>
@@ -7195,6 +7274,105 @@
     <p:bldLst>
       <p:bldP spid="7" grpId="0" animBg="1"/>
     </p:bldLst>
+  </p:timing>
+</p:sld>
+</file>
+
+<file path=ppt/slides/slide9.xml><?xml version="1.0" encoding="utf-8"?>
+<p:sld xmlns:a="http://schemas.openxmlformats.org/drawingml/2006/main" xmlns:r="http://schemas.openxmlformats.org/officeDocument/2006/relationships" xmlns:p="http://schemas.openxmlformats.org/presentationml/2006/main">
+  <p:cSld>
+    <p:spTree>
+      <p:nvGrpSpPr>
+        <p:cNvPr id="1" name=""/>
+        <p:cNvGrpSpPr/>
+        <p:nvPr/>
+      </p:nvGrpSpPr>
+      <p:grpSpPr>
+        <a:xfrm>
+          <a:off x="0" y="0"/>
+          <a:ext cx="0" cy="0"/>
+          <a:chOff x="0" y="0"/>
+          <a:chExt cx="0" cy="0"/>
+        </a:xfrm>
+      </p:grpSpPr>
+      <p:sp>
+        <p:nvSpPr>
+          <p:cNvPr id="2" name="Titel 1"/>
+          <p:cNvSpPr>
+            <a:spLocks noGrp="1"/>
+          </p:cNvSpPr>
+          <p:nvPr>
+            <p:ph type="title"/>
+          </p:nvPr>
+        </p:nvSpPr>
+        <p:spPr/>
+        <p:txBody>
+          <a:bodyPr/>
+          <a:lstStyle/>
+          <a:p>
+            <a:endParaRPr lang="de-CH"/>
+          </a:p>
+        </p:txBody>
+      </p:sp>
+      <p:pic>
+        <p:nvPicPr>
+          <p:cNvPr id="2051" name="Picture 3" descr="C:\Users\James\workspaceLuna\sed_projekt\doc\task07\lifeUpActivtiy.png"/>
+          <p:cNvPicPr>
+            <a:picLocks noGrp="1" noChangeAspect="1" noChangeArrowheads="1"/>
+          </p:cNvPicPr>
+          <p:nvPr>
+            <p:ph idx="1"/>
+          </p:nvPr>
+        </p:nvPicPr>
+        <p:blipFill>
+          <a:blip r:embed="rId3">
+            <a:extLst>
+              <a:ext uri="{28A0092B-C50C-407E-A947-70E740481C1C}">
+                <a14:useLocalDpi xmlns:a14="http://schemas.microsoft.com/office/drawing/2010/main" val="0"/>
+              </a:ext>
+            </a:extLst>
+          </a:blip>
+          <a:srcRect/>
+          <a:stretch>
+            <a:fillRect/>
+          </a:stretch>
+        </p:blipFill>
+        <p:spPr bwMode="auto">
+          <a:xfrm>
+            <a:off x="1015265" y="19050"/>
+            <a:ext cx="6895816" cy="6591300"/>
+          </a:xfrm>
+          <a:prstGeom prst="rect">
+            <a:avLst/>
+          </a:prstGeom>
+          <a:noFill/>
+          <a:extLst>
+            <a:ext uri="{909E8E84-426E-40DD-AFC4-6F175D3DCCD1}">
+              <a14:hiddenFill xmlns:a14="http://schemas.microsoft.com/office/drawing/2010/main">
+                <a:solidFill>
+                  <a:srgbClr val="FFFFFF"/>
+                </a:solidFill>
+              </a14:hiddenFill>
+            </a:ext>
+          </a:extLst>
+        </p:spPr>
+      </p:pic>
+    </p:spTree>
+    <p:extLst>
+      <p:ext uri="{BB962C8B-B14F-4D97-AF65-F5344CB8AC3E}">
+        <p14:creationId xmlns:p14="http://schemas.microsoft.com/office/powerpoint/2010/main" val="2678445934"/>
+      </p:ext>
+    </p:extLst>
+  </p:cSld>
+  <p:clrMapOvr>
+    <a:masterClrMapping/>
+  </p:clrMapOvr>
+  <p:timing>
+    <p:tnLst>
+      <p:par>
+        <p:cTn id="1" dur="indefinite" restart="never" nodeType="tmRoot"/>
+      </p:par>
+    </p:tnLst>
   </p:timing>
 </p:sld>
 </file>

--- a/doc/task07/design.pptx
+++ b/doc/task07/design.pptx
@@ -4889,8 +4889,8 @@
           <a:lstStyle/>
           <a:p>
             <a:r>
-              <a:rPr lang="de-DE" dirty="0" err="1" smtClean="0"/>
-              <a:t>Diagrams</a:t>
+              <a:rPr lang="de-DE" dirty="0" smtClean="0"/>
+              <a:t>Diagramme</a:t>
             </a:r>
             <a:endParaRPr lang="de-DE" dirty="0"/>
           </a:p>
@@ -4996,7 +4996,7 @@
       </p:sp>
       <p:pic>
         <p:nvPicPr>
-          <p:cNvPr id="1026" name="Picture 2" descr="C:\Users\James\workspaceLuna\sed_projekt\doc\task07\classDiagrammSED.png"/>
+          <p:cNvPr id="1027" name="Picture 3" descr="C:\Users\James\workspaceLuna\sed_projekt\doc\task07\classDiagrammSED.png"/>
           <p:cNvPicPr>
             <a:picLocks noChangeAspect="1" noChangeArrowheads="1"/>
           </p:cNvPicPr>
@@ -5017,8 +5017,8 @@
         </p:blipFill>
         <p:spPr bwMode="auto">
           <a:xfrm>
-            <a:off x="19283" y="0"/>
-            <a:ext cx="9124717" cy="6610350"/>
+            <a:off x="457200" y="141288"/>
+            <a:ext cx="8101013" cy="6414830"/>
           </a:xfrm>
           <a:prstGeom prst="rect">
             <a:avLst/>
@@ -5357,12 +5357,8 @@
           <a:lstStyle/>
           <a:p>
             <a:r>
-              <a:rPr lang="de-CH" dirty="0" err="1" smtClean="0"/>
-              <a:t>Questions</a:t>
-            </a:r>
-            <a:r>
-              <a:rPr lang="de-CH" dirty="0" smtClean="0"/>
-              <a:t>?</a:t>
+              <a:rPr lang="de-CH" smtClean="0"/>
+              <a:t>Fragen?</a:t>
             </a:r>
             <a:endParaRPr lang="de-CH" dirty="0"/>
           </a:p>

--- a/doc/task07/design.pptx
+++ b/doc/task07/design.pptx
@@ -4971,36 +4971,19 @@
           <a:bodyPr/>
           <a:lstStyle/>
           <a:p>
-            <a:endParaRPr lang="de-CH"/>
-          </a:p>
-        </p:txBody>
-      </p:sp>
-      <p:sp>
-        <p:nvSpPr>
-          <p:cNvPr id="3" name="Inhaltsplatzhalter 2"/>
-          <p:cNvSpPr>
-            <a:spLocks noGrp="1"/>
-          </p:cNvSpPr>
-          <p:nvPr>
-            <p:ph idx="1"/>
-          </p:nvPr>
-        </p:nvSpPr>
-        <p:spPr/>
-        <p:txBody>
-          <a:bodyPr/>
-          <a:lstStyle/>
-          <a:p>
-            <a:endParaRPr lang="de-CH"/>
+            <a:endParaRPr lang="de-CH" dirty="0"/>
           </a:p>
         </p:txBody>
       </p:sp>
       <p:pic>
         <p:nvPicPr>
-          <p:cNvPr id="1027" name="Picture 3" descr="C:\Users\James\workspaceLuna\sed_projekt\doc\task07\classDiagrammSED.png"/>
+          <p:cNvPr id="1028" name="Picture 4" descr="C:\Users\James\workspaceLuna\sed_projekt\doc\task07\classDiagrammSED.png"/>
           <p:cNvPicPr>
-            <a:picLocks noChangeAspect="1" noChangeArrowheads="1"/>
+            <a:picLocks noGrp="1" noChangeAspect="1" noChangeArrowheads="1"/>
           </p:cNvPicPr>
-          <p:nvPr/>
+          <p:nvPr>
+            <p:ph idx="1"/>
+          </p:nvPr>
         </p:nvPicPr>
         <p:blipFill>
           <a:blip r:embed="rId3">
@@ -5017,8 +5000,8 @@
         </p:blipFill>
         <p:spPr bwMode="auto">
           <a:xfrm>
-            <a:off x="457200" y="141288"/>
-            <a:ext cx="8101013" cy="6414830"/>
+            <a:off x="266700" y="57150"/>
+            <a:ext cx="8686800" cy="6407007"/>
           </a:xfrm>
           <a:prstGeom prst="rect">
             <a:avLst/>
@@ -5357,7 +5340,7 @@
           <a:lstStyle/>
           <a:p>
             <a:r>
-              <a:rPr lang="de-CH" smtClean="0"/>
+              <a:rPr lang="de-CH" dirty="0" smtClean="0"/>
               <a:t>Fragen?</a:t>
             </a:r>
             <a:endParaRPr lang="de-CH" dirty="0"/>

--- a/doc/task07/design.pptx
+++ b/doc/task07/design.pptx
@@ -121,7 +121,7 @@
   </p:defaultTextStyle>
   <p:extLst>
     <p:ext uri="{EFAFB233-063F-42B5-8137-9DF3F51BA10A}">
-      <p15:sldGuideLst xmlns:p15="http://schemas.microsoft.com/office/powerpoint/2012/main" xmlns="">
+      <p15:sldGuideLst xmlns="" xmlns:p15="http://schemas.microsoft.com/office/powerpoint/2012/main">
         <p15:guide id="1" orient="horz" pos="2160">
           <p15:clr>
             <a:srgbClr val="A4A3A4"/>
@@ -4975,15 +4975,32 @@
           </a:p>
         </p:txBody>
       </p:sp>
+      <p:sp>
+        <p:nvSpPr>
+          <p:cNvPr id="3" name="Inhaltsplatzhalter 2"/>
+          <p:cNvSpPr>
+            <a:spLocks noGrp="1"/>
+          </p:cNvSpPr>
+          <p:nvPr>
+            <p:ph idx="1"/>
+          </p:nvPr>
+        </p:nvSpPr>
+        <p:spPr/>
+        <p:txBody>
+          <a:bodyPr/>
+          <a:lstStyle/>
+          <a:p>
+            <a:endParaRPr lang="de-CH"/>
+          </a:p>
+        </p:txBody>
+      </p:sp>
       <p:pic>
         <p:nvPicPr>
-          <p:cNvPr id="1028" name="Picture 4" descr="C:\Users\James\workspaceLuna\sed_projekt\doc\task07\classDiagrammSED.png"/>
+          <p:cNvPr id="2050" name="Picture 2" descr="C:\Users\James\workspaceLuna\sed_projekt\doc\task07\classDiagrammSED.png"/>
           <p:cNvPicPr>
-            <a:picLocks noGrp="1" noChangeAspect="1" noChangeArrowheads="1"/>
+            <a:picLocks noChangeAspect="1" noChangeArrowheads="1"/>
           </p:cNvPicPr>
-          <p:nvPr>
-            <p:ph idx="1"/>
-          </p:nvPr>
+          <p:nvPr/>
         </p:nvPicPr>
         <p:blipFill>
           <a:blip r:embed="rId3">
@@ -5000,8 +5017,8 @@
         </p:blipFill>
         <p:spPr bwMode="auto">
           <a:xfrm>
-            <a:off x="266700" y="57150"/>
-            <a:ext cx="8686800" cy="6407007"/>
+            <a:off x="514350" y="84138"/>
+            <a:ext cx="8009045" cy="6342005"/>
           </a:xfrm>
           <a:prstGeom prst="rect">
             <a:avLst/>
@@ -5140,11 +5157,11 @@
   <p:clrMapOvr>
     <a:masterClrMapping/>
   </p:clrMapOvr>
-  <mc:AlternateContent xmlns:mc="http://schemas.openxmlformats.org/markup-compatibility/2006">
-    <mc:Choice xmlns:p14="http://schemas.microsoft.com/office/powerpoint/2010/main" Requires="p14">
+  <mc:AlternateContent xmlns:mc="http://schemas.openxmlformats.org/markup-compatibility/2006" xmlns:p14="http://schemas.microsoft.com/office/powerpoint/2010/main">
+    <mc:Choice Requires="p14">
       <p:transition spd="slow" p14:dur="2000"/>
     </mc:Choice>
-    <mc:Fallback>
+    <mc:Fallback xmlns="">
       <p:transition spd="slow"/>
     </mc:Fallback>
   </mc:AlternateContent>
@@ -5289,11 +5306,11 @@
   <p:clrMapOvr>
     <a:masterClrMapping/>
   </p:clrMapOvr>
-  <mc:AlternateContent xmlns:mc="http://schemas.openxmlformats.org/markup-compatibility/2006">
-    <mc:Choice xmlns:p14="http://schemas.microsoft.com/office/powerpoint/2010/main" Requires="p14">
+  <mc:AlternateContent xmlns:mc="http://schemas.openxmlformats.org/markup-compatibility/2006" xmlns:p14="http://schemas.microsoft.com/office/powerpoint/2010/main">
+    <mc:Choice Requires="p14">
       <p:transition spd="slow" p14:dur="2000"/>
     </mc:Choice>
-    <mc:Fallback>
+    <mc:Fallback xmlns="">
       <p:transition spd="slow"/>
     </mc:Fallback>
   </mc:AlternateContent>
@@ -5480,11 +5497,7 @@
           <a:p>
             <a:r>
               <a:rPr lang="de-CH" dirty="0" smtClean="0"/>
-              <a:t>Domain </a:t>
-            </a:r>
-            <a:r>
-              <a:rPr lang="de-CH" dirty="0" smtClean="0"/>
-              <a:t>Model</a:t>
+              <a:t>Domain Model</a:t>
             </a:r>
           </a:p>
           <a:p>
@@ -5872,13 +5885,11 @@
       </p:sp>
       <p:pic>
         <p:nvPicPr>
-          <p:cNvPr id="6146" name="Picture 2" descr="C:\Users\James\workspaceLuna\sed_projekt\doc\task07\domainModelSED.png"/>
+          <p:cNvPr id="1027" name="Picture 3" descr="C:\Users\James\workspaceLuna\sed_projekt\doc\task07\domainModelSED.png"/>
           <p:cNvPicPr>
-            <a:picLocks noGrp="1" noChangeAspect="1" noChangeArrowheads="1"/>
+            <a:picLocks noChangeAspect="1" noChangeArrowheads="1"/>
           </p:cNvPicPr>
-          <p:nvPr>
-            <p:ph idx="1"/>
-          </p:nvPr>
+          <p:nvPr/>
         </p:nvPicPr>
         <p:blipFill>
           <a:blip r:embed="rId3">
@@ -5895,8 +5906,8 @@
         </p:blipFill>
         <p:spPr bwMode="auto">
           <a:xfrm>
-            <a:off x="0" y="0"/>
-            <a:ext cx="9140340" cy="6043613"/>
+            <a:off x="0" y="217487"/>
+            <a:ext cx="9178754" cy="6069012"/>
           </a:xfrm>
           <a:prstGeom prst="rect">
             <a:avLst/>
@@ -5921,7 +5932,7 @@
         </p:nvSpPr>
         <p:spPr>
           <a:xfrm>
-            <a:off x="4933950" y="-200026"/>
+            <a:off x="4933950" y="-57617"/>
             <a:ext cx="2052637" cy="1399709"/>
           </a:xfrm>
           <a:prstGeom prst="ellipse">
@@ -5969,7 +5980,7 @@
         </p:nvSpPr>
         <p:spPr>
           <a:xfrm>
-            <a:off x="4371975" y="2038349"/>
+            <a:off x="4371974" y="2552138"/>
             <a:ext cx="2052637" cy="1399709"/>
           </a:xfrm>
           <a:prstGeom prst="ellipse">
@@ -6017,7 +6028,7 @@
         </p:nvSpPr>
         <p:spPr>
           <a:xfrm>
-            <a:off x="5398293" y="3595221"/>
+            <a:off x="5398293" y="4008998"/>
             <a:ext cx="2052637" cy="1399709"/>
           </a:xfrm>
           <a:prstGeom prst="ellipse">
@@ -6972,11 +6983,11 @@
   <p:clrMapOvr>
     <a:masterClrMapping/>
   </p:clrMapOvr>
-  <mc:AlternateContent xmlns:mc="http://schemas.openxmlformats.org/markup-compatibility/2006">
-    <mc:Choice xmlns:p14="http://schemas.microsoft.com/office/powerpoint/2010/main" Requires="p14">
+  <mc:AlternateContent xmlns:mc="http://schemas.openxmlformats.org/markup-compatibility/2006" xmlns:p14="http://schemas.microsoft.com/office/powerpoint/2010/main">
+    <mc:Choice Requires="p14">
       <p:transition spd="slow" p14:dur="2000"/>
     </mc:Choice>
-    <mc:Fallback>
+    <mc:Fallback xmlns="">
       <p:transition spd="slow"/>
     </mc:Fallback>
   </mc:AlternateContent>

--- a/doc/task07/design.pptx
+++ b/doc/task07/design.pptx
@@ -121,7 +121,7 @@
   </p:defaultTextStyle>
   <p:extLst>
     <p:ext uri="{EFAFB233-063F-42B5-8137-9DF3F51BA10A}">
-      <p15:sldGuideLst xmlns="" xmlns:p15="http://schemas.microsoft.com/office/powerpoint/2012/main">
+      <p15:sldGuideLst xmlns:p15="http://schemas.microsoft.com/office/powerpoint/2012/main" xmlns="">
         <p15:guide id="1" orient="horz" pos="2160">
           <p15:clr>
             <a:srgbClr val="A4A3A4"/>
@@ -4966,31 +4966,21 @@
             <p:ph type="title"/>
           </p:nvPr>
         </p:nvSpPr>
-        <p:spPr/>
+        <p:spPr>
+          <a:xfrm>
+            <a:off x="514351" y="0"/>
+            <a:ext cx="8229600" cy="1143000"/>
+          </a:xfrm>
+        </p:spPr>
         <p:txBody>
           <a:bodyPr/>
           <a:lstStyle/>
           <a:p>
+            <a:r>
+              <a:rPr lang="en-US" dirty="0" err="1" smtClean="0"/>
+              <a:t>Klassendiagramm</a:t>
+            </a:r>
             <a:endParaRPr lang="de-CH" dirty="0"/>
-          </a:p>
-        </p:txBody>
-      </p:sp>
-      <p:sp>
-        <p:nvSpPr>
-          <p:cNvPr id="3" name="Inhaltsplatzhalter 2"/>
-          <p:cNvSpPr>
-            <a:spLocks noGrp="1"/>
-          </p:cNvSpPr>
-          <p:nvPr>
-            <p:ph idx="1"/>
-          </p:nvPr>
-        </p:nvSpPr>
-        <p:spPr/>
-        <p:txBody>
-          <a:bodyPr/>
-          <a:lstStyle/>
-          <a:p>
-            <a:endParaRPr lang="de-CH"/>
           </a:p>
         </p:txBody>
       </p:sp>
@@ -5017,8 +5007,8 @@
         </p:blipFill>
         <p:spPr bwMode="auto">
           <a:xfrm>
-            <a:off x="514350" y="84138"/>
-            <a:ext cx="8009045" cy="6342005"/>
+            <a:off x="819151" y="824062"/>
+            <a:ext cx="7620000" cy="6033938"/>
           </a:xfrm>
           <a:prstGeom prst="rect">
             <a:avLst/>
@@ -5906,7 +5896,7 @@
         </p:blipFill>
         <p:spPr bwMode="auto">
           <a:xfrm>
-            <a:off x="0" y="217487"/>
+            <a:off x="0" y="660071"/>
             <a:ext cx="9178754" cy="6069012"/>
           </a:xfrm>
           <a:prstGeom prst="rect">
@@ -5932,7 +5922,7 @@
         </p:nvSpPr>
         <p:spPr>
           <a:xfrm>
-            <a:off x="4933950" y="-57617"/>
+            <a:off x="-304800" y="4023517"/>
             <a:ext cx="2052637" cy="1399709"/>
           </a:xfrm>
           <a:prstGeom prst="ellipse">
@@ -5980,7 +5970,7 @@
         </p:nvSpPr>
         <p:spPr>
           <a:xfrm>
-            <a:off x="4371974" y="2552138"/>
+            <a:off x="4886324" y="402801"/>
             <a:ext cx="2052637" cy="1399709"/>
           </a:xfrm>
           <a:prstGeom prst="ellipse">
@@ -6028,7 +6018,7 @@
         </p:nvSpPr>
         <p:spPr>
           <a:xfrm>
-            <a:off x="5398293" y="4008998"/>
+            <a:off x="4395785" y="2927021"/>
             <a:ext cx="2052637" cy="1399709"/>
           </a:xfrm>
           <a:prstGeom prst="ellipse">
@@ -6063,6 +6053,93 @@
             <a:endParaRPr lang="de-CH">
               <a:solidFill>
                 <a:srgbClr val="800000"/>
+              </a:solidFill>
+            </a:endParaRPr>
+          </a:p>
+        </p:txBody>
+      </p:sp>
+      <p:sp>
+        <p:nvSpPr>
+          <p:cNvPr id="7" name="Ellipse 6"/>
+          <p:cNvSpPr/>
+          <p:nvPr/>
+        </p:nvSpPr>
+        <p:spPr>
+          <a:xfrm>
+            <a:off x="5422103" y="4326730"/>
+            <a:ext cx="2052637" cy="1399709"/>
+          </a:xfrm>
+          <a:prstGeom prst="ellipse">
+            <a:avLst/>
+          </a:prstGeom>
+          <a:noFill/>
+          <a:ln w="76200">
+            <a:solidFill>
+              <a:srgbClr val="AD0011"/>
+            </a:solidFill>
+          </a:ln>
+        </p:spPr>
+        <p:style>
+          <a:lnRef idx="1">
+            <a:schemeClr val="accent1"/>
+          </a:lnRef>
+          <a:fillRef idx="3">
+            <a:schemeClr val="accent1"/>
+          </a:fillRef>
+          <a:effectRef idx="2">
+            <a:schemeClr val="accent1"/>
+          </a:effectRef>
+          <a:fontRef idx="minor">
+            <a:schemeClr val="lt1"/>
+          </a:fontRef>
+        </p:style>
+        <p:txBody>
+          <a:bodyPr rtlCol="0" anchor="ctr"/>
+          <a:lstStyle/>
+          <a:p>
+            <a:pPr algn="ctr"/>
+            <a:endParaRPr lang="de-CH">
+              <a:solidFill>
+                <a:srgbClr val="800000"/>
+              </a:solidFill>
+            </a:endParaRPr>
+          </a:p>
+        </p:txBody>
+      </p:sp>
+      <p:sp>
+        <p:nvSpPr>
+          <p:cNvPr id="3" name="Textfeld 2"/>
+          <p:cNvSpPr txBox="1"/>
+          <p:nvPr/>
+        </p:nvSpPr>
+        <p:spPr>
+          <a:xfrm>
+            <a:off x="721518" y="0"/>
+            <a:ext cx="7565232" cy="461665"/>
+          </a:xfrm>
+          <a:prstGeom prst="rect">
+            <a:avLst/>
+          </a:prstGeom>
+          <a:noFill/>
+        </p:spPr>
+        <p:txBody>
+          <a:bodyPr wrap="square" rtlCol="0">
+            <a:spAutoFit/>
+          </a:bodyPr>
+          <a:lstStyle/>
+          <a:p>
+            <a:pPr algn="ctr"/>
+            <a:r>
+              <a:rPr lang="en-US" sz="2400" b="1" dirty="0" smtClean="0">
+                <a:solidFill>
+                  <a:schemeClr val="bg1"/>
+                </a:solidFill>
+              </a:rPr>
+              <a:t>Domain Model</a:t>
+            </a:r>
+            <a:endParaRPr lang="de-CH" sz="2400" b="1" dirty="0">
+              <a:solidFill>
+                <a:schemeClr val="bg1"/>
               </a:solidFill>
             </a:endParaRPr>
           </a:p>
@@ -6356,6 +6433,96 @@
                       </p:childTnLst>
                     </p:cTn>
                   </p:par>
+                  <p:par>
+                    <p:cTn id="27" fill="hold">
+                      <p:stCondLst>
+                        <p:cond delay="indefinite"/>
+                      </p:stCondLst>
+                      <p:childTnLst>
+                        <p:par>
+                          <p:cTn id="28" fill="hold">
+                            <p:stCondLst>
+                              <p:cond delay="0"/>
+                            </p:stCondLst>
+                            <p:childTnLst>
+                              <p:par>
+                                <p:cTn id="29" presetID="1" presetClass="entr" presetSubtype="0" fill="hold" grpId="0" nodeType="clickEffect">
+                                  <p:stCondLst>
+                                    <p:cond delay="0"/>
+                                  </p:stCondLst>
+                                  <p:childTnLst>
+                                    <p:set>
+                                      <p:cBhvr>
+                                        <p:cTn id="30" dur="1" fill="hold">
+                                          <p:stCondLst>
+                                            <p:cond delay="0"/>
+                                          </p:stCondLst>
+                                        </p:cTn>
+                                        <p:tgtEl>
+                                          <p:spTgt spid="7"/>
+                                        </p:tgtEl>
+                                        <p:attrNameLst>
+                                          <p:attrName>style.visibility</p:attrName>
+                                        </p:attrNameLst>
+                                      </p:cBhvr>
+                                      <p:to>
+                                        <p:strVal val="visible"/>
+                                      </p:to>
+                                    </p:set>
+                                  </p:childTnLst>
+                                </p:cTn>
+                              </p:par>
+                            </p:childTnLst>
+                          </p:cTn>
+                        </p:par>
+                      </p:childTnLst>
+                    </p:cTn>
+                  </p:par>
+                  <p:par>
+                    <p:cTn id="31" fill="hold">
+                      <p:stCondLst>
+                        <p:cond delay="indefinite"/>
+                      </p:stCondLst>
+                      <p:childTnLst>
+                        <p:par>
+                          <p:cTn id="32" fill="hold">
+                            <p:stCondLst>
+                              <p:cond delay="0"/>
+                            </p:stCondLst>
+                            <p:childTnLst>
+                              <p:par>
+                                <p:cTn id="33" presetID="1" presetClass="exit" presetSubtype="0" fill="hold" grpId="1" nodeType="clickEffect">
+                                  <p:stCondLst>
+                                    <p:cond delay="0"/>
+                                  </p:stCondLst>
+                                  <p:childTnLst>
+                                    <p:set>
+                                      <p:cBhvr>
+                                        <p:cTn id="34" dur="1" fill="hold">
+                                          <p:stCondLst>
+                                            <p:cond delay="0"/>
+                                          </p:stCondLst>
+                                        </p:cTn>
+                                        <p:tgtEl>
+                                          <p:spTgt spid="7"/>
+                                        </p:tgtEl>
+                                        <p:attrNameLst>
+                                          <p:attrName>style.visibility</p:attrName>
+                                        </p:attrNameLst>
+                                      </p:cBhvr>
+                                      <p:to>
+                                        <p:strVal val="hidden"/>
+                                      </p:to>
+                                    </p:set>
+                                  </p:childTnLst>
+                                </p:cTn>
+                              </p:par>
+                            </p:childTnLst>
+                          </p:cTn>
+                        </p:par>
+                      </p:childTnLst>
+                    </p:cTn>
+                  </p:par>
                 </p:childTnLst>
               </p:cTn>
               <p:prevCondLst>
@@ -6384,6 +6551,8 @@
       <p:bldP spid="5" grpId="1" animBg="1"/>
       <p:bldP spid="6" grpId="0" animBg="1"/>
       <p:bldP spid="6" grpId="1" animBg="1"/>
+      <p:bldP spid="7" grpId="0" animBg="1"/>
+      <p:bldP spid="7" grpId="1" animBg="1"/>
     </p:bldLst>
   </p:timing>
 </p:sld>
